--- a/ClassSlides/Course3.pptx
+++ b/ClassSlides/Course3.pptx
@@ -273,7 +273,7 @@
           <a:p>
             <a:fld id="{74373FD1-1099-4002-89F1-A3B2CFD06407}" type="datetimeFigureOut">
               <a:rPr lang="en-US" smtClean="0"/>
-              <a:t>9/12/2019</a:t>
+              <a:t>9/16/2019</a:t>
             </a:fld>
             <a:endParaRPr lang="en-US"/>
           </a:p>
@@ -471,7 +471,7 @@
           <a:p>
             <a:fld id="{74373FD1-1099-4002-89F1-A3B2CFD06407}" type="datetimeFigureOut">
               <a:rPr lang="en-US" smtClean="0"/>
-              <a:t>9/12/2019</a:t>
+              <a:t>9/16/2019</a:t>
             </a:fld>
             <a:endParaRPr lang="en-US"/>
           </a:p>
@@ -679,7 +679,7 @@
           <a:p>
             <a:fld id="{74373FD1-1099-4002-89F1-A3B2CFD06407}" type="datetimeFigureOut">
               <a:rPr lang="en-US" smtClean="0"/>
-              <a:t>9/12/2019</a:t>
+              <a:t>9/16/2019</a:t>
             </a:fld>
             <a:endParaRPr lang="en-US"/>
           </a:p>
@@ -877,7 +877,7 @@
           <a:p>
             <a:fld id="{74373FD1-1099-4002-89F1-A3B2CFD06407}" type="datetimeFigureOut">
               <a:rPr lang="en-US" smtClean="0"/>
-              <a:t>9/12/2019</a:t>
+              <a:t>9/16/2019</a:t>
             </a:fld>
             <a:endParaRPr lang="en-US"/>
           </a:p>
@@ -1152,7 +1152,7 @@
           <a:p>
             <a:fld id="{74373FD1-1099-4002-89F1-A3B2CFD06407}" type="datetimeFigureOut">
               <a:rPr lang="en-US" smtClean="0"/>
-              <a:t>9/12/2019</a:t>
+              <a:t>9/16/2019</a:t>
             </a:fld>
             <a:endParaRPr lang="en-US"/>
           </a:p>
@@ -1417,7 +1417,7 @@
           <a:p>
             <a:fld id="{74373FD1-1099-4002-89F1-A3B2CFD06407}" type="datetimeFigureOut">
               <a:rPr lang="en-US" smtClean="0"/>
-              <a:t>9/12/2019</a:t>
+              <a:t>9/16/2019</a:t>
             </a:fld>
             <a:endParaRPr lang="en-US"/>
           </a:p>
@@ -1829,7 +1829,7 @@
           <a:p>
             <a:fld id="{74373FD1-1099-4002-89F1-A3B2CFD06407}" type="datetimeFigureOut">
               <a:rPr lang="en-US" smtClean="0"/>
-              <a:t>9/12/2019</a:t>
+              <a:t>9/16/2019</a:t>
             </a:fld>
             <a:endParaRPr lang="en-US"/>
           </a:p>
@@ -1970,7 +1970,7 @@
           <a:p>
             <a:fld id="{74373FD1-1099-4002-89F1-A3B2CFD06407}" type="datetimeFigureOut">
               <a:rPr lang="en-US" smtClean="0"/>
-              <a:t>9/12/2019</a:t>
+              <a:t>9/16/2019</a:t>
             </a:fld>
             <a:endParaRPr lang="en-US"/>
           </a:p>
@@ -2083,7 +2083,7 @@
           <a:p>
             <a:fld id="{74373FD1-1099-4002-89F1-A3B2CFD06407}" type="datetimeFigureOut">
               <a:rPr lang="en-US" smtClean="0"/>
-              <a:t>9/12/2019</a:t>
+              <a:t>9/16/2019</a:t>
             </a:fld>
             <a:endParaRPr lang="en-US"/>
           </a:p>
@@ -2394,7 +2394,7 @@
           <a:p>
             <a:fld id="{74373FD1-1099-4002-89F1-A3B2CFD06407}" type="datetimeFigureOut">
               <a:rPr lang="en-US" smtClean="0"/>
-              <a:t>9/12/2019</a:t>
+              <a:t>9/16/2019</a:t>
             </a:fld>
             <a:endParaRPr lang="en-US"/>
           </a:p>
@@ -2682,7 +2682,7 @@
           <a:p>
             <a:fld id="{74373FD1-1099-4002-89F1-A3B2CFD06407}" type="datetimeFigureOut">
               <a:rPr lang="en-US" smtClean="0"/>
-              <a:t>9/12/2019</a:t>
+              <a:t>9/16/2019</a:t>
             </a:fld>
             <a:endParaRPr lang="en-US"/>
           </a:p>
@@ -2923,7 +2923,7 @@
           <a:p>
             <a:fld id="{74373FD1-1099-4002-89F1-A3B2CFD06407}" type="datetimeFigureOut">
               <a:rPr lang="en-US" smtClean="0"/>
-              <a:t>9/12/2019</a:t>
+              <a:t>9/16/2019</a:t>
             </a:fld>
             <a:endParaRPr lang="en-US"/>
           </a:p>
@@ -3466,8 +3466,8 @@
           </a:p>
         </p:txBody>
       </p:sp>
-      <mc:AlternateContent xmlns:mc="http://schemas.openxmlformats.org/markup-compatibility/2006">
-        <mc:Choice xmlns:a14="http://schemas.microsoft.com/office/drawing/2010/main" Requires="a14">
+      <mc:AlternateContent xmlns:mc="http://schemas.openxmlformats.org/markup-compatibility/2006" xmlns:a14="http://schemas.microsoft.com/office/drawing/2010/main">
+        <mc:Choice Requires="a14">
           <p:sp>
             <p:nvSpPr>
               <p:cNvPr id="3" name="Content Placeholder 2">
@@ -4124,7 +4124,7 @@
             </p:txBody>
           </p:sp>
         </mc:Choice>
-        <mc:Fallback>
+        <mc:Fallback xmlns="">
           <p:sp>
             <p:nvSpPr>
               <p:cNvPr id="3" name="Content Placeholder 2">
@@ -4222,8 +4222,8 @@
           </a:p>
         </p:txBody>
       </p:sp>
-      <mc:AlternateContent xmlns:mc="http://schemas.openxmlformats.org/markup-compatibility/2006">
-        <mc:Choice xmlns:a14="http://schemas.microsoft.com/office/drawing/2010/main" Requires="a14">
+      <mc:AlternateContent xmlns:mc="http://schemas.openxmlformats.org/markup-compatibility/2006" xmlns:a14="http://schemas.microsoft.com/office/drawing/2010/main">
+        <mc:Choice Requires="a14">
           <p:sp>
             <p:nvSpPr>
               <p:cNvPr id="3" name="Content Placeholder 2">
@@ -4357,7 +4357,7 @@
             </p:txBody>
           </p:sp>
         </mc:Choice>
-        <mc:Fallback>
+        <mc:Fallback xmlns="">
           <p:sp>
             <p:nvSpPr>
               <p:cNvPr id="3" name="Content Placeholder 2">
@@ -4412,14 +4412,14 @@
           <p:nvPr>
             <p:extLst>
               <p:ext uri="{D42A27DB-BD31-4B8C-83A1-F6EECF244321}">
-                <p14:modId xmlns:p14="http://schemas.microsoft.com/office/powerpoint/2010/main" val="1310242551"/>
+                <p14:modId xmlns:p14="http://schemas.microsoft.com/office/powerpoint/2010/main" val="3266972943"/>
               </p:ext>
             </p:extLst>
           </p:nvPr>
         </p:nvGraphicFramePr>
         <p:xfrm>
           <a:off x="1625600" y="3867116"/>
-          <a:ext cx="8940800" cy="2057400"/>
+          <a:ext cx="8940800" cy="2083142"/>
         </p:xfrm>
         <a:graphic>
           <a:graphicData uri="http://schemas.openxmlformats.org/drawingml/2006/table">
@@ -4961,7 +4961,7 @@
                   </a:ext>
                 </a:extLst>
               </a:tr>
-              <a:tr h="228600">
+              <a:tr h="254342">
                 <a:tc>
                   <a:txBody>
                     <a:bodyPr/>
@@ -5612,6 +5612,354 @@
                     <a:p>
                       <a:pPr algn="r" fontAlgn="b"/>
                       <a:r>
+                        <a:rPr lang="en-US" sz="1400" b="0" i="0" u="none" strike="noStrike" dirty="0">
+                          <a:solidFill>
+                            <a:srgbClr val="000000"/>
+                          </a:solidFill>
+                          <a:effectLst/>
+                          <a:latin typeface="Calibri" panose="020F0502020204030204" pitchFamily="34" charset="0"/>
+                        </a:rPr>
+                        <a:t>1</a:t>
+                      </a:r>
+                    </a:p>
+                  </a:txBody>
+                  <a:tcPr marL="7620" marR="7620" marT="7620" marB="0" anchor="b">
+                    <a:lnL w="6350" cap="flat" cmpd="sng" algn="ctr">
+                      <a:solidFill>
+                        <a:srgbClr val="000000"/>
+                      </a:solidFill>
+                      <a:prstDash val="solid"/>
+                      <a:round/>
+                      <a:headEnd type="none" w="med" len="med"/>
+                      <a:tailEnd type="none" w="med" len="med"/>
+                    </a:lnL>
+                    <a:lnR w="6350" cap="flat" cmpd="sng" algn="ctr">
+                      <a:solidFill>
+                        <a:srgbClr val="000000"/>
+                      </a:solidFill>
+                      <a:prstDash val="solid"/>
+                      <a:round/>
+                      <a:headEnd type="none" w="med" len="med"/>
+                      <a:tailEnd type="none" w="med" len="med"/>
+                    </a:lnR>
+                    <a:lnT w="6350" cap="flat" cmpd="sng" algn="ctr">
+                      <a:solidFill>
+                        <a:srgbClr val="000000"/>
+                      </a:solidFill>
+                      <a:prstDash val="solid"/>
+                      <a:round/>
+                      <a:headEnd type="none" w="med" len="med"/>
+                      <a:tailEnd type="none" w="med" len="med"/>
+                    </a:lnT>
+                    <a:lnB w="6350" cap="flat" cmpd="sng" algn="ctr">
+                      <a:solidFill>
+                        <a:srgbClr val="000000"/>
+                      </a:solidFill>
+                      <a:prstDash val="solid"/>
+                      <a:round/>
+                      <a:headEnd type="none" w="med" len="med"/>
+                      <a:tailEnd type="none" w="med" len="med"/>
+                    </a:lnB>
+                    <a:solidFill>
+                      <a:srgbClr val="FFFFFF"/>
+                    </a:solidFill>
+                  </a:tcPr>
+                </a:tc>
+                <a:tc>
+                  <a:txBody>
+                    <a:bodyPr/>
+                    <a:lstStyle/>
+                    <a:p>
+                      <a:pPr algn="r" fontAlgn="b"/>
+                      <a:r>
+                        <a:rPr lang="en-US" sz="1400" b="0" i="0" u="none" strike="noStrike" dirty="0">
+                          <a:solidFill>
+                            <a:srgbClr val="000000"/>
+                          </a:solidFill>
+                          <a:effectLst/>
+                          <a:latin typeface="Calibri" panose="020F0502020204030204" pitchFamily="34" charset="0"/>
+                        </a:rPr>
+                        <a:t>90</a:t>
+                      </a:r>
+                    </a:p>
+                  </a:txBody>
+                  <a:tcPr marL="7620" marR="7620" marT="7620" marB="0" anchor="b">
+                    <a:lnL w="6350" cap="flat" cmpd="sng" algn="ctr">
+                      <a:solidFill>
+                        <a:srgbClr val="000000"/>
+                      </a:solidFill>
+                      <a:prstDash val="solid"/>
+                      <a:round/>
+                      <a:headEnd type="none" w="med" len="med"/>
+                      <a:tailEnd type="none" w="med" len="med"/>
+                    </a:lnL>
+                    <a:lnR w="6350" cap="flat" cmpd="sng" algn="ctr">
+                      <a:solidFill>
+                        <a:srgbClr val="000000"/>
+                      </a:solidFill>
+                      <a:prstDash val="solid"/>
+                      <a:round/>
+                      <a:headEnd type="none" w="med" len="med"/>
+                      <a:tailEnd type="none" w="med" len="med"/>
+                    </a:lnR>
+                    <a:lnT w="6350" cap="flat" cmpd="sng" algn="ctr">
+                      <a:solidFill>
+                        <a:srgbClr val="000000"/>
+                      </a:solidFill>
+                      <a:prstDash val="solid"/>
+                      <a:round/>
+                      <a:headEnd type="none" w="med" len="med"/>
+                      <a:tailEnd type="none" w="med" len="med"/>
+                    </a:lnT>
+                    <a:lnB w="6350" cap="flat" cmpd="sng" algn="ctr">
+                      <a:solidFill>
+                        <a:srgbClr val="000000"/>
+                      </a:solidFill>
+                      <a:prstDash val="solid"/>
+                      <a:round/>
+                      <a:headEnd type="none" w="med" len="med"/>
+                      <a:tailEnd type="none" w="med" len="med"/>
+                    </a:lnB>
+                    <a:solidFill>
+                      <a:srgbClr val="FFFFFF"/>
+                    </a:solidFill>
+                  </a:tcPr>
+                </a:tc>
+                <a:tc>
+                  <a:txBody>
+                    <a:bodyPr/>
+                    <a:lstStyle/>
+                    <a:p>
+                      <a:pPr algn="r" fontAlgn="b"/>
+                      <a:r>
+                        <a:rPr lang="en-US" sz="1400" b="0" i="0" u="none" strike="noStrike" dirty="0">
+                          <a:solidFill>
+                            <a:srgbClr val="000000"/>
+                          </a:solidFill>
+                          <a:effectLst/>
+                          <a:latin typeface="Calibri" panose="020F0502020204030204" pitchFamily="34" charset="0"/>
+                        </a:rPr>
+                        <a:t>2</a:t>
+                      </a:r>
+                    </a:p>
+                  </a:txBody>
+                  <a:tcPr marL="7620" marR="7620" marT="7620" marB="0" anchor="b">
+                    <a:lnL w="6350" cap="flat" cmpd="sng" algn="ctr">
+                      <a:solidFill>
+                        <a:srgbClr val="000000"/>
+                      </a:solidFill>
+                      <a:prstDash val="solid"/>
+                      <a:round/>
+                      <a:headEnd type="none" w="med" len="med"/>
+                      <a:tailEnd type="none" w="med" len="med"/>
+                    </a:lnL>
+                    <a:lnR w="6350" cap="flat" cmpd="sng" algn="ctr">
+                      <a:solidFill>
+                        <a:srgbClr val="000000"/>
+                      </a:solidFill>
+                      <a:prstDash val="solid"/>
+                      <a:round/>
+                      <a:headEnd type="none" w="med" len="med"/>
+                      <a:tailEnd type="none" w="med" len="med"/>
+                    </a:lnR>
+                    <a:lnT w="6350" cap="flat" cmpd="sng" algn="ctr">
+                      <a:solidFill>
+                        <a:srgbClr val="000000"/>
+                      </a:solidFill>
+                      <a:prstDash val="solid"/>
+                      <a:round/>
+                      <a:headEnd type="none" w="med" len="med"/>
+                      <a:tailEnd type="none" w="med" len="med"/>
+                    </a:lnT>
+                    <a:lnB w="6350" cap="flat" cmpd="sng" algn="ctr">
+                      <a:solidFill>
+                        <a:srgbClr val="000000"/>
+                      </a:solidFill>
+                      <a:prstDash val="solid"/>
+                      <a:round/>
+                      <a:headEnd type="none" w="med" len="med"/>
+                      <a:tailEnd type="none" w="med" len="med"/>
+                    </a:lnB>
+                    <a:solidFill>
+                      <a:srgbClr val="FFFFFF"/>
+                    </a:solidFill>
+                  </a:tcPr>
+                </a:tc>
+                <a:tc>
+                  <a:txBody>
+                    <a:bodyPr/>
+                    <a:lstStyle/>
+                    <a:p>
+                      <a:pPr algn="r" fontAlgn="b"/>
+                      <a:r>
+                        <a:rPr lang="en-US" sz="1400" b="0" i="0" u="none" strike="noStrike">
+                          <a:solidFill>
+                            <a:srgbClr val="000000"/>
+                          </a:solidFill>
+                          <a:effectLst/>
+                          <a:latin typeface="Calibri" panose="020F0502020204030204" pitchFamily="34" charset="0"/>
+                        </a:rPr>
+                        <a:t> </a:t>
+                      </a:r>
+                    </a:p>
+                  </a:txBody>
+                  <a:tcPr marL="7620" marR="7620" marT="7620" marB="0" anchor="b">
+                    <a:lnL w="6350" cap="flat" cmpd="sng" algn="ctr">
+                      <a:solidFill>
+                        <a:srgbClr val="000000"/>
+                      </a:solidFill>
+                      <a:prstDash val="solid"/>
+                      <a:round/>
+                      <a:headEnd type="none" w="med" len="med"/>
+                      <a:tailEnd type="none" w="med" len="med"/>
+                    </a:lnL>
+                    <a:lnR w="6350" cap="flat" cmpd="sng" algn="ctr">
+                      <a:solidFill>
+                        <a:srgbClr val="000000"/>
+                      </a:solidFill>
+                      <a:prstDash val="solid"/>
+                      <a:round/>
+                      <a:headEnd type="none" w="med" len="med"/>
+                      <a:tailEnd type="none" w="med" len="med"/>
+                    </a:lnR>
+                    <a:lnT>
+                      <a:noFill/>
+                    </a:lnT>
+                    <a:lnB>
+                      <a:noFill/>
+                    </a:lnB>
+                    <a:solidFill>
+                      <a:srgbClr val="FFFFFF"/>
+                    </a:solidFill>
+                  </a:tcPr>
+                </a:tc>
+                <a:tc>
+                  <a:txBody>
+                    <a:bodyPr/>
+                    <a:lstStyle/>
+                    <a:p>
+                      <a:pPr algn="r" fontAlgn="b"/>
+                      <a:r>
+                        <a:rPr lang="en-US" sz="1400" b="0" i="0" u="none" strike="noStrike" dirty="0">
+                          <a:solidFill>
+                            <a:srgbClr val="000000"/>
+                          </a:solidFill>
+                          <a:effectLst/>
+                          <a:latin typeface="Calibri" panose="020F0502020204030204" pitchFamily="34" charset="0"/>
+                        </a:rPr>
+                        <a:t>1</a:t>
+                      </a:r>
+                    </a:p>
+                  </a:txBody>
+                  <a:tcPr marL="7620" marR="7620" marT="7620" marB="0" anchor="b">
+                    <a:lnL w="6350" cap="flat" cmpd="sng" algn="ctr">
+                      <a:solidFill>
+                        <a:srgbClr val="000000"/>
+                      </a:solidFill>
+                      <a:prstDash val="solid"/>
+                      <a:round/>
+                      <a:headEnd type="none" w="med" len="med"/>
+                      <a:tailEnd type="none" w="med" len="med"/>
+                    </a:lnL>
+                    <a:lnR w="6350" cap="flat" cmpd="sng" algn="ctr">
+                      <a:solidFill>
+                        <a:srgbClr val="000000"/>
+                      </a:solidFill>
+                      <a:prstDash val="solid"/>
+                      <a:round/>
+                      <a:headEnd type="none" w="med" len="med"/>
+                      <a:tailEnd type="none" w="med" len="med"/>
+                    </a:lnR>
+                    <a:lnT w="6350" cap="flat" cmpd="sng" algn="ctr">
+                      <a:solidFill>
+                        <a:srgbClr val="000000"/>
+                      </a:solidFill>
+                      <a:prstDash val="solid"/>
+                      <a:round/>
+                      <a:headEnd type="none" w="med" len="med"/>
+                      <a:tailEnd type="none" w="med" len="med"/>
+                    </a:lnT>
+                    <a:lnB w="6350" cap="flat" cmpd="sng" algn="ctr">
+                      <a:solidFill>
+                        <a:srgbClr val="000000"/>
+                      </a:solidFill>
+                      <a:prstDash val="solid"/>
+                      <a:round/>
+                      <a:headEnd type="none" w="med" len="med"/>
+                      <a:tailEnd type="none" w="med" len="med"/>
+                    </a:lnB>
+                    <a:solidFill>
+                      <a:srgbClr val="FFFFFF"/>
+                    </a:solidFill>
+                  </a:tcPr>
+                </a:tc>
+                <a:tc>
+                  <a:txBody>
+                    <a:bodyPr/>
+                    <a:lstStyle/>
+                    <a:p>
+                      <a:pPr algn="r" fontAlgn="b"/>
+                      <a:r>
+                        <a:rPr lang="en-US" sz="1400" b="0" i="0" u="none" strike="noStrike">
+                          <a:solidFill>
+                            <a:srgbClr val="000000"/>
+                          </a:solidFill>
+                          <a:effectLst/>
+                          <a:latin typeface="Calibri" panose="020F0502020204030204" pitchFamily="34" charset="0"/>
+                        </a:rPr>
+                        <a:t>400</a:t>
+                      </a:r>
+                    </a:p>
+                  </a:txBody>
+                  <a:tcPr marL="7620" marR="7620" marT="7620" marB="0" anchor="b">
+                    <a:lnL w="6350" cap="flat" cmpd="sng" algn="ctr">
+                      <a:solidFill>
+                        <a:srgbClr val="000000"/>
+                      </a:solidFill>
+                      <a:prstDash val="solid"/>
+                      <a:round/>
+                      <a:headEnd type="none" w="med" len="med"/>
+                      <a:tailEnd type="none" w="med" len="med"/>
+                    </a:lnL>
+                    <a:lnR w="6350" cap="flat" cmpd="sng" algn="ctr">
+                      <a:solidFill>
+                        <a:srgbClr val="000000"/>
+                      </a:solidFill>
+                      <a:prstDash val="solid"/>
+                      <a:round/>
+                      <a:headEnd type="none" w="med" len="med"/>
+                      <a:tailEnd type="none" w="med" len="med"/>
+                    </a:lnR>
+                    <a:lnT w="6350" cap="flat" cmpd="sng" algn="ctr">
+                      <a:solidFill>
+                        <a:srgbClr val="000000"/>
+                      </a:solidFill>
+                      <a:prstDash val="solid"/>
+                      <a:round/>
+                      <a:headEnd type="none" w="med" len="med"/>
+                      <a:tailEnd type="none" w="med" len="med"/>
+                    </a:lnT>
+                    <a:lnB w="6350" cap="flat" cmpd="sng" algn="ctr">
+                      <a:solidFill>
+                        <a:srgbClr val="000000"/>
+                      </a:solidFill>
+                      <a:prstDash val="solid"/>
+                      <a:round/>
+                      <a:headEnd type="none" w="med" len="med"/>
+                      <a:tailEnd type="none" w="med" len="med"/>
+                    </a:lnB>
+                    <a:solidFill>
+                      <a:srgbClr val="FFFFFF"/>
+                    </a:solidFill>
+                  </a:tcPr>
+                </a:tc>
+                <a:tc>
+                  <a:txBody>
+                    <a:bodyPr/>
+                    <a:lstStyle/>
+                    <a:p>
+                      <a:pPr algn="r" fontAlgn="b"/>
+                      <a:r>
                         <a:rPr lang="en-US" sz="1400" b="0" i="0" u="none" strike="noStrike">
                           <a:solidFill>
                             <a:srgbClr val="000000"/>
@@ -5679,7 +6027,530 @@
                           <a:effectLst/>
                           <a:latin typeface="Calibri" panose="020F0502020204030204" pitchFamily="34" charset="0"/>
                         </a:rPr>
-                        <a:t>90</a:t>
+                        <a:t> </a:t>
+                      </a:r>
+                    </a:p>
+                  </a:txBody>
+                  <a:tcPr marL="7620" marR="7620" marT="7620" marB="0" anchor="b">
+                    <a:lnL w="6350" cap="flat" cmpd="sng" algn="ctr">
+                      <a:solidFill>
+                        <a:srgbClr val="000000"/>
+                      </a:solidFill>
+                      <a:prstDash val="solid"/>
+                      <a:round/>
+                      <a:headEnd type="none" w="med" len="med"/>
+                      <a:tailEnd type="none" w="med" len="med"/>
+                    </a:lnL>
+                    <a:lnR w="6350" cap="flat" cmpd="sng" algn="ctr">
+                      <a:solidFill>
+                        <a:srgbClr val="000000"/>
+                      </a:solidFill>
+                      <a:prstDash val="solid"/>
+                      <a:round/>
+                      <a:headEnd type="none" w="med" len="med"/>
+                      <a:tailEnd type="none" w="med" len="med"/>
+                    </a:lnR>
+                    <a:lnT>
+                      <a:noFill/>
+                    </a:lnT>
+                    <a:lnB>
+                      <a:noFill/>
+                    </a:lnB>
+                    <a:solidFill>
+                      <a:srgbClr val="FFFFFF"/>
+                    </a:solidFill>
+                  </a:tcPr>
+                </a:tc>
+                <a:tc>
+                  <a:txBody>
+                    <a:bodyPr/>
+                    <a:lstStyle/>
+                    <a:p>
+                      <a:pPr algn="r" fontAlgn="b"/>
+                      <a:r>
+                        <a:rPr lang="en-US" sz="1400" b="0" i="0" u="none" strike="noStrike">
+                          <a:solidFill>
+                            <a:srgbClr val="000000"/>
+                          </a:solidFill>
+                          <a:effectLst/>
+                          <a:latin typeface="Calibri" panose="020F0502020204030204" pitchFamily="34" charset="0"/>
+                        </a:rPr>
+                        <a:t>1</a:t>
+                      </a:r>
+                    </a:p>
+                  </a:txBody>
+                  <a:tcPr marL="7620" marR="7620" marT="7620" marB="0" anchor="b">
+                    <a:lnL w="6350" cap="flat" cmpd="sng" algn="ctr">
+                      <a:solidFill>
+                        <a:srgbClr val="000000"/>
+                      </a:solidFill>
+                      <a:prstDash val="solid"/>
+                      <a:round/>
+                      <a:headEnd type="none" w="med" len="med"/>
+                      <a:tailEnd type="none" w="med" len="med"/>
+                    </a:lnL>
+                    <a:lnR w="6350" cap="flat" cmpd="sng" algn="ctr">
+                      <a:solidFill>
+                        <a:srgbClr val="000000"/>
+                      </a:solidFill>
+                      <a:prstDash val="solid"/>
+                      <a:round/>
+                      <a:headEnd type="none" w="med" len="med"/>
+                      <a:tailEnd type="none" w="med" len="med"/>
+                    </a:lnR>
+                    <a:lnT w="6350" cap="flat" cmpd="sng" algn="ctr">
+                      <a:solidFill>
+                        <a:srgbClr val="000000"/>
+                      </a:solidFill>
+                      <a:prstDash val="solid"/>
+                      <a:round/>
+                      <a:headEnd type="none" w="med" len="med"/>
+                      <a:tailEnd type="none" w="med" len="med"/>
+                    </a:lnT>
+                    <a:lnB w="6350" cap="flat" cmpd="sng" algn="ctr">
+                      <a:solidFill>
+                        <a:srgbClr val="000000"/>
+                      </a:solidFill>
+                      <a:prstDash val="solid"/>
+                      <a:round/>
+                      <a:headEnd type="none" w="med" len="med"/>
+                      <a:tailEnd type="none" w="med" len="med"/>
+                    </a:lnB>
+                    <a:solidFill>
+                      <a:srgbClr val="FFFFFF"/>
+                    </a:solidFill>
+                  </a:tcPr>
+                </a:tc>
+                <a:tc>
+                  <a:txBody>
+                    <a:bodyPr/>
+                    <a:lstStyle/>
+                    <a:p>
+                      <a:pPr algn="r" fontAlgn="b"/>
+                      <a:r>
+                        <a:rPr lang="en-US" sz="1400" b="0" i="0" u="none" strike="noStrike">
+                          <a:solidFill>
+                            <a:srgbClr val="000000"/>
+                          </a:solidFill>
+                          <a:effectLst/>
+                          <a:latin typeface="Calibri" panose="020F0502020204030204" pitchFamily="34" charset="0"/>
+                        </a:rPr>
+                        <a:t>70</a:t>
+                      </a:r>
+                    </a:p>
+                  </a:txBody>
+                  <a:tcPr marL="7620" marR="7620" marT="7620" marB="0" anchor="b">
+                    <a:lnL w="6350" cap="flat" cmpd="sng" algn="ctr">
+                      <a:solidFill>
+                        <a:srgbClr val="000000"/>
+                      </a:solidFill>
+                      <a:prstDash val="solid"/>
+                      <a:round/>
+                      <a:headEnd type="none" w="med" len="med"/>
+                      <a:tailEnd type="none" w="med" len="med"/>
+                    </a:lnL>
+                    <a:lnR w="6350" cap="flat" cmpd="sng" algn="ctr">
+                      <a:solidFill>
+                        <a:srgbClr val="000000"/>
+                      </a:solidFill>
+                      <a:prstDash val="solid"/>
+                      <a:round/>
+                      <a:headEnd type="none" w="med" len="med"/>
+                      <a:tailEnd type="none" w="med" len="med"/>
+                    </a:lnR>
+                    <a:lnT w="6350" cap="flat" cmpd="sng" algn="ctr">
+                      <a:solidFill>
+                        <a:srgbClr val="000000"/>
+                      </a:solidFill>
+                      <a:prstDash val="solid"/>
+                      <a:round/>
+                      <a:headEnd type="none" w="med" len="med"/>
+                      <a:tailEnd type="none" w="med" len="med"/>
+                    </a:lnT>
+                    <a:lnB w="6350" cap="flat" cmpd="sng" algn="ctr">
+                      <a:solidFill>
+                        <a:srgbClr val="000000"/>
+                      </a:solidFill>
+                      <a:prstDash val="solid"/>
+                      <a:round/>
+                      <a:headEnd type="none" w="med" len="med"/>
+                      <a:tailEnd type="none" w="med" len="med"/>
+                    </a:lnB>
+                    <a:solidFill>
+                      <a:srgbClr val="FFFFFF"/>
+                    </a:solidFill>
+                  </a:tcPr>
+                </a:tc>
+                <a:tc>
+                  <a:txBody>
+                    <a:bodyPr/>
+                    <a:lstStyle/>
+                    <a:p>
+                      <a:pPr algn="r" fontAlgn="b"/>
+                      <a:r>
+                        <a:rPr lang="en-US" sz="1400" b="0" i="0" u="none" strike="noStrike">
+                          <a:solidFill>
+                            <a:srgbClr val="000000"/>
+                          </a:solidFill>
+                          <a:effectLst/>
+                          <a:latin typeface="Calibri" panose="020F0502020204030204" pitchFamily="34" charset="0"/>
+                        </a:rPr>
+                        <a:t>3</a:t>
+                      </a:r>
+                    </a:p>
+                  </a:txBody>
+                  <a:tcPr marL="7620" marR="7620" marT="7620" marB="0" anchor="b">
+                    <a:lnL w="6350" cap="flat" cmpd="sng" algn="ctr">
+                      <a:solidFill>
+                        <a:srgbClr val="000000"/>
+                      </a:solidFill>
+                      <a:prstDash val="solid"/>
+                      <a:round/>
+                      <a:headEnd type="none" w="med" len="med"/>
+                      <a:tailEnd type="none" w="med" len="med"/>
+                    </a:lnL>
+                    <a:lnR w="6350" cap="flat" cmpd="sng" algn="ctr">
+                      <a:solidFill>
+                        <a:srgbClr val="000000"/>
+                      </a:solidFill>
+                      <a:prstDash val="solid"/>
+                      <a:round/>
+                      <a:headEnd type="none" w="med" len="med"/>
+                      <a:tailEnd type="none" w="med" len="med"/>
+                    </a:lnR>
+                    <a:lnT w="6350" cap="flat" cmpd="sng" algn="ctr">
+                      <a:solidFill>
+                        <a:srgbClr val="000000"/>
+                      </a:solidFill>
+                      <a:prstDash val="solid"/>
+                      <a:round/>
+                      <a:headEnd type="none" w="med" len="med"/>
+                      <a:tailEnd type="none" w="med" len="med"/>
+                    </a:lnT>
+                    <a:lnB w="6350" cap="flat" cmpd="sng" algn="ctr">
+                      <a:solidFill>
+                        <a:srgbClr val="000000"/>
+                      </a:solidFill>
+                      <a:prstDash val="solid"/>
+                      <a:round/>
+                      <a:headEnd type="none" w="med" len="med"/>
+                      <a:tailEnd type="none" w="med" len="med"/>
+                    </a:lnB>
+                    <a:solidFill>
+                      <a:srgbClr val="FFFFFF"/>
+                    </a:solidFill>
+                  </a:tcPr>
+                </a:tc>
+                <a:extLst>
+                  <a:ext uri="{0D108BD9-81ED-4DB2-BD59-A6C34878D82A}">
+                    <a16:rowId xmlns:a16="http://schemas.microsoft.com/office/drawing/2014/main" val="2928088719"/>
+                  </a:ext>
+                </a:extLst>
+              </a:tr>
+              <a:tr h="228600">
+                <a:tc>
+                  <a:txBody>
+                    <a:bodyPr/>
+                    <a:lstStyle/>
+                    <a:p>
+                      <a:pPr algn="r" fontAlgn="b"/>
+                      <a:r>
+                        <a:rPr lang="en-US" sz="1400" b="0" i="0" u="none" strike="noStrike" dirty="0">
+                          <a:solidFill>
+                            <a:srgbClr val="000000"/>
+                          </a:solidFill>
+                          <a:effectLst/>
+                          <a:latin typeface="Calibri" panose="020F0502020204030204" pitchFamily="34" charset="0"/>
+                        </a:rPr>
+                        <a:t>2</a:t>
+                      </a:r>
+                    </a:p>
+                  </a:txBody>
+                  <a:tcPr marL="7620" marR="7620" marT="7620" marB="0" anchor="b">
+                    <a:lnL w="6350" cap="flat" cmpd="sng" algn="ctr">
+                      <a:solidFill>
+                        <a:srgbClr val="000000"/>
+                      </a:solidFill>
+                      <a:prstDash val="solid"/>
+                      <a:round/>
+                      <a:headEnd type="none" w="med" len="med"/>
+                      <a:tailEnd type="none" w="med" len="med"/>
+                    </a:lnL>
+                    <a:lnR w="6350" cap="flat" cmpd="sng" algn="ctr">
+                      <a:solidFill>
+                        <a:srgbClr val="000000"/>
+                      </a:solidFill>
+                      <a:prstDash val="solid"/>
+                      <a:round/>
+                      <a:headEnd type="none" w="med" len="med"/>
+                      <a:tailEnd type="none" w="med" len="med"/>
+                    </a:lnR>
+                    <a:lnT w="6350" cap="flat" cmpd="sng" algn="ctr">
+                      <a:solidFill>
+                        <a:srgbClr val="000000"/>
+                      </a:solidFill>
+                      <a:prstDash val="solid"/>
+                      <a:round/>
+                      <a:headEnd type="none" w="med" len="med"/>
+                      <a:tailEnd type="none" w="med" len="med"/>
+                    </a:lnT>
+                    <a:lnB w="6350" cap="flat" cmpd="sng" algn="ctr">
+                      <a:solidFill>
+                        <a:srgbClr val="000000"/>
+                      </a:solidFill>
+                      <a:prstDash val="solid"/>
+                      <a:round/>
+                      <a:headEnd type="none" w="med" len="med"/>
+                      <a:tailEnd type="none" w="med" len="med"/>
+                    </a:lnB>
+                    <a:solidFill>
+                      <a:srgbClr val="FFFFFF"/>
+                    </a:solidFill>
+                  </a:tcPr>
+                </a:tc>
+                <a:tc>
+                  <a:txBody>
+                    <a:bodyPr/>
+                    <a:lstStyle/>
+                    <a:p>
+                      <a:pPr algn="r" fontAlgn="b"/>
+                      <a:r>
+                        <a:rPr lang="en-US" sz="1400" b="0" i="0" u="none" strike="noStrike" dirty="0">
+                          <a:solidFill>
+                            <a:srgbClr val="000000"/>
+                          </a:solidFill>
+                          <a:effectLst/>
+                          <a:latin typeface="Calibri" panose="020F0502020204030204" pitchFamily="34" charset="0"/>
+                        </a:rPr>
+                        <a:t>80</a:t>
+                      </a:r>
+                    </a:p>
+                  </a:txBody>
+                  <a:tcPr marL="7620" marR="7620" marT="7620" marB="0" anchor="b">
+                    <a:lnL w="6350" cap="flat" cmpd="sng" algn="ctr">
+                      <a:solidFill>
+                        <a:srgbClr val="000000"/>
+                      </a:solidFill>
+                      <a:prstDash val="solid"/>
+                      <a:round/>
+                      <a:headEnd type="none" w="med" len="med"/>
+                      <a:tailEnd type="none" w="med" len="med"/>
+                    </a:lnL>
+                    <a:lnR w="6350" cap="flat" cmpd="sng" algn="ctr">
+                      <a:solidFill>
+                        <a:srgbClr val="000000"/>
+                      </a:solidFill>
+                      <a:prstDash val="solid"/>
+                      <a:round/>
+                      <a:headEnd type="none" w="med" len="med"/>
+                      <a:tailEnd type="none" w="med" len="med"/>
+                    </a:lnR>
+                    <a:lnT w="6350" cap="flat" cmpd="sng" algn="ctr">
+                      <a:solidFill>
+                        <a:srgbClr val="000000"/>
+                      </a:solidFill>
+                      <a:prstDash val="solid"/>
+                      <a:round/>
+                      <a:headEnd type="none" w="med" len="med"/>
+                      <a:tailEnd type="none" w="med" len="med"/>
+                    </a:lnT>
+                    <a:lnB w="6350" cap="flat" cmpd="sng" algn="ctr">
+                      <a:solidFill>
+                        <a:srgbClr val="000000"/>
+                      </a:solidFill>
+                      <a:prstDash val="solid"/>
+                      <a:round/>
+                      <a:headEnd type="none" w="med" len="med"/>
+                      <a:tailEnd type="none" w="med" len="med"/>
+                    </a:lnB>
+                    <a:solidFill>
+                      <a:srgbClr val="FFFFFF"/>
+                    </a:solidFill>
+                  </a:tcPr>
+                </a:tc>
+                <a:tc>
+                  <a:txBody>
+                    <a:bodyPr/>
+                    <a:lstStyle/>
+                    <a:p>
+                      <a:pPr algn="r" fontAlgn="b"/>
+                      <a:r>
+                        <a:rPr lang="en-US" sz="1400" b="0" i="0" u="none" strike="noStrike" dirty="0">
+                          <a:solidFill>
+                            <a:srgbClr val="000000"/>
+                          </a:solidFill>
+                          <a:effectLst/>
+                          <a:latin typeface="Calibri" panose="020F0502020204030204" pitchFamily="34" charset="0"/>
+                        </a:rPr>
+                        <a:t>3</a:t>
+                      </a:r>
+                    </a:p>
+                  </a:txBody>
+                  <a:tcPr marL="7620" marR="7620" marT="7620" marB="0" anchor="b">
+                    <a:lnL w="6350" cap="flat" cmpd="sng" algn="ctr">
+                      <a:solidFill>
+                        <a:srgbClr val="000000"/>
+                      </a:solidFill>
+                      <a:prstDash val="solid"/>
+                      <a:round/>
+                      <a:headEnd type="none" w="med" len="med"/>
+                      <a:tailEnd type="none" w="med" len="med"/>
+                    </a:lnL>
+                    <a:lnR w="6350" cap="flat" cmpd="sng" algn="ctr">
+                      <a:solidFill>
+                        <a:srgbClr val="000000"/>
+                      </a:solidFill>
+                      <a:prstDash val="solid"/>
+                      <a:round/>
+                      <a:headEnd type="none" w="med" len="med"/>
+                      <a:tailEnd type="none" w="med" len="med"/>
+                    </a:lnR>
+                    <a:lnT w="6350" cap="flat" cmpd="sng" algn="ctr">
+                      <a:solidFill>
+                        <a:srgbClr val="000000"/>
+                      </a:solidFill>
+                      <a:prstDash val="solid"/>
+                      <a:round/>
+                      <a:headEnd type="none" w="med" len="med"/>
+                      <a:tailEnd type="none" w="med" len="med"/>
+                    </a:lnT>
+                    <a:lnB w="6350" cap="flat" cmpd="sng" algn="ctr">
+                      <a:solidFill>
+                        <a:srgbClr val="000000"/>
+                      </a:solidFill>
+                      <a:prstDash val="solid"/>
+                      <a:round/>
+                      <a:headEnd type="none" w="med" len="med"/>
+                      <a:tailEnd type="none" w="med" len="med"/>
+                    </a:lnB>
+                    <a:solidFill>
+                      <a:srgbClr val="FFFFFF"/>
+                    </a:solidFill>
+                  </a:tcPr>
+                </a:tc>
+                <a:tc>
+                  <a:txBody>
+                    <a:bodyPr/>
+                    <a:lstStyle/>
+                    <a:p>
+                      <a:pPr algn="r" fontAlgn="b"/>
+                      <a:r>
+                        <a:rPr lang="en-US" sz="1400" b="0" i="0" u="none" strike="noStrike">
+                          <a:solidFill>
+                            <a:srgbClr val="000000"/>
+                          </a:solidFill>
+                          <a:effectLst/>
+                          <a:latin typeface="Calibri" panose="020F0502020204030204" pitchFamily="34" charset="0"/>
+                        </a:rPr>
+                        <a:t> </a:t>
+                      </a:r>
+                    </a:p>
+                  </a:txBody>
+                  <a:tcPr marL="7620" marR="7620" marT="7620" marB="0" anchor="b">
+                    <a:lnL w="6350" cap="flat" cmpd="sng" algn="ctr">
+                      <a:solidFill>
+                        <a:srgbClr val="000000"/>
+                      </a:solidFill>
+                      <a:prstDash val="solid"/>
+                      <a:round/>
+                      <a:headEnd type="none" w="med" len="med"/>
+                      <a:tailEnd type="none" w="med" len="med"/>
+                    </a:lnL>
+                    <a:lnR w="6350" cap="flat" cmpd="sng" algn="ctr">
+                      <a:solidFill>
+                        <a:srgbClr val="000000"/>
+                      </a:solidFill>
+                      <a:prstDash val="solid"/>
+                      <a:round/>
+                      <a:headEnd type="none" w="med" len="med"/>
+                      <a:tailEnd type="none" w="med" len="med"/>
+                    </a:lnR>
+                    <a:lnT>
+                      <a:noFill/>
+                    </a:lnT>
+                    <a:lnB>
+                      <a:noFill/>
+                    </a:lnB>
+                    <a:solidFill>
+                      <a:srgbClr val="FFFFFF"/>
+                    </a:solidFill>
+                  </a:tcPr>
+                </a:tc>
+                <a:tc>
+                  <a:txBody>
+                    <a:bodyPr/>
+                    <a:lstStyle/>
+                    <a:p>
+                      <a:pPr algn="r" fontAlgn="b"/>
+                      <a:r>
+                        <a:rPr lang="en-US" sz="1400" b="0" i="0" u="none" strike="noStrike" dirty="0">
+                          <a:solidFill>
+                            <a:srgbClr val="000000"/>
+                          </a:solidFill>
+                          <a:effectLst/>
+                          <a:latin typeface="Calibri" panose="020F0502020204030204" pitchFamily="34" charset="0"/>
+                        </a:rPr>
+                        <a:t>2</a:t>
+                      </a:r>
+                    </a:p>
+                  </a:txBody>
+                  <a:tcPr marL="7620" marR="7620" marT="7620" marB="0" anchor="b">
+                    <a:lnL w="6350" cap="flat" cmpd="sng" algn="ctr">
+                      <a:solidFill>
+                        <a:srgbClr val="000000"/>
+                      </a:solidFill>
+                      <a:prstDash val="solid"/>
+                      <a:round/>
+                      <a:headEnd type="none" w="med" len="med"/>
+                      <a:tailEnd type="none" w="med" len="med"/>
+                    </a:lnL>
+                    <a:lnR w="6350" cap="flat" cmpd="sng" algn="ctr">
+                      <a:solidFill>
+                        <a:srgbClr val="000000"/>
+                      </a:solidFill>
+                      <a:prstDash val="solid"/>
+                      <a:round/>
+                      <a:headEnd type="none" w="med" len="med"/>
+                      <a:tailEnd type="none" w="med" len="med"/>
+                    </a:lnR>
+                    <a:lnT w="6350" cap="flat" cmpd="sng" algn="ctr">
+                      <a:solidFill>
+                        <a:srgbClr val="000000"/>
+                      </a:solidFill>
+                      <a:prstDash val="solid"/>
+                      <a:round/>
+                      <a:headEnd type="none" w="med" len="med"/>
+                      <a:tailEnd type="none" w="med" len="med"/>
+                    </a:lnT>
+                    <a:lnB w="6350" cap="flat" cmpd="sng" algn="ctr">
+                      <a:solidFill>
+                        <a:srgbClr val="000000"/>
+                      </a:solidFill>
+                      <a:prstDash val="solid"/>
+                      <a:round/>
+                      <a:headEnd type="none" w="med" len="med"/>
+                      <a:tailEnd type="none" w="med" len="med"/>
+                    </a:lnB>
+                    <a:solidFill>
+                      <a:srgbClr val="FFFFFF"/>
+                    </a:solidFill>
+                  </a:tcPr>
+                </a:tc>
+                <a:tc>
+                  <a:txBody>
+                    <a:bodyPr/>
+                    <a:lstStyle/>
+                    <a:p>
+                      <a:pPr algn="r" fontAlgn="b"/>
+                      <a:r>
+                        <a:rPr lang="en-US" sz="1400" b="0" i="0" u="none" strike="noStrike">
+                          <a:solidFill>
+                            <a:srgbClr val="000000"/>
+                          </a:solidFill>
+                          <a:effectLst/>
+                          <a:latin typeface="Calibri" panose="020F0502020204030204" pitchFamily="34" charset="0"/>
+                        </a:rPr>
+                        <a:t>350</a:t>
                       </a:r>
                     </a:p>
                   </a:txBody>
@@ -5847,7 +6718,7 @@
                           <a:effectLst/>
                           <a:latin typeface="Calibri" panose="020F0502020204030204" pitchFamily="34" charset="0"/>
                         </a:rPr>
-                        <a:t>1</a:t>
+                        <a:t>2</a:t>
                       </a:r>
                     </a:p>
                   </a:txBody>
@@ -5907,7 +6778,7 @@
                           <a:effectLst/>
                           <a:latin typeface="Calibri" panose="020F0502020204030204" pitchFamily="34" charset="0"/>
                         </a:rPr>
-                        <a:t>400</a:t>
+                        <a:t>65</a:t>
                       </a:r>
                     </a:p>
                   </a:txBody>
@@ -5967,7 +6838,194 @@
                           <a:effectLst/>
                           <a:latin typeface="Calibri" panose="020F0502020204030204" pitchFamily="34" charset="0"/>
                         </a:rPr>
-                        <a:t>1</a:t>
+                        <a:t>5</a:t>
+                      </a:r>
+                    </a:p>
+                  </a:txBody>
+                  <a:tcPr marL="7620" marR="7620" marT="7620" marB="0" anchor="b">
+                    <a:lnL w="6350" cap="flat" cmpd="sng" algn="ctr">
+                      <a:solidFill>
+                        <a:srgbClr val="000000"/>
+                      </a:solidFill>
+                      <a:prstDash val="solid"/>
+                      <a:round/>
+                      <a:headEnd type="none" w="med" len="med"/>
+                      <a:tailEnd type="none" w="med" len="med"/>
+                    </a:lnL>
+                    <a:lnR w="6350" cap="flat" cmpd="sng" algn="ctr">
+                      <a:solidFill>
+                        <a:srgbClr val="000000"/>
+                      </a:solidFill>
+                      <a:prstDash val="solid"/>
+                      <a:round/>
+                      <a:headEnd type="none" w="med" len="med"/>
+                      <a:tailEnd type="none" w="med" len="med"/>
+                    </a:lnR>
+                    <a:lnT w="6350" cap="flat" cmpd="sng" algn="ctr">
+                      <a:solidFill>
+                        <a:srgbClr val="000000"/>
+                      </a:solidFill>
+                      <a:prstDash val="solid"/>
+                      <a:round/>
+                      <a:headEnd type="none" w="med" len="med"/>
+                      <a:tailEnd type="none" w="med" len="med"/>
+                    </a:lnT>
+                    <a:lnB w="6350" cap="flat" cmpd="sng" algn="ctr">
+                      <a:solidFill>
+                        <a:srgbClr val="000000"/>
+                      </a:solidFill>
+                      <a:prstDash val="solid"/>
+                      <a:round/>
+                      <a:headEnd type="none" w="med" len="med"/>
+                      <a:tailEnd type="none" w="med" len="med"/>
+                    </a:lnB>
+                    <a:solidFill>
+                      <a:srgbClr val="FFFFFF"/>
+                    </a:solidFill>
+                  </a:tcPr>
+                </a:tc>
+                <a:extLst>
+                  <a:ext uri="{0D108BD9-81ED-4DB2-BD59-A6C34878D82A}">
+                    <a16:rowId xmlns:a16="http://schemas.microsoft.com/office/drawing/2014/main" val="2819127872"/>
+                  </a:ext>
+                </a:extLst>
+              </a:tr>
+              <a:tr h="228600">
+                <a:tc>
+                  <a:txBody>
+                    <a:bodyPr/>
+                    <a:lstStyle/>
+                    <a:p>
+                      <a:pPr algn="r" fontAlgn="b"/>
+                      <a:r>
+                        <a:rPr lang="en-US" sz="1400" b="0" i="0" u="none" strike="noStrike" dirty="0">
+                          <a:solidFill>
+                            <a:srgbClr val="000000"/>
+                          </a:solidFill>
+                          <a:effectLst/>
+                          <a:latin typeface="Calibri" panose="020F0502020204030204" pitchFamily="34" charset="0"/>
+                        </a:rPr>
+                        <a:t>3</a:t>
+                      </a:r>
+                    </a:p>
+                  </a:txBody>
+                  <a:tcPr marL="7620" marR="7620" marT="7620" marB="0" anchor="b">
+                    <a:lnL w="6350" cap="flat" cmpd="sng" algn="ctr">
+                      <a:solidFill>
+                        <a:srgbClr val="000000"/>
+                      </a:solidFill>
+                      <a:prstDash val="solid"/>
+                      <a:round/>
+                      <a:headEnd type="none" w="med" len="med"/>
+                      <a:tailEnd type="none" w="med" len="med"/>
+                    </a:lnL>
+                    <a:lnR w="6350" cap="flat" cmpd="sng" algn="ctr">
+                      <a:solidFill>
+                        <a:srgbClr val="000000"/>
+                      </a:solidFill>
+                      <a:prstDash val="solid"/>
+                      <a:round/>
+                      <a:headEnd type="none" w="med" len="med"/>
+                      <a:tailEnd type="none" w="med" len="med"/>
+                    </a:lnR>
+                    <a:lnT w="6350" cap="flat" cmpd="sng" algn="ctr">
+                      <a:solidFill>
+                        <a:srgbClr val="000000"/>
+                      </a:solidFill>
+                      <a:prstDash val="solid"/>
+                      <a:round/>
+                      <a:headEnd type="none" w="med" len="med"/>
+                      <a:tailEnd type="none" w="med" len="med"/>
+                    </a:lnT>
+                    <a:lnB w="6350" cap="flat" cmpd="sng" algn="ctr">
+                      <a:solidFill>
+                        <a:srgbClr val="000000"/>
+                      </a:solidFill>
+                      <a:prstDash val="solid"/>
+                      <a:round/>
+                      <a:headEnd type="none" w="med" len="med"/>
+                      <a:tailEnd type="none" w="med" len="med"/>
+                    </a:lnB>
+                    <a:solidFill>
+                      <a:srgbClr val="FFFFFF"/>
+                    </a:solidFill>
+                  </a:tcPr>
+                </a:tc>
+                <a:tc>
+                  <a:txBody>
+                    <a:bodyPr/>
+                    <a:lstStyle/>
+                    <a:p>
+                      <a:pPr algn="r" fontAlgn="b"/>
+                      <a:r>
+                        <a:rPr lang="en-US" sz="1400" b="0" i="0" u="none" strike="noStrike" dirty="0">
+                          <a:solidFill>
+                            <a:srgbClr val="000000"/>
+                          </a:solidFill>
+                          <a:effectLst/>
+                          <a:latin typeface="Calibri" panose="020F0502020204030204" pitchFamily="34" charset="0"/>
+                        </a:rPr>
+                        <a:t>70</a:t>
+                      </a:r>
+                    </a:p>
+                  </a:txBody>
+                  <a:tcPr marL="7620" marR="7620" marT="7620" marB="0" anchor="b">
+                    <a:lnL w="6350" cap="flat" cmpd="sng" algn="ctr">
+                      <a:solidFill>
+                        <a:srgbClr val="000000"/>
+                      </a:solidFill>
+                      <a:prstDash val="solid"/>
+                      <a:round/>
+                      <a:headEnd type="none" w="med" len="med"/>
+                      <a:tailEnd type="none" w="med" len="med"/>
+                    </a:lnL>
+                    <a:lnR w="6350" cap="flat" cmpd="sng" algn="ctr">
+                      <a:solidFill>
+                        <a:srgbClr val="000000"/>
+                      </a:solidFill>
+                      <a:prstDash val="solid"/>
+                      <a:round/>
+                      <a:headEnd type="none" w="med" len="med"/>
+                      <a:tailEnd type="none" w="med" len="med"/>
+                    </a:lnR>
+                    <a:lnT w="6350" cap="flat" cmpd="sng" algn="ctr">
+                      <a:solidFill>
+                        <a:srgbClr val="000000"/>
+                      </a:solidFill>
+                      <a:prstDash val="solid"/>
+                      <a:round/>
+                      <a:headEnd type="none" w="med" len="med"/>
+                      <a:tailEnd type="none" w="med" len="med"/>
+                    </a:lnT>
+                    <a:lnB w="6350" cap="flat" cmpd="sng" algn="ctr">
+                      <a:solidFill>
+                        <a:srgbClr val="000000"/>
+                      </a:solidFill>
+                      <a:prstDash val="solid"/>
+                      <a:round/>
+                      <a:headEnd type="none" w="med" len="med"/>
+                      <a:tailEnd type="none" w="med" len="med"/>
+                    </a:lnB>
+                    <a:solidFill>
+                      <a:srgbClr val="FFFFFF"/>
+                    </a:solidFill>
+                  </a:tcPr>
+                </a:tc>
+                <a:tc>
+                  <a:txBody>
+                    <a:bodyPr/>
+                    <a:lstStyle/>
+                    <a:p>
+                      <a:pPr algn="r" fontAlgn="b"/>
+                      <a:r>
+                        <a:rPr lang="en-US" sz="1400" b="0" i="0" u="none" strike="noStrike" dirty="0">
+                          <a:solidFill>
+                            <a:srgbClr val="000000"/>
+                          </a:solidFill>
+                          <a:effectLst/>
+                          <a:latin typeface="Calibri" panose="020F0502020204030204" pitchFamily="34" charset="0"/>
+                        </a:rPr>
+                        <a:t>4</a:t>
                       </a:r>
                     </a:p>
                   </a:txBody>
@@ -6068,6 +7126,66 @@
                     <a:p>
                       <a:pPr algn="r" fontAlgn="b"/>
                       <a:r>
+                        <a:rPr lang="en-US" sz="1400" b="0" i="0" u="none" strike="noStrike" dirty="0">
+                          <a:solidFill>
+                            <a:srgbClr val="000000"/>
+                          </a:solidFill>
+                          <a:effectLst/>
+                          <a:latin typeface="Calibri" panose="020F0502020204030204" pitchFamily="34" charset="0"/>
+                        </a:rPr>
+                        <a:t>3</a:t>
+                      </a:r>
+                    </a:p>
+                  </a:txBody>
+                  <a:tcPr marL="7620" marR="7620" marT="7620" marB="0" anchor="b">
+                    <a:lnL w="6350" cap="flat" cmpd="sng" algn="ctr">
+                      <a:solidFill>
+                        <a:srgbClr val="000000"/>
+                      </a:solidFill>
+                      <a:prstDash val="solid"/>
+                      <a:round/>
+                      <a:headEnd type="none" w="med" len="med"/>
+                      <a:tailEnd type="none" w="med" len="med"/>
+                    </a:lnL>
+                    <a:lnR w="6350" cap="flat" cmpd="sng" algn="ctr">
+                      <a:solidFill>
+                        <a:srgbClr val="000000"/>
+                      </a:solidFill>
+                      <a:prstDash val="solid"/>
+                      <a:round/>
+                      <a:headEnd type="none" w="med" len="med"/>
+                      <a:tailEnd type="none" w="med" len="med"/>
+                    </a:lnR>
+                    <a:lnT w="6350" cap="flat" cmpd="sng" algn="ctr">
+                      <a:solidFill>
+                        <a:srgbClr val="000000"/>
+                      </a:solidFill>
+                      <a:prstDash val="solid"/>
+                      <a:round/>
+                      <a:headEnd type="none" w="med" len="med"/>
+                      <a:tailEnd type="none" w="med" len="med"/>
+                    </a:lnT>
+                    <a:lnB w="6350" cap="flat" cmpd="sng" algn="ctr">
+                      <a:solidFill>
+                        <a:srgbClr val="000000"/>
+                      </a:solidFill>
+                      <a:prstDash val="solid"/>
+                      <a:round/>
+                      <a:headEnd type="none" w="med" len="med"/>
+                      <a:tailEnd type="none" w="med" len="med"/>
+                    </a:lnB>
+                    <a:solidFill>
+                      <a:srgbClr val="FFFFFF"/>
+                    </a:solidFill>
+                  </a:tcPr>
+                </a:tc>
+                <a:tc>
+                  <a:txBody>
+                    <a:bodyPr/>
+                    <a:lstStyle/>
+                    <a:p>
+                      <a:pPr algn="r" fontAlgn="b"/>
+                      <a:r>
                         <a:rPr lang="en-US" sz="1400" b="0" i="0" u="none" strike="noStrike">
                           <a:solidFill>
                             <a:srgbClr val="000000"/>
@@ -6075,7 +7193,7 @@
                           <a:effectLst/>
                           <a:latin typeface="Calibri" panose="020F0502020204030204" pitchFamily="34" charset="0"/>
                         </a:rPr>
-                        <a:t>1</a:t>
+                        <a:t>300</a:t>
                       </a:r>
                     </a:p>
                   </a:txBody>
@@ -6135,7 +7253,7 @@
                           <a:effectLst/>
                           <a:latin typeface="Calibri" panose="020F0502020204030204" pitchFamily="34" charset="0"/>
                         </a:rPr>
-                        <a:t>70</a:t>
+                        <a:t>2</a:t>
                       </a:r>
                     </a:p>
                   </a:txBody>
@@ -6175,6 +7293,54 @@
                       <a:round/>
                       <a:headEnd type="none" w="med" len="med"/>
                       <a:tailEnd type="none" w="med" len="med"/>
+                    </a:lnB>
+                    <a:solidFill>
+                      <a:srgbClr val="FFFFFF"/>
+                    </a:solidFill>
+                  </a:tcPr>
+                </a:tc>
+                <a:tc>
+                  <a:txBody>
+                    <a:bodyPr/>
+                    <a:lstStyle/>
+                    <a:p>
+                      <a:pPr algn="r" fontAlgn="b"/>
+                      <a:r>
+                        <a:rPr lang="en-US" sz="1400" b="0" i="0" u="none" strike="noStrike">
+                          <a:solidFill>
+                            <a:srgbClr val="000000"/>
+                          </a:solidFill>
+                          <a:effectLst/>
+                          <a:latin typeface="Calibri" panose="020F0502020204030204" pitchFamily="34" charset="0"/>
+                        </a:rPr>
+                        <a:t> </a:t>
+                      </a:r>
+                    </a:p>
+                  </a:txBody>
+                  <a:tcPr marL="7620" marR="7620" marT="7620" marB="0" anchor="b">
+                    <a:lnL w="6350" cap="flat" cmpd="sng" algn="ctr">
+                      <a:solidFill>
+                        <a:srgbClr val="000000"/>
+                      </a:solidFill>
+                      <a:prstDash val="solid"/>
+                      <a:round/>
+                      <a:headEnd type="none" w="med" len="med"/>
+                      <a:tailEnd type="none" w="med" len="med"/>
+                    </a:lnL>
+                    <a:lnR w="6350" cap="flat" cmpd="sng" algn="ctr">
+                      <a:solidFill>
+                        <a:srgbClr val="000000"/>
+                      </a:solidFill>
+                      <a:prstDash val="solid"/>
+                      <a:round/>
+                      <a:headEnd type="none" w="med" len="med"/>
+                      <a:tailEnd type="none" w="med" len="med"/>
+                    </a:lnR>
+                    <a:lnT>
+                      <a:noFill/>
+                    </a:lnT>
+                    <a:lnB>
+                      <a:noFill/>
                     </a:lnB>
                     <a:solidFill>
                       <a:srgbClr val="FFFFFF"/>
@@ -6241,13 +7407,709 @@
                     </a:solidFill>
                   </a:tcPr>
                 </a:tc>
+                <a:tc>
+                  <a:txBody>
+                    <a:bodyPr/>
+                    <a:lstStyle/>
+                    <a:p>
+                      <a:pPr algn="r" fontAlgn="b"/>
+                      <a:r>
+                        <a:rPr lang="en-US" sz="1400" b="0" i="0" u="none" strike="noStrike">
+                          <a:solidFill>
+                            <a:srgbClr val="000000"/>
+                          </a:solidFill>
+                          <a:effectLst/>
+                          <a:latin typeface="Calibri" panose="020F0502020204030204" pitchFamily="34" charset="0"/>
+                        </a:rPr>
+                        <a:t>60</a:t>
+                      </a:r>
+                    </a:p>
+                  </a:txBody>
+                  <a:tcPr marL="7620" marR="7620" marT="7620" marB="0" anchor="b">
+                    <a:lnL w="6350" cap="flat" cmpd="sng" algn="ctr">
+                      <a:solidFill>
+                        <a:srgbClr val="000000"/>
+                      </a:solidFill>
+                      <a:prstDash val="solid"/>
+                      <a:round/>
+                      <a:headEnd type="none" w="med" len="med"/>
+                      <a:tailEnd type="none" w="med" len="med"/>
+                    </a:lnL>
+                    <a:lnR w="6350" cap="flat" cmpd="sng" algn="ctr">
+                      <a:solidFill>
+                        <a:srgbClr val="000000"/>
+                      </a:solidFill>
+                      <a:prstDash val="solid"/>
+                      <a:round/>
+                      <a:headEnd type="none" w="med" len="med"/>
+                      <a:tailEnd type="none" w="med" len="med"/>
+                    </a:lnR>
+                    <a:lnT w="6350" cap="flat" cmpd="sng" algn="ctr">
+                      <a:solidFill>
+                        <a:srgbClr val="000000"/>
+                      </a:solidFill>
+                      <a:prstDash val="solid"/>
+                      <a:round/>
+                      <a:headEnd type="none" w="med" len="med"/>
+                      <a:tailEnd type="none" w="med" len="med"/>
+                    </a:lnT>
+                    <a:lnB w="6350" cap="flat" cmpd="sng" algn="ctr">
+                      <a:solidFill>
+                        <a:srgbClr val="000000"/>
+                      </a:solidFill>
+                      <a:prstDash val="solid"/>
+                      <a:round/>
+                      <a:headEnd type="none" w="med" len="med"/>
+                      <a:tailEnd type="none" w="med" len="med"/>
+                    </a:lnB>
+                    <a:solidFill>
+                      <a:srgbClr val="FFFFFF"/>
+                    </a:solidFill>
+                  </a:tcPr>
+                </a:tc>
+                <a:tc>
+                  <a:txBody>
+                    <a:bodyPr/>
+                    <a:lstStyle/>
+                    <a:p>
+                      <a:pPr algn="r" fontAlgn="b"/>
+                      <a:r>
+                        <a:rPr lang="en-US" sz="1400" b="0" i="0" u="none" strike="noStrike">
+                          <a:solidFill>
+                            <a:srgbClr val="000000"/>
+                          </a:solidFill>
+                          <a:effectLst/>
+                          <a:latin typeface="Calibri" panose="020F0502020204030204" pitchFamily="34" charset="0"/>
+                        </a:rPr>
+                        <a:t>3</a:t>
+                      </a:r>
+                    </a:p>
+                  </a:txBody>
+                  <a:tcPr marL="7620" marR="7620" marT="7620" marB="0" anchor="b">
+                    <a:lnL w="6350" cap="flat" cmpd="sng" algn="ctr">
+                      <a:solidFill>
+                        <a:srgbClr val="000000"/>
+                      </a:solidFill>
+                      <a:prstDash val="solid"/>
+                      <a:round/>
+                      <a:headEnd type="none" w="med" len="med"/>
+                      <a:tailEnd type="none" w="med" len="med"/>
+                    </a:lnL>
+                    <a:lnR w="6350" cap="flat" cmpd="sng" algn="ctr">
+                      <a:solidFill>
+                        <a:srgbClr val="000000"/>
+                      </a:solidFill>
+                      <a:prstDash val="solid"/>
+                      <a:round/>
+                      <a:headEnd type="none" w="med" len="med"/>
+                      <a:tailEnd type="none" w="med" len="med"/>
+                    </a:lnR>
+                    <a:lnT w="6350" cap="flat" cmpd="sng" algn="ctr">
+                      <a:solidFill>
+                        <a:srgbClr val="000000"/>
+                      </a:solidFill>
+                      <a:prstDash val="solid"/>
+                      <a:round/>
+                      <a:headEnd type="none" w="med" len="med"/>
+                      <a:tailEnd type="none" w="med" len="med"/>
+                    </a:lnT>
+                    <a:lnB w="6350" cap="flat" cmpd="sng" algn="ctr">
+                      <a:solidFill>
+                        <a:srgbClr val="000000"/>
+                      </a:solidFill>
+                      <a:prstDash val="solid"/>
+                      <a:round/>
+                      <a:headEnd type="none" w="med" len="med"/>
+                      <a:tailEnd type="none" w="med" len="med"/>
+                    </a:lnB>
+                    <a:solidFill>
+                      <a:srgbClr val="FFFFFF"/>
+                    </a:solidFill>
+                  </a:tcPr>
+                </a:tc>
                 <a:extLst>
                   <a:ext uri="{0D108BD9-81ED-4DB2-BD59-A6C34878D82A}">
-                    <a16:rowId xmlns:a16="http://schemas.microsoft.com/office/drawing/2014/main" val="2928088719"/>
+                    <a16:rowId xmlns:a16="http://schemas.microsoft.com/office/drawing/2014/main" val="1897429995"/>
                   </a:ext>
                 </a:extLst>
               </a:tr>
               <a:tr h="228600">
+                <a:tc>
+                  <a:txBody>
+                    <a:bodyPr/>
+                    <a:lstStyle/>
+                    <a:p>
+                      <a:pPr algn="r" fontAlgn="b"/>
+                      <a:r>
+                        <a:rPr lang="en-US" sz="1400" b="0" i="0" u="none" strike="noStrike" dirty="0">
+                          <a:solidFill>
+                            <a:srgbClr val="000000"/>
+                          </a:solidFill>
+                          <a:effectLst/>
+                          <a:latin typeface="Calibri" panose="020F0502020204030204" pitchFamily="34" charset="0"/>
+                        </a:rPr>
+                        <a:t>4</a:t>
+                      </a:r>
+                    </a:p>
+                  </a:txBody>
+                  <a:tcPr marL="7620" marR="7620" marT="7620" marB="0" anchor="b">
+                    <a:lnL w="6350" cap="flat" cmpd="sng" algn="ctr">
+                      <a:solidFill>
+                        <a:srgbClr val="000000"/>
+                      </a:solidFill>
+                      <a:prstDash val="solid"/>
+                      <a:round/>
+                      <a:headEnd type="none" w="med" len="med"/>
+                      <a:tailEnd type="none" w="med" len="med"/>
+                    </a:lnL>
+                    <a:lnR w="6350" cap="flat" cmpd="sng" algn="ctr">
+                      <a:solidFill>
+                        <a:srgbClr val="000000"/>
+                      </a:solidFill>
+                      <a:prstDash val="solid"/>
+                      <a:round/>
+                      <a:headEnd type="none" w="med" len="med"/>
+                      <a:tailEnd type="none" w="med" len="med"/>
+                    </a:lnR>
+                    <a:lnT w="6350" cap="flat" cmpd="sng" algn="ctr">
+                      <a:solidFill>
+                        <a:srgbClr val="000000"/>
+                      </a:solidFill>
+                      <a:prstDash val="solid"/>
+                      <a:round/>
+                      <a:headEnd type="none" w="med" len="med"/>
+                      <a:tailEnd type="none" w="med" len="med"/>
+                    </a:lnT>
+                    <a:lnB w="6350" cap="flat" cmpd="sng" algn="ctr">
+                      <a:solidFill>
+                        <a:srgbClr val="000000"/>
+                      </a:solidFill>
+                      <a:prstDash val="solid"/>
+                      <a:round/>
+                      <a:headEnd type="none" w="med" len="med"/>
+                      <a:tailEnd type="none" w="med" len="med"/>
+                    </a:lnB>
+                    <a:solidFill>
+                      <a:srgbClr val="FFFFFF"/>
+                    </a:solidFill>
+                  </a:tcPr>
+                </a:tc>
+                <a:tc>
+                  <a:txBody>
+                    <a:bodyPr/>
+                    <a:lstStyle/>
+                    <a:p>
+                      <a:pPr algn="r" fontAlgn="b"/>
+                      <a:r>
+                        <a:rPr lang="en-US" sz="1400" b="0" i="0" u="none" strike="noStrike" dirty="0">
+                          <a:solidFill>
+                            <a:srgbClr val="000000"/>
+                          </a:solidFill>
+                          <a:effectLst/>
+                          <a:latin typeface="Calibri" panose="020F0502020204030204" pitchFamily="34" charset="0"/>
+                        </a:rPr>
+                        <a:t>60</a:t>
+                      </a:r>
+                    </a:p>
+                  </a:txBody>
+                  <a:tcPr marL="7620" marR="7620" marT="7620" marB="0" anchor="b">
+                    <a:lnL w="6350" cap="flat" cmpd="sng" algn="ctr">
+                      <a:solidFill>
+                        <a:srgbClr val="000000"/>
+                      </a:solidFill>
+                      <a:prstDash val="solid"/>
+                      <a:round/>
+                      <a:headEnd type="none" w="med" len="med"/>
+                      <a:tailEnd type="none" w="med" len="med"/>
+                    </a:lnL>
+                    <a:lnR w="6350" cap="flat" cmpd="sng" algn="ctr">
+                      <a:solidFill>
+                        <a:srgbClr val="000000"/>
+                      </a:solidFill>
+                      <a:prstDash val="solid"/>
+                      <a:round/>
+                      <a:headEnd type="none" w="med" len="med"/>
+                      <a:tailEnd type="none" w="med" len="med"/>
+                    </a:lnR>
+                    <a:lnT w="6350" cap="flat" cmpd="sng" algn="ctr">
+                      <a:solidFill>
+                        <a:srgbClr val="000000"/>
+                      </a:solidFill>
+                      <a:prstDash val="solid"/>
+                      <a:round/>
+                      <a:headEnd type="none" w="med" len="med"/>
+                      <a:tailEnd type="none" w="med" len="med"/>
+                    </a:lnT>
+                    <a:lnB w="6350" cap="flat" cmpd="sng" algn="ctr">
+                      <a:solidFill>
+                        <a:srgbClr val="000000"/>
+                      </a:solidFill>
+                      <a:prstDash val="solid"/>
+                      <a:round/>
+                      <a:headEnd type="none" w="med" len="med"/>
+                      <a:tailEnd type="none" w="med" len="med"/>
+                    </a:lnB>
+                    <a:solidFill>
+                      <a:srgbClr val="FFFFFF"/>
+                    </a:solidFill>
+                  </a:tcPr>
+                </a:tc>
+                <a:tc>
+                  <a:txBody>
+                    <a:bodyPr/>
+                    <a:lstStyle/>
+                    <a:p>
+                      <a:pPr algn="r" fontAlgn="b"/>
+                      <a:r>
+                        <a:rPr lang="en-US" sz="1400" b="0" i="0" u="none" strike="noStrike" dirty="0">
+                          <a:solidFill>
+                            <a:srgbClr val="000000"/>
+                          </a:solidFill>
+                          <a:effectLst/>
+                          <a:latin typeface="Calibri" panose="020F0502020204030204" pitchFamily="34" charset="0"/>
+                        </a:rPr>
+                        <a:t>4</a:t>
+                      </a:r>
+                    </a:p>
+                  </a:txBody>
+                  <a:tcPr marL="7620" marR="7620" marT="7620" marB="0" anchor="b">
+                    <a:lnL w="6350" cap="flat" cmpd="sng" algn="ctr">
+                      <a:solidFill>
+                        <a:srgbClr val="000000"/>
+                      </a:solidFill>
+                      <a:prstDash val="solid"/>
+                      <a:round/>
+                      <a:headEnd type="none" w="med" len="med"/>
+                      <a:tailEnd type="none" w="med" len="med"/>
+                    </a:lnL>
+                    <a:lnR w="6350" cap="flat" cmpd="sng" algn="ctr">
+                      <a:solidFill>
+                        <a:srgbClr val="000000"/>
+                      </a:solidFill>
+                      <a:prstDash val="solid"/>
+                      <a:round/>
+                      <a:headEnd type="none" w="med" len="med"/>
+                      <a:tailEnd type="none" w="med" len="med"/>
+                    </a:lnR>
+                    <a:lnT w="6350" cap="flat" cmpd="sng" algn="ctr">
+                      <a:solidFill>
+                        <a:srgbClr val="000000"/>
+                      </a:solidFill>
+                      <a:prstDash val="solid"/>
+                      <a:round/>
+                      <a:headEnd type="none" w="med" len="med"/>
+                      <a:tailEnd type="none" w="med" len="med"/>
+                    </a:lnT>
+                    <a:lnB w="6350" cap="flat" cmpd="sng" algn="ctr">
+                      <a:solidFill>
+                        <a:srgbClr val="000000"/>
+                      </a:solidFill>
+                      <a:prstDash val="solid"/>
+                      <a:round/>
+                      <a:headEnd type="none" w="med" len="med"/>
+                      <a:tailEnd type="none" w="med" len="med"/>
+                    </a:lnB>
+                    <a:solidFill>
+                      <a:srgbClr val="FFFFFF"/>
+                    </a:solidFill>
+                  </a:tcPr>
+                </a:tc>
+                <a:tc>
+                  <a:txBody>
+                    <a:bodyPr/>
+                    <a:lstStyle/>
+                    <a:p>
+                      <a:pPr algn="r" fontAlgn="b"/>
+                      <a:r>
+                        <a:rPr lang="en-US" sz="1400" b="0" i="0" u="none" strike="noStrike">
+                          <a:solidFill>
+                            <a:srgbClr val="000000"/>
+                          </a:solidFill>
+                          <a:effectLst/>
+                          <a:latin typeface="Calibri" panose="020F0502020204030204" pitchFamily="34" charset="0"/>
+                        </a:rPr>
+                        <a:t> </a:t>
+                      </a:r>
+                    </a:p>
+                  </a:txBody>
+                  <a:tcPr marL="7620" marR="7620" marT="7620" marB="0" anchor="b">
+                    <a:lnL w="6350" cap="flat" cmpd="sng" algn="ctr">
+                      <a:solidFill>
+                        <a:srgbClr val="000000"/>
+                      </a:solidFill>
+                      <a:prstDash val="solid"/>
+                      <a:round/>
+                      <a:headEnd type="none" w="med" len="med"/>
+                      <a:tailEnd type="none" w="med" len="med"/>
+                    </a:lnL>
+                    <a:lnR w="6350" cap="flat" cmpd="sng" algn="ctr">
+                      <a:solidFill>
+                        <a:srgbClr val="000000"/>
+                      </a:solidFill>
+                      <a:prstDash val="solid"/>
+                      <a:round/>
+                      <a:headEnd type="none" w="med" len="med"/>
+                      <a:tailEnd type="none" w="med" len="med"/>
+                    </a:lnR>
+                    <a:lnT>
+                      <a:noFill/>
+                    </a:lnT>
+                    <a:lnB>
+                      <a:noFill/>
+                    </a:lnB>
+                    <a:solidFill>
+                      <a:srgbClr val="FFFFFF"/>
+                    </a:solidFill>
+                  </a:tcPr>
+                </a:tc>
+                <a:tc>
+                  <a:txBody>
+                    <a:bodyPr/>
+                    <a:lstStyle/>
+                    <a:p>
+                      <a:pPr algn="r" fontAlgn="b"/>
+                      <a:r>
+                        <a:rPr lang="en-US" sz="1400" b="0" i="0" u="none" strike="noStrike" dirty="0">
+                          <a:solidFill>
+                            <a:srgbClr val="000000"/>
+                          </a:solidFill>
+                          <a:effectLst/>
+                          <a:latin typeface="Calibri" panose="020F0502020204030204" pitchFamily="34" charset="0"/>
+                        </a:rPr>
+                        <a:t>4</a:t>
+                      </a:r>
+                    </a:p>
+                  </a:txBody>
+                  <a:tcPr marL="7620" marR="7620" marT="7620" marB="0" anchor="b">
+                    <a:lnL w="6350" cap="flat" cmpd="sng" algn="ctr">
+                      <a:solidFill>
+                        <a:srgbClr val="000000"/>
+                      </a:solidFill>
+                      <a:prstDash val="solid"/>
+                      <a:round/>
+                      <a:headEnd type="none" w="med" len="med"/>
+                      <a:tailEnd type="none" w="med" len="med"/>
+                    </a:lnL>
+                    <a:lnR w="6350" cap="flat" cmpd="sng" algn="ctr">
+                      <a:solidFill>
+                        <a:srgbClr val="000000"/>
+                      </a:solidFill>
+                      <a:prstDash val="solid"/>
+                      <a:round/>
+                      <a:headEnd type="none" w="med" len="med"/>
+                      <a:tailEnd type="none" w="med" len="med"/>
+                    </a:lnR>
+                    <a:lnT w="6350" cap="flat" cmpd="sng" algn="ctr">
+                      <a:solidFill>
+                        <a:srgbClr val="000000"/>
+                      </a:solidFill>
+                      <a:prstDash val="solid"/>
+                      <a:round/>
+                      <a:headEnd type="none" w="med" len="med"/>
+                      <a:tailEnd type="none" w="med" len="med"/>
+                    </a:lnT>
+                    <a:lnB w="6350" cap="flat" cmpd="sng" algn="ctr">
+                      <a:solidFill>
+                        <a:srgbClr val="000000"/>
+                      </a:solidFill>
+                      <a:prstDash val="solid"/>
+                      <a:round/>
+                      <a:headEnd type="none" w="med" len="med"/>
+                      <a:tailEnd type="none" w="med" len="med"/>
+                    </a:lnB>
+                    <a:solidFill>
+                      <a:srgbClr val="FFFFFF"/>
+                    </a:solidFill>
+                  </a:tcPr>
+                </a:tc>
+                <a:tc>
+                  <a:txBody>
+                    <a:bodyPr/>
+                    <a:lstStyle/>
+                    <a:p>
+                      <a:pPr algn="r" fontAlgn="b"/>
+                      <a:r>
+                        <a:rPr lang="en-US" sz="1400" b="0" i="0" u="none" strike="noStrike">
+                          <a:solidFill>
+                            <a:srgbClr val="000000"/>
+                          </a:solidFill>
+                          <a:effectLst/>
+                          <a:latin typeface="Calibri" panose="020F0502020204030204" pitchFamily="34" charset="0"/>
+                        </a:rPr>
+                        <a:t>250</a:t>
+                      </a:r>
+                    </a:p>
+                  </a:txBody>
+                  <a:tcPr marL="7620" marR="7620" marT="7620" marB="0" anchor="b">
+                    <a:lnL w="6350" cap="flat" cmpd="sng" algn="ctr">
+                      <a:solidFill>
+                        <a:srgbClr val="000000"/>
+                      </a:solidFill>
+                      <a:prstDash val="solid"/>
+                      <a:round/>
+                      <a:headEnd type="none" w="med" len="med"/>
+                      <a:tailEnd type="none" w="med" len="med"/>
+                    </a:lnL>
+                    <a:lnR w="6350" cap="flat" cmpd="sng" algn="ctr">
+                      <a:solidFill>
+                        <a:srgbClr val="000000"/>
+                      </a:solidFill>
+                      <a:prstDash val="solid"/>
+                      <a:round/>
+                      <a:headEnd type="none" w="med" len="med"/>
+                      <a:tailEnd type="none" w="med" len="med"/>
+                    </a:lnR>
+                    <a:lnT w="6350" cap="flat" cmpd="sng" algn="ctr">
+                      <a:solidFill>
+                        <a:srgbClr val="000000"/>
+                      </a:solidFill>
+                      <a:prstDash val="solid"/>
+                      <a:round/>
+                      <a:headEnd type="none" w="med" len="med"/>
+                      <a:tailEnd type="none" w="med" len="med"/>
+                    </a:lnT>
+                    <a:lnB w="6350" cap="flat" cmpd="sng" algn="ctr">
+                      <a:solidFill>
+                        <a:srgbClr val="000000"/>
+                      </a:solidFill>
+                      <a:prstDash val="solid"/>
+                      <a:round/>
+                      <a:headEnd type="none" w="med" len="med"/>
+                      <a:tailEnd type="none" w="med" len="med"/>
+                    </a:lnB>
+                    <a:solidFill>
+                      <a:srgbClr val="FFFFFF"/>
+                    </a:solidFill>
+                  </a:tcPr>
+                </a:tc>
+                <a:tc>
+                  <a:txBody>
+                    <a:bodyPr/>
+                    <a:lstStyle/>
+                    <a:p>
+                      <a:pPr algn="r" fontAlgn="b"/>
+                      <a:r>
+                        <a:rPr lang="en-US" sz="1400" b="0" i="0" u="none" strike="noStrike">
+                          <a:solidFill>
+                            <a:srgbClr val="000000"/>
+                          </a:solidFill>
+                          <a:effectLst/>
+                          <a:latin typeface="Calibri" panose="020F0502020204030204" pitchFamily="34" charset="0"/>
+                        </a:rPr>
+                        <a:t>3</a:t>
+                      </a:r>
+                    </a:p>
+                  </a:txBody>
+                  <a:tcPr marL="7620" marR="7620" marT="7620" marB="0" anchor="b">
+                    <a:lnL w="6350" cap="flat" cmpd="sng" algn="ctr">
+                      <a:solidFill>
+                        <a:srgbClr val="000000"/>
+                      </a:solidFill>
+                      <a:prstDash val="solid"/>
+                      <a:round/>
+                      <a:headEnd type="none" w="med" len="med"/>
+                      <a:tailEnd type="none" w="med" len="med"/>
+                    </a:lnL>
+                    <a:lnR w="6350" cap="flat" cmpd="sng" algn="ctr">
+                      <a:solidFill>
+                        <a:srgbClr val="000000"/>
+                      </a:solidFill>
+                      <a:prstDash val="solid"/>
+                      <a:round/>
+                      <a:headEnd type="none" w="med" len="med"/>
+                      <a:tailEnd type="none" w="med" len="med"/>
+                    </a:lnR>
+                    <a:lnT w="6350" cap="flat" cmpd="sng" algn="ctr">
+                      <a:solidFill>
+                        <a:srgbClr val="000000"/>
+                      </a:solidFill>
+                      <a:prstDash val="solid"/>
+                      <a:round/>
+                      <a:headEnd type="none" w="med" len="med"/>
+                      <a:tailEnd type="none" w="med" len="med"/>
+                    </a:lnT>
+                    <a:lnB w="6350" cap="flat" cmpd="sng" algn="ctr">
+                      <a:solidFill>
+                        <a:srgbClr val="000000"/>
+                      </a:solidFill>
+                      <a:prstDash val="solid"/>
+                      <a:round/>
+                      <a:headEnd type="none" w="med" len="med"/>
+                      <a:tailEnd type="none" w="med" len="med"/>
+                    </a:lnB>
+                    <a:solidFill>
+                      <a:srgbClr val="FFFFFF"/>
+                    </a:solidFill>
+                  </a:tcPr>
+                </a:tc>
+                <a:tc>
+                  <a:txBody>
+                    <a:bodyPr/>
+                    <a:lstStyle/>
+                    <a:p>
+                      <a:pPr algn="r" fontAlgn="b"/>
+                      <a:r>
+                        <a:rPr lang="en-US" sz="1400" b="0" i="0" u="none" strike="noStrike">
+                          <a:solidFill>
+                            <a:srgbClr val="000000"/>
+                          </a:solidFill>
+                          <a:effectLst/>
+                          <a:latin typeface="Calibri" panose="020F0502020204030204" pitchFamily="34" charset="0"/>
+                        </a:rPr>
+                        <a:t> </a:t>
+                      </a:r>
+                    </a:p>
+                  </a:txBody>
+                  <a:tcPr marL="7620" marR="7620" marT="7620" marB="0" anchor="b">
+                    <a:lnL w="6350" cap="flat" cmpd="sng" algn="ctr">
+                      <a:solidFill>
+                        <a:srgbClr val="000000"/>
+                      </a:solidFill>
+                      <a:prstDash val="solid"/>
+                      <a:round/>
+                      <a:headEnd type="none" w="med" len="med"/>
+                      <a:tailEnd type="none" w="med" len="med"/>
+                    </a:lnL>
+                    <a:lnR w="6350" cap="flat" cmpd="sng" algn="ctr">
+                      <a:solidFill>
+                        <a:srgbClr val="000000"/>
+                      </a:solidFill>
+                      <a:prstDash val="solid"/>
+                      <a:round/>
+                      <a:headEnd type="none" w="med" len="med"/>
+                      <a:tailEnd type="none" w="med" len="med"/>
+                    </a:lnR>
+                    <a:lnT>
+                      <a:noFill/>
+                    </a:lnT>
+                    <a:lnB>
+                      <a:noFill/>
+                    </a:lnB>
+                    <a:solidFill>
+                      <a:srgbClr val="FFFFFF"/>
+                    </a:solidFill>
+                  </a:tcPr>
+                </a:tc>
+                <a:tc>
+                  <a:txBody>
+                    <a:bodyPr/>
+                    <a:lstStyle/>
+                    <a:p>
+                      <a:pPr algn="r" fontAlgn="b"/>
+                      <a:r>
+                        <a:rPr lang="en-US" sz="1400" b="0" i="0" u="none" strike="noStrike">
+                          <a:solidFill>
+                            <a:srgbClr val="000000"/>
+                          </a:solidFill>
+                          <a:effectLst/>
+                          <a:latin typeface="Calibri" panose="020F0502020204030204" pitchFamily="34" charset="0"/>
+                        </a:rPr>
+                        <a:t>4</a:t>
+                      </a:r>
+                    </a:p>
+                  </a:txBody>
+                  <a:tcPr marL="7620" marR="7620" marT="7620" marB="0" anchor="b">
+                    <a:lnL w="6350" cap="flat" cmpd="sng" algn="ctr">
+                      <a:solidFill>
+                        <a:srgbClr val="000000"/>
+                      </a:solidFill>
+                      <a:prstDash val="solid"/>
+                      <a:round/>
+                      <a:headEnd type="none" w="med" len="med"/>
+                      <a:tailEnd type="none" w="med" len="med"/>
+                    </a:lnL>
+                    <a:lnR w="6350" cap="flat" cmpd="sng" algn="ctr">
+                      <a:solidFill>
+                        <a:srgbClr val="000000"/>
+                      </a:solidFill>
+                      <a:prstDash val="solid"/>
+                      <a:round/>
+                      <a:headEnd type="none" w="med" len="med"/>
+                      <a:tailEnd type="none" w="med" len="med"/>
+                    </a:lnR>
+                    <a:lnT w="6350" cap="flat" cmpd="sng" algn="ctr">
+                      <a:solidFill>
+                        <a:srgbClr val="000000"/>
+                      </a:solidFill>
+                      <a:prstDash val="solid"/>
+                      <a:round/>
+                      <a:headEnd type="none" w="med" len="med"/>
+                      <a:tailEnd type="none" w="med" len="med"/>
+                    </a:lnT>
+                    <a:lnB w="6350" cap="flat" cmpd="sng" algn="ctr">
+                      <a:solidFill>
+                        <a:srgbClr val="000000"/>
+                      </a:solidFill>
+                      <a:prstDash val="solid"/>
+                      <a:round/>
+                      <a:headEnd type="none" w="med" len="med"/>
+                      <a:tailEnd type="none" w="med" len="med"/>
+                    </a:lnB>
+                    <a:solidFill>
+                      <a:srgbClr val="FFFFFF"/>
+                    </a:solidFill>
+                  </a:tcPr>
+                </a:tc>
+                <a:tc>
+                  <a:txBody>
+                    <a:bodyPr/>
+                    <a:lstStyle/>
+                    <a:p>
+                      <a:pPr algn="r" fontAlgn="b"/>
+                      <a:r>
+                        <a:rPr lang="en-US" sz="1400" b="0" i="0" u="none" strike="noStrike">
+                          <a:solidFill>
+                            <a:srgbClr val="000000"/>
+                          </a:solidFill>
+                          <a:effectLst/>
+                          <a:latin typeface="Calibri" panose="020F0502020204030204" pitchFamily="34" charset="0"/>
+                        </a:rPr>
+                        <a:t>55</a:t>
+                      </a:r>
+                    </a:p>
+                  </a:txBody>
+                  <a:tcPr marL="7620" marR="7620" marT="7620" marB="0" anchor="b">
+                    <a:lnL w="6350" cap="flat" cmpd="sng" algn="ctr">
+                      <a:solidFill>
+                        <a:srgbClr val="000000"/>
+                      </a:solidFill>
+                      <a:prstDash val="solid"/>
+                      <a:round/>
+                      <a:headEnd type="none" w="med" len="med"/>
+                      <a:tailEnd type="none" w="med" len="med"/>
+                    </a:lnL>
+                    <a:lnR w="6350" cap="flat" cmpd="sng" algn="ctr">
+                      <a:solidFill>
+                        <a:srgbClr val="000000"/>
+                      </a:solidFill>
+                      <a:prstDash val="solid"/>
+                      <a:round/>
+                      <a:headEnd type="none" w="med" len="med"/>
+                      <a:tailEnd type="none" w="med" len="med"/>
+                    </a:lnR>
+                    <a:lnT w="6350" cap="flat" cmpd="sng" algn="ctr">
+                      <a:solidFill>
+                        <a:srgbClr val="000000"/>
+                      </a:solidFill>
+                      <a:prstDash val="solid"/>
+                      <a:round/>
+                      <a:headEnd type="none" w="med" len="med"/>
+                      <a:tailEnd type="none" w="med" len="med"/>
+                    </a:lnT>
+                    <a:lnB w="6350" cap="flat" cmpd="sng" algn="ctr">
+                      <a:solidFill>
+                        <a:srgbClr val="000000"/>
+                      </a:solidFill>
+                      <a:prstDash val="solid"/>
+                      <a:round/>
+                      <a:headEnd type="none" w="med" len="med"/>
+                      <a:tailEnd type="none" w="med" len="med"/>
+                    </a:lnB>
+                    <a:solidFill>
+                      <a:srgbClr val="FFFFFF"/>
+                    </a:solidFill>
+                  </a:tcPr>
+                </a:tc>
                 <a:tc>
                   <a:txBody>
                     <a:bodyPr/>
@@ -6308,6 +8170,193 @@
                     </a:solidFill>
                   </a:tcPr>
                 </a:tc>
+                <a:extLst>
+                  <a:ext uri="{0D108BD9-81ED-4DB2-BD59-A6C34878D82A}">
+                    <a16:rowId xmlns:a16="http://schemas.microsoft.com/office/drawing/2014/main" val="2913831465"/>
+                  </a:ext>
+                </a:extLst>
+              </a:tr>
+              <a:tr h="228600">
+                <a:tc>
+                  <a:txBody>
+                    <a:bodyPr/>
+                    <a:lstStyle/>
+                    <a:p>
+                      <a:pPr algn="r" fontAlgn="b"/>
+                      <a:r>
+                        <a:rPr lang="en-US" sz="1400" b="0" i="0" u="none" strike="noStrike" dirty="0">
+                          <a:solidFill>
+                            <a:srgbClr val="000000"/>
+                          </a:solidFill>
+                          <a:effectLst/>
+                          <a:latin typeface="Calibri" panose="020F0502020204030204" pitchFamily="34" charset="0"/>
+                        </a:rPr>
+                        <a:t>5</a:t>
+                      </a:r>
+                    </a:p>
+                  </a:txBody>
+                  <a:tcPr marL="7620" marR="7620" marT="7620" marB="0" anchor="b">
+                    <a:lnL w="6350" cap="flat" cmpd="sng" algn="ctr">
+                      <a:solidFill>
+                        <a:srgbClr val="000000"/>
+                      </a:solidFill>
+                      <a:prstDash val="solid"/>
+                      <a:round/>
+                      <a:headEnd type="none" w="med" len="med"/>
+                      <a:tailEnd type="none" w="med" len="med"/>
+                    </a:lnL>
+                    <a:lnR w="6350" cap="flat" cmpd="sng" algn="ctr">
+                      <a:solidFill>
+                        <a:srgbClr val="000000"/>
+                      </a:solidFill>
+                      <a:prstDash val="solid"/>
+                      <a:round/>
+                      <a:headEnd type="none" w="med" len="med"/>
+                      <a:tailEnd type="none" w="med" len="med"/>
+                    </a:lnR>
+                    <a:lnT w="6350" cap="flat" cmpd="sng" algn="ctr">
+                      <a:solidFill>
+                        <a:srgbClr val="000000"/>
+                      </a:solidFill>
+                      <a:prstDash val="solid"/>
+                      <a:round/>
+                      <a:headEnd type="none" w="med" len="med"/>
+                      <a:tailEnd type="none" w="med" len="med"/>
+                    </a:lnT>
+                    <a:lnB w="6350" cap="flat" cmpd="sng" algn="ctr">
+                      <a:solidFill>
+                        <a:srgbClr val="000000"/>
+                      </a:solidFill>
+                      <a:prstDash val="solid"/>
+                      <a:round/>
+                      <a:headEnd type="none" w="med" len="med"/>
+                      <a:tailEnd type="none" w="med" len="med"/>
+                    </a:lnB>
+                    <a:solidFill>
+                      <a:srgbClr val="FFFFFF"/>
+                    </a:solidFill>
+                  </a:tcPr>
+                </a:tc>
+                <a:tc>
+                  <a:txBody>
+                    <a:bodyPr/>
+                    <a:lstStyle/>
+                    <a:p>
+                      <a:pPr algn="r" fontAlgn="b"/>
+                      <a:r>
+                        <a:rPr lang="en-US" sz="1400" b="0" i="0" u="none" strike="noStrike" dirty="0">
+                          <a:solidFill>
+                            <a:srgbClr val="000000"/>
+                          </a:solidFill>
+                          <a:effectLst/>
+                          <a:latin typeface="Calibri" panose="020F0502020204030204" pitchFamily="34" charset="0"/>
+                        </a:rPr>
+                        <a:t>50</a:t>
+                      </a:r>
+                    </a:p>
+                  </a:txBody>
+                  <a:tcPr marL="7620" marR="7620" marT="7620" marB="0" anchor="b">
+                    <a:lnL w="6350" cap="flat" cmpd="sng" algn="ctr">
+                      <a:solidFill>
+                        <a:srgbClr val="000000"/>
+                      </a:solidFill>
+                      <a:prstDash val="solid"/>
+                      <a:round/>
+                      <a:headEnd type="none" w="med" len="med"/>
+                      <a:tailEnd type="none" w="med" len="med"/>
+                    </a:lnL>
+                    <a:lnR w="6350" cap="flat" cmpd="sng" algn="ctr">
+                      <a:solidFill>
+                        <a:srgbClr val="000000"/>
+                      </a:solidFill>
+                      <a:prstDash val="solid"/>
+                      <a:round/>
+                      <a:headEnd type="none" w="med" len="med"/>
+                      <a:tailEnd type="none" w="med" len="med"/>
+                    </a:lnR>
+                    <a:lnT w="6350" cap="flat" cmpd="sng" algn="ctr">
+                      <a:solidFill>
+                        <a:srgbClr val="000000"/>
+                      </a:solidFill>
+                      <a:prstDash val="solid"/>
+                      <a:round/>
+                      <a:headEnd type="none" w="med" len="med"/>
+                      <a:tailEnd type="none" w="med" len="med"/>
+                    </a:lnT>
+                    <a:lnB w="6350" cap="flat" cmpd="sng" algn="ctr">
+                      <a:solidFill>
+                        <a:srgbClr val="000000"/>
+                      </a:solidFill>
+                      <a:prstDash val="solid"/>
+                      <a:round/>
+                      <a:headEnd type="none" w="med" len="med"/>
+                      <a:tailEnd type="none" w="med" len="med"/>
+                    </a:lnB>
+                    <a:solidFill>
+                      <a:srgbClr val="FFFFFF"/>
+                    </a:solidFill>
+                  </a:tcPr>
+                </a:tc>
+                <a:tc>
+                  <a:txBody>
+                    <a:bodyPr/>
+                    <a:lstStyle/>
+                    <a:p>
+                      <a:pPr algn="r" fontAlgn="b"/>
+                      <a:r>
+                        <a:rPr lang="en-US" sz="1400" b="0" i="0" u="none" strike="noStrike" dirty="0">
+                          <a:solidFill>
+                            <a:srgbClr val="000000"/>
+                          </a:solidFill>
+                          <a:effectLst/>
+                          <a:latin typeface="Calibri" panose="020F0502020204030204" pitchFamily="34" charset="0"/>
+                        </a:rPr>
+                        <a:t>5</a:t>
+                      </a:r>
+                    </a:p>
+                  </a:txBody>
+                  <a:tcPr marL="7620" marR="7620" marT="7620" marB="0" anchor="b">
+                    <a:lnL w="6350" cap="flat" cmpd="sng" algn="ctr">
+                      <a:solidFill>
+                        <a:srgbClr val="000000"/>
+                      </a:solidFill>
+                      <a:prstDash val="solid"/>
+                      <a:round/>
+                      <a:headEnd type="none" w="med" len="med"/>
+                      <a:tailEnd type="none" w="med" len="med"/>
+                    </a:lnL>
+                    <a:lnR w="6350" cap="flat" cmpd="sng" algn="ctr">
+                      <a:solidFill>
+                        <a:srgbClr val="000000"/>
+                      </a:solidFill>
+                      <a:prstDash val="solid"/>
+                      <a:round/>
+                      <a:headEnd type="none" w="med" len="med"/>
+                      <a:tailEnd type="none" w="med" len="med"/>
+                    </a:lnR>
+                    <a:lnT w="6350" cap="flat" cmpd="sng" algn="ctr">
+                      <a:solidFill>
+                        <a:srgbClr val="000000"/>
+                      </a:solidFill>
+                      <a:prstDash val="solid"/>
+                      <a:round/>
+                      <a:headEnd type="none" w="med" len="med"/>
+                      <a:tailEnd type="none" w="med" len="med"/>
+                    </a:lnT>
+                    <a:lnB w="6350" cap="flat" cmpd="sng" algn="ctr">
+                      <a:solidFill>
+                        <a:srgbClr val="000000"/>
+                      </a:solidFill>
+                      <a:prstDash val="solid"/>
+                      <a:round/>
+                      <a:headEnd type="none" w="med" len="med"/>
+                      <a:tailEnd type="none" w="med" len="med"/>
+                    </a:lnB>
+                    <a:solidFill>
+                      <a:srgbClr val="FFFFFF"/>
+                    </a:solidFill>
+                  </a:tcPr>
+                </a:tc>
                 <a:tc>
                   <a:txBody>
                     <a:bodyPr/>
@@ -6322,7 +8371,343 @@
                           <a:effectLst/>
                           <a:latin typeface="Calibri" panose="020F0502020204030204" pitchFamily="34" charset="0"/>
                         </a:rPr>
-                        <a:t>80</a:t>
+                        <a:t> </a:t>
+                      </a:r>
+                    </a:p>
+                  </a:txBody>
+                  <a:tcPr marL="7620" marR="7620" marT="7620" marB="0" anchor="b">
+                    <a:lnL w="6350" cap="flat" cmpd="sng" algn="ctr">
+                      <a:solidFill>
+                        <a:srgbClr val="000000"/>
+                      </a:solidFill>
+                      <a:prstDash val="solid"/>
+                      <a:round/>
+                      <a:headEnd type="none" w="med" len="med"/>
+                      <a:tailEnd type="none" w="med" len="med"/>
+                    </a:lnL>
+                    <a:lnR w="6350" cap="flat" cmpd="sng" algn="ctr">
+                      <a:solidFill>
+                        <a:srgbClr val="000000"/>
+                      </a:solidFill>
+                      <a:prstDash val="solid"/>
+                      <a:round/>
+                      <a:headEnd type="none" w="med" len="med"/>
+                      <a:tailEnd type="none" w="med" len="med"/>
+                    </a:lnR>
+                    <a:lnT>
+                      <a:noFill/>
+                    </a:lnT>
+                    <a:lnB>
+                      <a:noFill/>
+                    </a:lnB>
+                    <a:solidFill>
+                      <a:srgbClr val="FFFFFF"/>
+                    </a:solidFill>
+                  </a:tcPr>
+                </a:tc>
+                <a:tc>
+                  <a:txBody>
+                    <a:bodyPr/>
+                    <a:lstStyle/>
+                    <a:p>
+                      <a:pPr algn="r" fontAlgn="b"/>
+                      <a:r>
+                        <a:rPr lang="en-US" sz="1400" b="0" i="0" u="none" strike="noStrike" dirty="0">
+                          <a:solidFill>
+                            <a:srgbClr val="000000"/>
+                          </a:solidFill>
+                          <a:effectLst/>
+                          <a:latin typeface="Calibri" panose="020F0502020204030204" pitchFamily="34" charset="0"/>
+                        </a:rPr>
+                        <a:t>5</a:t>
+                      </a:r>
+                    </a:p>
+                  </a:txBody>
+                  <a:tcPr marL="7620" marR="7620" marT="7620" marB="0" anchor="b">
+                    <a:lnL w="6350" cap="flat" cmpd="sng" algn="ctr">
+                      <a:solidFill>
+                        <a:srgbClr val="000000"/>
+                      </a:solidFill>
+                      <a:prstDash val="solid"/>
+                      <a:round/>
+                      <a:headEnd type="none" w="med" len="med"/>
+                      <a:tailEnd type="none" w="med" len="med"/>
+                    </a:lnL>
+                    <a:lnR w="6350" cap="flat" cmpd="sng" algn="ctr">
+                      <a:solidFill>
+                        <a:srgbClr val="000000"/>
+                      </a:solidFill>
+                      <a:prstDash val="solid"/>
+                      <a:round/>
+                      <a:headEnd type="none" w="med" len="med"/>
+                      <a:tailEnd type="none" w="med" len="med"/>
+                    </a:lnR>
+                    <a:lnT w="6350" cap="flat" cmpd="sng" algn="ctr">
+                      <a:solidFill>
+                        <a:srgbClr val="000000"/>
+                      </a:solidFill>
+                      <a:prstDash val="solid"/>
+                      <a:round/>
+                      <a:headEnd type="none" w="med" len="med"/>
+                      <a:tailEnd type="none" w="med" len="med"/>
+                    </a:lnT>
+                    <a:lnB w="6350" cap="flat" cmpd="sng" algn="ctr">
+                      <a:solidFill>
+                        <a:srgbClr val="000000"/>
+                      </a:solidFill>
+                      <a:prstDash val="solid"/>
+                      <a:round/>
+                      <a:headEnd type="none" w="med" len="med"/>
+                      <a:tailEnd type="none" w="med" len="med"/>
+                    </a:lnB>
+                    <a:solidFill>
+                      <a:srgbClr val="FFFFFF"/>
+                    </a:solidFill>
+                  </a:tcPr>
+                </a:tc>
+                <a:tc>
+                  <a:txBody>
+                    <a:bodyPr/>
+                    <a:lstStyle/>
+                    <a:p>
+                      <a:pPr algn="r" fontAlgn="b"/>
+                      <a:r>
+                        <a:rPr lang="en-US" sz="1400" b="0" i="0" u="none" strike="noStrike">
+                          <a:solidFill>
+                            <a:srgbClr val="000000"/>
+                          </a:solidFill>
+                          <a:effectLst/>
+                          <a:latin typeface="Calibri" panose="020F0502020204030204" pitchFamily="34" charset="0"/>
+                        </a:rPr>
+                        <a:t>200</a:t>
+                      </a:r>
+                    </a:p>
+                  </a:txBody>
+                  <a:tcPr marL="7620" marR="7620" marT="7620" marB="0" anchor="b">
+                    <a:lnL w="6350" cap="flat" cmpd="sng" algn="ctr">
+                      <a:solidFill>
+                        <a:srgbClr val="000000"/>
+                      </a:solidFill>
+                      <a:prstDash val="solid"/>
+                      <a:round/>
+                      <a:headEnd type="none" w="med" len="med"/>
+                      <a:tailEnd type="none" w="med" len="med"/>
+                    </a:lnL>
+                    <a:lnR w="6350" cap="flat" cmpd="sng" algn="ctr">
+                      <a:solidFill>
+                        <a:srgbClr val="000000"/>
+                      </a:solidFill>
+                      <a:prstDash val="solid"/>
+                      <a:round/>
+                      <a:headEnd type="none" w="med" len="med"/>
+                      <a:tailEnd type="none" w="med" len="med"/>
+                    </a:lnR>
+                    <a:lnT w="6350" cap="flat" cmpd="sng" algn="ctr">
+                      <a:solidFill>
+                        <a:srgbClr val="000000"/>
+                      </a:solidFill>
+                      <a:prstDash val="solid"/>
+                      <a:round/>
+                      <a:headEnd type="none" w="med" len="med"/>
+                      <a:tailEnd type="none" w="med" len="med"/>
+                    </a:lnT>
+                    <a:lnB w="6350" cap="flat" cmpd="sng" algn="ctr">
+                      <a:solidFill>
+                        <a:srgbClr val="000000"/>
+                      </a:solidFill>
+                      <a:prstDash val="solid"/>
+                      <a:round/>
+                      <a:headEnd type="none" w="med" len="med"/>
+                      <a:tailEnd type="none" w="med" len="med"/>
+                    </a:lnB>
+                    <a:solidFill>
+                      <a:srgbClr val="FFFFFF"/>
+                    </a:solidFill>
+                  </a:tcPr>
+                </a:tc>
+                <a:tc>
+                  <a:txBody>
+                    <a:bodyPr/>
+                    <a:lstStyle/>
+                    <a:p>
+                      <a:pPr algn="r" fontAlgn="b"/>
+                      <a:r>
+                        <a:rPr lang="en-US" sz="1400" b="0" i="0" u="none" strike="noStrike">
+                          <a:solidFill>
+                            <a:srgbClr val="000000"/>
+                          </a:solidFill>
+                          <a:effectLst/>
+                          <a:latin typeface="Calibri" panose="020F0502020204030204" pitchFamily="34" charset="0"/>
+                        </a:rPr>
+                        <a:t>4</a:t>
+                      </a:r>
+                    </a:p>
+                  </a:txBody>
+                  <a:tcPr marL="7620" marR="7620" marT="7620" marB="0" anchor="b">
+                    <a:lnL w="6350" cap="flat" cmpd="sng" algn="ctr">
+                      <a:solidFill>
+                        <a:srgbClr val="000000"/>
+                      </a:solidFill>
+                      <a:prstDash val="solid"/>
+                      <a:round/>
+                      <a:headEnd type="none" w="med" len="med"/>
+                      <a:tailEnd type="none" w="med" len="med"/>
+                    </a:lnL>
+                    <a:lnR w="6350" cap="flat" cmpd="sng" algn="ctr">
+                      <a:solidFill>
+                        <a:srgbClr val="000000"/>
+                      </a:solidFill>
+                      <a:prstDash val="solid"/>
+                      <a:round/>
+                      <a:headEnd type="none" w="med" len="med"/>
+                      <a:tailEnd type="none" w="med" len="med"/>
+                    </a:lnR>
+                    <a:lnT w="6350" cap="flat" cmpd="sng" algn="ctr">
+                      <a:solidFill>
+                        <a:srgbClr val="000000"/>
+                      </a:solidFill>
+                      <a:prstDash val="solid"/>
+                      <a:round/>
+                      <a:headEnd type="none" w="med" len="med"/>
+                      <a:tailEnd type="none" w="med" len="med"/>
+                    </a:lnT>
+                    <a:lnB w="6350" cap="flat" cmpd="sng" algn="ctr">
+                      <a:solidFill>
+                        <a:srgbClr val="000000"/>
+                      </a:solidFill>
+                      <a:prstDash val="solid"/>
+                      <a:round/>
+                      <a:headEnd type="none" w="med" len="med"/>
+                      <a:tailEnd type="none" w="med" len="med"/>
+                    </a:lnB>
+                    <a:solidFill>
+                      <a:srgbClr val="FFFFFF"/>
+                    </a:solidFill>
+                  </a:tcPr>
+                </a:tc>
+                <a:tc>
+                  <a:txBody>
+                    <a:bodyPr/>
+                    <a:lstStyle/>
+                    <a:p>
+                      <a:pPr algn="r" fontAlgn="b"/>
+                      <a:r>
+                        <a:rPr lang="en-US" sz="1400" b="0" i="0" u="none" strike="noStrike">
+                          <a:solidFill>
+                            <a:srgbClr val="000000"/>
+                          </a:solidFill>
+                          <a:effectLst/>
+                          <a:latin typeface="Calibri" panose="020F0502020204030204" pitchFamily="34" charset="0"/>
+                        </a:rPr>
+                        <a:t> </a:t>
+                      </a:r>
+                    </a:p>
+                  </a:txBody>
+                  <a:tcPr marL="7620" marR="7620" marT="7620" marB="0" anchor="b">
+                    <a:lnL w="6350" cap="flat" cmpd="sng" algn="ctr">
+                      <a:solidFill>
+                        <a:srgbClr val="000000"/>
+                      </a:solidFill>
+                      <a:prstDash val="solid"/>
+                      <a:round/>
+                      <a:headEnd type="none" w="med" len="med"/>
+                      <a:tailEnd type="none" w="med" len="med"/>
+                    </a:lnL>
+                    <a:lnR w="6350" cap="flat" cmpd="sng" algn="ctr">
+                      <a:solidFill>
+                        <a:srgbClr val="000000"/>
+                      </a:solidFill>
+                      <a:prstDash val="solid"/>
+                      <a:round/>
+                      <a:headEnd type="none" w="med" len="med"/>
+                      <a:tailEnd type="none" w="med" len="med"/>
+                    </a:lnR>
+                    <a:lnT>
+                      <a:noFill/>
+                    </a:lnT>
+                    <a:lnB>
+                      <a:noFill/>
+                    </a:lnB>
+                    <a:solidFill>
+                      <a:srgbClr val="FFFFFF"/>
+                    </a:solidFill>
+                  </a:tcPr>
+                </a:tc>
+                <a:tc>
+                  <a:txBody>
+                    <a:bodyPr/>
+                    <a:lstStyle/>
+                    <a:p>
+                      <a:pPr algn="r" fontAlgn="b"/>
+                      <a:r>
+                        <a:rPr lang="en-US" sz="1400" b="0" i="0" u="none" strike="noStrike">
+                          <a:solidFill>
+                            <a:srgbClr val="000000"/>
+                          </a:solidFill>
+                          <a:effectLst/>
+                          <a:latin typeface="Calibri" panose="020F0502020204030204" pitchFamily="34" charset="0"/>
+                        </a:rPr>
+                        <a:t>5</a:t>
+                      </a:r>
+                    </a:p>
+                  </a:txBody>
+                  <a:tcPr marL="7620" marR="7620" marT="7620" marB="0" anchor="b">
+                    <a:lnL w="6350" cap="flat" cmpd="sng" algn="ctr">
+                      <a:solidFill>
+                        <a:srgbClr val="000000"/>
+                      </a:solidFill>
+                      <a:prstDash val="solid"/>
+                      <a:round/>
+                      <a:headEnd type="none" w="med" len="med"/>
+                      <a:tailEnd type="none" w="med" len="med"/>
+                    </a:lnL>
+                    <a:lnR w="6350" cap="flat" cmpd="sng" algn="ctr">
+                      <a:solidFill>
+                        <a:srgbClr val="000000"/>
+                      </a:solidFill>
+                      <a:prstDash val="solid"/>
+                      <a:round/>
+                      <a:headEnd type="none" w="med" len="med"/>
+                      <a:tailEnd type="none" w="med" len="med"/>
+                    </a:lnR>
+                    <a:lnT w="6350" cap="flat" cmpd="sng" algn="ctr">
+                      <a:solidFill>
+                        <a:srgbClr val="000000"/>
+                      </a:solidFill>
+                      <a:prstDash val="solid"/>
+                      <a:round/>
+                      <a:headEnd type="none" w="med" len="med"/>
+                      <a:tailEnd type="none" w="med" len="med"/>
+                    </a:lnT>
+                    <a:lnB w="6350" cap="flat" cmpd="sng" algn="ctr">
+                      <a:solidFill>
+                        <a:srgbClr val="000000"/>
+                      </a:solidFill>
+                      <a:prstDash val="solid"/>
+                      <a:round/>
+                      <a:headEnd type="none" w="med" len="med"/>
+                      <a:tailEnd type="none" w="med" len="med"/>
+                    </a:lnB>
+                    <a:solidFill>
+                      <a:srgbClr val="FFFFFF"/>
+                    </a:solidFill>
+                  </a:tcPr>
+                </a:tc>
+                <a:tc>
+                  <a:txBody>
+                    <a:bodyPr/>
+                    <a:lstStyle/>
+                    <a:p>
+                      <a:pPr algn="r" fontAlgn="b"/>
+                      <a:r>
+                        <a:rPr lang="en-US" sz="1400" b="0" i="0" u="none" strike="noStrike">
+                          <a:solidFill>
+                            <a:srgbClr val="000000"/>
+                          </a:solidFill>
+                          <a:effectLst/>
+                          <a:latin typeface="Calibri" panose="020F0502020204030204" pitchFamily="34" charset="0"/>
+                        </a:rPr>
+                        <a:t>50</a:t>
                       </a:r>
                     </a:p>
                   </a:txBody>
@@ -6428,6 +8813,193 @@
                     </a:solidFill>
                   </a:tcPr>
                 </a:tc>
+                <a:extLst>
+                  <a:ext uri="{0D108BD9-81ED-4DB2-BD59-A6C34878D82A}">
+                    <a16:rowId xmlns:a16="http://schemas.microsoft.com/office/drawing/2014/main" val="2693215411"/>
+                  </a:ext>
+                </a:extLst>
+              </a:tr>
+              <a:tr h="228600">
+                <a:tc>
+                  <a:txBody>
+                    <a:bodyPr/>
+                    <a:lstStyle/>
+                    <a:p>
+                      <a:pPr algn="r" fontAlgn="b"/>
+                      <a:r>
+                        <a:rPr lang="en-US" sz="1400" b="0" i="0" u="none" strike="noStrike" dirty="0">
+                          <a:solidFill>
+                            <a:srgbClr val="000000"/>
+                          </a:solidFill>
+                          <a:effectLst/>
+                          <a:latin typeface="Calibri" panose="020F0502020204030204" pitchFamily="34" charset="0"/>
+                        </a:rPr>
+                        <a:t>6</a:t>
+                      </a:r>
+                    </a:p>
+                  </a:txBody>
+                  <a:tcPr marL="7620" marR="7620" marT="7620" marB="0" anchor="b">
+                    <a:lnL w="6350" cap="flat" cmpd="sng" algn="ctr">
+                      <a:solidFill>
+                        <a:srgbClr val="000000"/>
+                      </a:solidFill>
+                      <a:prstDash val="solid"/>
+                      <a:round/>
+                      <a:headEnd type="none" w="med" len="med"/>
+                      <a:tailEnd type="none" w="med" len="med"/>
+                    </a:lnL>
+                    <a:lnR w="6350" cap="flat" cmpd="sng" algn="ctr">
+                      <a:solidFill>
+                        <a:srgbClr val="000000"/>
+                      </a:solidFill>
+                      <a:prstDash val="solid"/>
+                      <a:round/>
+                      <a:headEnd type="none" w="med" len="med"/>
+                      <a:tailEnd type="none" w="med" len="med"/>
+                    </a:lnR>
+                    <a:lnT w="6350" cap="flat" cmpd="sng" algn="ctr">
+                      <a:solidFill>
+                        <a:srgbClr val="000000"/>
+                      </a:solidFill>
+                      <a:prstDash val="solid"/>
+                      <a:round/>
+                      <a:headEnd type="none" w="med" len="med"/>
+                      <a:tailEnd type="none" w="med" len="med"/>
+                    </a:lnT>
+                    <a:lnB w="6350" cap="flat" cmpd="sng" algn="ctr">
+                      <a:solidFill>
+                        <a:srgbClr val="000000"/>
+                      </a:solidFill>
+                      <a:prstDash val="solid"/>
+                      <a:round/>
+                      <a:headEnd type="none" w="med" len="med"/>
+                      <a:tailEnd type="none" w="med" len="med"/>
+                    </a:lnB>
+                    <a:solidFill>
+                      <a:srgbClr val="FFFFFF"/>
+                    </a:solidFill>
+                  </a:tcPr>
+                </a:tc>
+                <a:tc>
+                  <a:txBody>
+                    <a:bodyPr/>
+                    <a:lstStyle/>
+                    <a:p>
+                      <a:pPr algn="r" fontAlgn="b"/>
+                      <a:r>
+                        <a:rPr lang="en-US" sz="1400" b="0" i="0" u="none" strike="noStrike" dirty="0">
+                          <a:solidFill>
+                            <a:srgbClr val="000000"/>
+                          </a:solidFill>
+                          <a:effectLst/>
+                          <a:latin typeface="Calibri" panose="020F0502020204030204" pitchFamily="34" charset="0"/>
+                        </a:rPr>
+                        <a:t>40</a:t>
+                      </a:r>
+                    </a:p>
+                  </a:txBody>
+                  <a:tcPr marL="7620" marR="7620" marT="7620" marB="0" anchor="b">
+                    <a:lnL w="6350" cap="flat" cmpd="sng" algn="ctr">
+                      <a:solidFill>
+                        <a:srgbClr val="000000"/>
+                      </a:solidFill>
+                      <a:prstDash val="solid"/>
+                      <a:round/>
+                      <a:headEnd type="none" w="med" len="med"/>
+                      <a:tailEnd type="none" w="med" len="med"/>
+                    </a:lnL>
+                    <a:lnR w="6350" cap="flat" cmpd="sng" algn="ctr">
+                      <a:solidFill>
+                        <a:srgbClr val="000000"/>
+                      </a:solidFill>
+                      <a:prstDash val="solid"/>
+                      <a:round/>
+                      <a:headEnd type="none" w="med" len="med"/>
+                      <a:tailEnd type="none" w="med" len="med"/>
+                    </a:lnR>
+                    <a:lnT w="6350" cap="flat" cmpd="sng" algn="ctr">
+                      <a:solidFill>
+                        <a:srgbClr val="000000"/>
+                      </a:solidFill>
+                      <a:prstDash val="solid"/>
+                      <a:round/>
+                      <a:headEnd type="none" w="med" len="med"/>
+                      <a:tailEnd type="none" w="med" len="med"/>
+                    </a:lnT>
+                    <a:lnB w="6350" cap="flat" cmpd="sng" algn="ctr">
+                      <a:solidFill>
+                        <a:srgbClr val="000000"/>
+                      </a:solidFill>
+                      <a:prstDash val="solid"/>
+                      <a:round/>
+                      <a:headEnd type="none" w="med" len="med"/>
+                      <a:tailEnd type="none" w="med" len="med"/>
+                    </a:lnB>
+                    <a:solidFill>
+                      <a:srgbClr val="FFFFFF"/>
+                    </a:solidFill>
+                  </a:tcPr>
+                </a:tc>
+                <a:tc>
+                  <a:txBody>
+                    <a:bodyPr/>
+                    <a:lstStyle/>
+                    <a:p>
+                      <a:pPr algn="r" fontAlgn="b"/>
+                      <a:r>
+                        <a:rPr lang="en-US" sz="1400" b="0" i="0" u="none" strike="noStrike" dirty="0">
+                          <a:solidFill>
+                            <a:srgbClr val="000000"/>
+                          </a:solidFill>
+                          <a:effectLst/>
+                          <a:latin typeface="Calibri" panose="020F0502020204030204" pitchFamily="34" charset="0"/>
+                        </a:rPr>
+                        <a:t>6</a:t>
+                      </a:r>
+                    </a:p>
+                  </a:txBody>
+                  <a:tcPr marL="7620" marR="7620" marT="7620" marB="0" anchor="b">
+                    <a:lnL w="6350" cap="flat" cmpd="sng" algn="ctr">
+                      <a:solidFill>
+                        <a:srgbClr val="000000"/>
+                      </a:solidFill>
+                      <a:prstDash val="solid"/>
+                      <a:round/>
+                      <a:headEnd type="none" w="med" len="med"/>
+                      <a:tailEnd type="none" w="med" len="med"/>
+                    </a:lnL>
+                    <a:lnR w="6350" cap="flat" cmpd="sng" algn="ctr">
+                      <a:solidFill>
+                        <a:srgbClr val="000000"/>
+                      </a:solidFill>
+                      <a:prstDash val="solid"/>
+                      <a:round/>
+                      <a:headEnd type="none" w="med" len="med"/>
+                      <a:tailEnd type="none" w="med" len="med"/>
+                    </a:lnR>
+                    <a:lnT w="6350" cap="flat" cmpd="sng" algn="ctr">
+                      <a:solidFill>
+                        <a:srgbClr val="000000"/>
+                      </a:solidFill>
+                      <a:prstDash val="solid"/>
+                      <a:round/>
+                      <a:headEnd type="none" w="med" len="med"/>
+                      <a:tailEnd type="none" w="med" len="med"/>
+                    </a:lnT>
+                    <a:lnB w="6350" cap="flat" cmpd="sng" algn="ctr">
+                      <a:solidFill>
+                        <a:srgbClr val="000000"/>
+                      </a:solidFill>
+                      <a:prstDash val="solid"/>
+                      <a:round/>
+                      <a:headEnd type="none" w="med" len="med"/>
+                      <a:tailEnd type="none" w="med" len="med"/>
+                    </a:lnB>
+                    <a:solidFill>
+                      <a:srgbClr val="FFFFFF"/>
+                    </a:solidFill>
+                  </a:tcPr>
+                </a:tc>
                 <a:tc>
                   <a:txBody>
                     <a:bodyPr/>
@@ -6456,14 +9028,8 @@
                       <a:headEnd type="none" w="med" len="med"/>
                       <a:tailEnd type="none" w="med" len="med"/>
                     </a:lnL>
-                    <a:lnR w="6350" cap="flat" cmpd="sng" algn="ctr">
-                      <a:solidFill>
-                        <a:srgbClr val="000000"/>
-                      </a:solidFill>
-                      <a:prstDash val="solid"/>
-                      <a:round/>
-                      <a:headEnd type="none" w="med" len="med"/>
-                      <a:tailEnd type="none" w="med" len="med"/>
+                    <a:lnR>
+                      <a:noFill/>
                     </a:lnR>
                     <a:lnT>
                       <a:noFill/>
@@ -6483,2573 +9049,7 @@
                     <a:p>
                       <a:pPr algn="r" fontAlgn="b"/>
                       <a:r>
-                        <a:rPr lang="en-US" sz="1400" b="0" i="0" u="none" strike="noStrike">
-                          <a:solidFill>
-                            <a:srgbClr val="000000"/>
-                          </a:solidFill>
-                          <a:effectLst/>
-                          <a:latin typeface="Calibri" panose="020F0502020204030204" pitchFamily="34" charset="0"/>
-                        </a:rPr>
-                        <a:t>2</a:t>
-                      </a:r>
-                    </a:p>
-                  </a:txBody>
-                  <a:tcPr marL="7620" marR="7620" marT="7620" marB="0" anchor="b">
-                    <a:lnL w="6350" cap="flat" cmpd="sng" algn="ctr">
-                      <a:solidFill>
-                        <a:srgbClr val="000000"/>
-                      </a:solidFill>
-                      <a:prstDash val="solid"/>
-                      <a:round/>
-                      <a:headEnd type="none" w="med" len="med"/>
-                      <a:tailEnd type="none" w="med" len="med"/>
-                    </a:lnL>
-                    <a:lnR w="6350" cap="flat" cmpd="sng" algn="ctr">
-                      <a:solidFill>
-                        <a:srgbClr val="000000"/>
-                      </a:solidFill>
-                      <a:prstDash val="solid"/>
-                      <a:round/>
-                      <a:headEnd type="none" w="med" len="med"/>
-                      <a:tailEnd type="none" w="med" len="med"/>
-                    </a:lnR>
-                    <a:lnT w="6350" cap="flat" cmpd="sng" algn="ctr">
-                      <a:solidFill>
-                        <a:srgbClr val="000000"/>
-                      </a:solidFill>
-                      <a:prstDash val="solid"/>
-                      <a:round/>
-                      <a:headEnd type="none" w="med" len="med"/>
-                      <a:tailEnd type="none" w="med" len="med"/>
-                    </a:lnT>
-                    <a:lnB w="6350" cap="flat" cmpd="sng" algn="ctr">
-                      <a:solidFill>
-                        <a:srgbClr val="000000"/>
-                      </a:solidFill>
-                      <a:prstDash val="solid"/>
-                      <a:round/>
-                      <a:headEnd type="none" w="med" len="med"/>
-                      <a:tailEnd type="none" w="med" len="med"/>
-                    </a:lnB>
-                    <a:solidFill>
-                      <a:srgbClr val="FFFFFF"/>
-                    </a:solidFill>
-                  </a:tcPr>
-                </a:tc>
-                <a:tc>
-                  <a:txBody>
-                    <a:bodyPr/>
-                    <a:lstStyle/>
-                    <a:p>
-                      <a:pPr algn="r" fontAlgn="b"/>
-                      <a:r>
-                        <a:rPr lang="en-US" sz="1400" b="0" i="0" u="none" strike="noStrike">
-                          <a:solidFill>
-                            <a:srgbClr val="000000"/>
-                          </a:solidFill>
-                          <a:effectLst/>
-                          <a:latin typeface="Calibri" panose="020F0502020204030204" pitchFamily="34" charset="0"/>
-                        </a:rPr>
-                        <a:t>350</a:t>
-                      </a:r>
-                    </a:p>
-                  </a:txBody>
-                  <a:tcPr marL="7620" marR="7620" marT="7620" marB="0" anchor="b">
-                    <a:lnL w="6350" cap="flat" cmpd="sng" algn="ctr">
-                      <a:solidFill>
-                        <a:srgbClr val="000000"/>
-                      </a:solidFill>
-                      <a:prstDash val="solid"/>
-                      <a:round/>
-                      <a:headEnd type="none" w="med" len="med"/>
-                      <a:tailEnd type="none" w="med" len="med"/>
-                    </a:lnL>
-                    <a:lnR w="6350" cap="flat" cmpd="sng" algn="ctr">
-                      <a:solidFill>
-                        <a:srgbClr val="000000"/>
-                      </a:solidFill>
-                      <a:prstDash val="solid"/>
-                      <a:round/>
-                      <a:headEnd type="none" w="med" len="med"/>
-                      <a:tailEnd type="none" w="med" len="med"/>
-                    </a:lnR>
-                    <a:lnT w="6350" cap="flat" cmpd="sng" algn="ctr">
-                      <a:solidFill>
-                        <a:srgbClr val="000000"/>
-                      </a:solidFill>
-                      <a:prstDash val="solid"/>
-                      <a:round/>
-                      <a:headEnd type="none" w="med" len="med"/>
-                      <a:tailEnd type="none" w="med" len="med"/>
-                    </a:lnT>
-                    <a:lnB w="6350" cap="flat" cmpd="sng" algn="ctr">
-                      <a:solidFill>
-                        <a:srgbClr val="000000"/>
-                      </a:solidFill>
-                      <a:prstDash val="solid"/>
-                      <a:round/>
-                      <a:headEnd type="none" w="med" len="med"/>
-                      <a:tailEnd type="none" w="med" len="med"/>
-                    </a:lnB>
-                    <a:solidFill>
-                      <a:srgbClr val="FFFFFF"/>
-                    </a:solidFill>
-                  </a:tcPr>
-                </a:tc>
-                <a:tc>
-                  <a:txBody>
-                    <a:bodyPr/>
-                    <a:lstStyle/>
-                    <a:p>
-                      <a:pPr algn="r" fontAlgn="b"/>
-                      <a:r>
-                        <a:rPr lang="en-US" sz="1400" b="0" i="0" u="none" strike="noStrike">
-                          <a:solidFill>
-                            <a:srgbClr val="000000"/>
-                          </a:solidFill>
-                          <a:effectLst/>
-                          <a:latin typeface="Calibri" panose="020F0502020204030204" pitchFamily="34" charset="0"/>
-                        </a:rPr>
-                        <a:t>2</a:t>
-                      </a:r>
-                    </a:p>
-                  </a:txBody>
-                  <a:tcPr marL="7620" marR="7620" marT="7620" marB="0" anchor="b">
-                    <a:lnL w="6350" cap="flat" cmpd="sng" algn="ctr">
-                      <a:solidFill>
-                        <a:srgbClr val="000000"/>
-                      </a:solidFill>
-                      <a:prstDash val="solid"/>
-                      <a:round/>
-                      <a:headEnd type="none" w="med" len="med"/>
-                      <a:tailEnd type="none" w="med" len="med"/>
-                    </a:lnL>
-                    <a:lnR w="6350" cap="flat" cmpd="sng" algn="ctr">
-                      <a:solidFill>
-                        <a:srgbClr val="000000"/>
-                      </a:solidFill>
-                      <a:prstDash val="solid"/>
-                      <a:round/>
-                      <a:headEnd type="none" w="med" len="med"/>
-                      <a:tailEnd type="none" w="med" len="med"/>
-                    </a:lnR>
-                    <a:lnT w="6350" cap="flat" cmpd="sng" algn="ctr">
-                      <a:solidFill>
-                        <a:srgbClr val="000000"/>
-                      </a:solidFill>
-                      <a:prstDash val="solid"/>
-                      <a:round/>
-                      <a:headEnd type="none" w="med" len="med"/>
-                      <a:tailEnd type="none" w="med" len="med"/>
-                    </a:lnT>
-                    <a:lnB w="6350" cap="flat" cmpd="sng" algn="ctr">
-                      <a:solidFill>
-                        <a:srgbClr val="000000"/>
-                      </a:solidFill>
-                      <a:prstDash val="solid"/>
-                      <a:round/>
-                      <a:headEnd type="none" w="med" len="med"/>
-                      <a:tailEnd type="none" w="med" len="med"/>
-                    </a:lnB>
-                    <a:solidFill>
-                      <a:srgbClr val="FFFFFF"/>
-                    </a:solidFill>
-                  </a:tcPr>
-                </a:tc>
-                <a:tc>
-                  <a:txBody>
-                    <a:bodyPr/>
-                    <a:lstStyle/>
-                    <a:p>
-                      <a:pPr algn="r" fontAlgn="b"/>
-                      <a:r>
-                        <a:rPr lang="en-US" sz="1400" b="0" i="0" u="none" strike="noStrike">
-                          <a:solidFill>
-                            <a:srgbClr val="000000"/>
-                          </a:solidFill>
-                          <a:effectLst/>
-                          <a:latin typeface="Calibri" panose="020F0502020204030204" pitchFamily="34" charset="0"/>
-                        </a:rPr>
-                        <a:t> </a:t>
-                      </a:r>
-                    </a:p>
-                  </a:txBody>
-                  <a:tcPr marL="7620" marR="7620" marT="7620" marB="0" anchor="b">
-                    <a:lnL w="6350" cap="flat" cmpd="sng" algn="ctr">
-                      <a:solidFill>
-                        <a:srgbClr val="000000"/>
-                      </a:solidFill>
-                      <a:prstDash val="solid"/>
-                      <a:round/>
-                      <a:headEnd type="none" w="med" len="med"/>
-                      <a:tailEnd type="none" w="med" len="med"/>
-                    </a:lnL>
-                    <a:lnR w="6350" cap="flat" cmpd="sng" algn="ctr">
-                      <a:solidFill>
-                        <a:srgbClr val="000000"/>
-                      </a:solidFill>
-                      <a:prstDash val="solid"/>
-                      <a:round/>
-                      <a:headEnd type="none" w="med" len="med"/>
-                      <a:tailEnd type="none" w="med" len="med"/>
-                    </a:lnR>
-                    <a:lnT>
-                      <a:noFill/>
-                    </a:lnT>
-                    <a:lnB>
-                      <a:noFill/>
-                    </a:lnB>
-                    <a:solidFill>
-                      <a:srgbClr val="FFFFFF"/>
-                    </a:solidFill>
-                  </a:tcPr>
-                </a:tc>
-                <a:tc>
-                  <a:txBody>
-                    <a:bodyPr/>
-                    <a:lstStyle/>
-                    <a:p>
-                      <a:pPr algn="r" fontAlgn="b"/>
-                      <a:r>
-                        <a:rPr lang="en-US" sz="1400" b="0" i="0" u="none" strike="noStrike">
-                          <a:solidFill>
-                            <a:srgbClr val="000000"/>
-                          </a:solidFill>
-                          <a:effectLst/>
-                          <a:latin typeface="Calibri" panose="020F0502020204030204" pitchFamily="34" charset="0"/>
-                        </a:rPr>
-                        <a:t>2</a:t>
-                      </a:r>
-                    </a:p>
-                  </a:txBody>
-                  <a:tcPr marL="7620" marR="7620" marT="7620" marB="0" anchor="b">
-                    <a:lnL w="6350" cap="flat" cmpd="sng" algn="ctr">
-                      <a:solidFill>
-                        <a:srgbClr val="000000"/>
-                      </a:solidFill>
-                      <a:prstDash val="solid"/>
-                      <a:round/>
-                      <a:headEnd type="none" w="med" len="med"/>
-                      <a:tailEnd type="none" w="med" len="med"/>
-                    </a:lnL>
-                    <a:lnR w="6350" cap="flat" cmpd="sng" algn="ctr">
-                      <a:solidFill>
-                        <a:srgbClr val="000000"/>
-                      </a:solidFill>
-                      <a:prstDash val="solid"/>
-                      <a:round/>
-                      <a:headEnd type="none" w="med" len="med"/>
-                      <a:tailEnd type="none" w="med" len="med"/>
-                    </a:lnR>
-                    <a:lnT w="6350" cap="flat" cmpd="sng" algn="ctr">
-                      <a:solidFill>
-                        <a:srgbClr val="000000"/>
-                      </a:solidFill>
-                      <a:prstDash val="solid"/>
-                      <a:round/>
-                      <a:headEnd type="none" w="med" len="med"/>
-                      <a:tailEnd type="none" w="med" len="med"/>
-                    </a:lnT>
-                    <a:lnB w="6350" cap="flat" cmpd="sng" algn="ctr">
-                      <a:solidFill>
-                        <a:srgbClr val="000000"/>
-                      </a:solidFill>
-                      <a:prstDash val="solid"/>
-                      <a:round/>
-                      <a:headEnd type="none" w="med" len="med"/>
-                      <a:tailEnd type="none" w="med" len="med"/>
-                    </a:lnB>
-                    <a:solidFill>
-                      <a:srgbClr val="FFFFFF"/>
-                    </a:solidFill>
-                  </a:tcPr>
-                </a:tc>
-                <a:tc>
-                  <a:txBody>
-                    <a:bodyPr/>
-                    <a:lstStyle/>
-                    <a:p>
-                      <a:pPr algn="r" fontAlgn="b"/>
-                      <a:r>
-                        <a:rPr lang="en-US" sz="1400" b="0" i="0" u="none" strike="noStrike">
-                          <a:solidFill>
-                            <a:srgbClr val="000000"/>
-                          </a:solidFill>
-                          <a:effectLst/>
-                          <a:latin typeface="Calibri" panose="020F0502020204030204" pitchFamily="34" charset="0"/>
-                        </a:rPr>
-                        <a:t>65</a:t>
-                      </a:r>
-                    </a:p>
-                  </a:txBody>
-                  <a:tcPr marL="7620" marR="7620" marT="7620" marB="0" anchor="b">
-                    <a:lnL w="6350" cap="flat" cmpd="sng" algn="ctr">
-                      <a:solidFill>
-                        <a:srgbClr val="000000"/>
-                      </a:solidFill>
-                      <a:prstDash val="solid"/>
-                      <a:round/>
-                      <a:headEnd type="none" w="med" len="med"/>
-                      <a:tailEnd type="none" w="med" len="med"/>
-                    </a:lnL>
-                    <a:lnR w="6350" cap="flat" cmpd="sng" algn="ctr">
-                      <a:solidFill>
-                        <a:srgbClr val="000000"/>
-                      </a:solidFill>
-                      <a:prstDash val="solid"/>
-                      <a:round/>
-                      <a:headEnd type="none" w="med" len="med"/>
-                      <a:tailEnd type="none" w="med" len="med"/>
-                    </a:lnR>
-                    <a:lnT w="6350" cap="flat" cmpd="sng" algn="ctr">
-                      <a:solidFill>
-                        <a:srgbClr val="000000"/>
-                      </a:solidFill>
-                      <a:prstDash val="solid"/>
-                      <a:round/>
-                      <a:headEnd type="none" w="med" len="med"/>
-                      <a:tailEnd type="none" w="med" len="med"/>
-                    </a:lnT>
-                    <a:lnB w="6350" cap="flat" cmpd="sng" algn="ctr">
-                      <a:solidFill>
-                        <a:srgbClr val="000000"/>
-                      </a:solidFill>
-                      <a:prstDash val="solid"/>
-                      <a:round/>
-                      <a:headEnd type="none" w="med" len="med"/>
-                      <a:tailEnd type="none" w="med" len="med"/>
-                    </a:lnB>
-                    <a:solidFill>
-                      <a:srgbClr val="FFFFFF"/>
-                    </a:solidFill>
-                  </a:tcPr>
-                </a:tc>
-                <a:tc>
-                  <a:txBody>
-                    <a:bodyPr/>
-                    <a:lstStyle/>
-                    <a:p>
-                      <a:pPr algn="r" fontAlgn="b"/>
-                      <a:r>
-                        <a:rPr lang="en-US" sz="1400" b="0" i="0" u="none" strike="noStrike">
-                          <a:solidFill>
-                            <a:srgbClr val="000000"/>
-                          </a:solidFill>
-                          <a:effectLst/>
-                          <a:latin typeface="Calibri" panose="020F0502020204030204" pitchFamily="34" charset="0"/>
-                        </a:rPr>
-                        <a:t>5</a:t>
-                      </a:r>
-                    </a:p>
-                  </a:txBody>
-                  <a:tcPr marL="7620" marR="7620" marT="7620" marB="0" anchor="b">
-                    <a:lnL w="6350" cap="flat" cmpd="sng" algn="ctr">
-                      <a:solidFill>
-                        <a:srgbClr val="000000"/>
-                      </a:solidFill>
-                      <a:prstDash val="solid"/>
-                      <a:round/>
-                      <a:headEnd type="none" w="med" len="med"/>
-                      <a:tailEnd type="none" w="med" len="med"/>
-                    </a:lnL>
-                    <a:lnR w="6350" cap="flat" cmpd="sng" algn="ctr">
-                      <a:solidFill>
-                        <a:srgbClr val="000000"/>
-                      </a:solidFill>
-                      <a:prstDash val="solid"/>
-                      <a:round/>
-                      <a:headEnd type="none" w="med" len="med"/>
-                      <a:tailEnd type="none" w="med" len="med"/>
-                    </a:lnR>
-                    <a:lnT w="6350" cap="flat" cmpd="sng" algn="ctr">
-                      <a:solidFill>
-                        <a:srgbClr val="000000"/>
-                      </a:solidFill>
-                      <a:prstDash val="solid"/>
-                      <a:round/>
-                      <a:headEnd type="none" w="med" len="med"/>
-                      <a:tailEnd type="none" w="med" len="med"/>
-                    </a:lnT>
-                    <a:lnB w="6350" cap="flat" cmpd="sng" algn="ctr">
-                      <a:solidFill>
-                        <a:srgbClr val="000000"/>
-                      </a:solidFill>
-                      <a:prstDash val="solid"/>
-                      <a:round/>
-                      <a:headEnd type="none" w="med" len="med"/>
-                      <a:tailEnd type="none" w="med" len="med"/>
-                    </a:lnB>
-                    <a:solidFill>
-                      <a:srgbClr val="FFFFFF"/>
-                    </a:solidFill>
-                  </a:tcPr>
-                </a:tc>
-                <a:extLst>
-                  <a:ext uri="{0D108BD9-81ED-4DB2-BD59-A6C34878D82A}">
-                    <a16:rowId xmlns:a16="http://schemas.microsoft.com/office/drawing/2014/main" val="2819127872"/>
-                  </a:ext>
-                </a:extLst>
-              </a:tr>
-              <a:tr h="228600">
-                <a:tc>
-                  <a:txBody>
-                    <a:bodyPr/>
-                    <a:lstStyle/>
-                    <a:p>
-                      <a:pPr algn="r" fontAlgn="b"/>
-                      <a:r>
-                        <a:rPr lang="en-US" sz="1400" b="0" i="0" u="none" strike="noStrike">
-                          <a:solidFill>
-                            <a:srgbClr val="000000"/>
-                          </a:solidFill>
-                          <a:effectLst/>
-                          <a:latin typeface="Calibri" panose="020F0502020204030204" pitchFamily="34" charset="0"/>
-                        </a:rPr>
-                        <a:t>3</a:t>
-                      </a:r>
-                    </a:p>
-                  </a:txBody>
-                  <a:tcPr marL="7620" marR="7620" marT="7620" marB="0" anchor="b">
-                    <a:lnL w="6350" cap="flat" cmpd="sng" algn="ctr">
-                      <a:solidFill>
-                        <a:srgbClr val="000000"/>
-                      </a:solidFill>
-                      <a:prstDash val="solid"/>
-                      <a:round/>
-                      <a:headEnd type="none" w="med" len="med"/>
-                      <a:tailEnd type="none" w="med" len="med"/>
-                    </a:lnL>
-                    <a:lnR w="6350" cap="flat" cmpd="sng" algn="ctr">
-                      <a:solidFill>
-                        <a:srgbClr val="000000"/>
-                      </a:solidFill>
-                      <a:prstDash val="solid"/>
-                      <a:round/>
-                      <a:headEnd type="none" w="med" len="med"/>
-                      <a:tailEnd type="none" w="med" len="med"/>
-                    </a:lnR>
-                    <a:lnT w="6350" cap="flat" cmpd="sng" algn="ctr">
-                      <a:solidFill>
-                        <a:srgbClr val="000000"/>
-                      </a:solidFill>
-                      <a:prstDash val="solid"/>
-                      <a:round/>
-                      <a:headEnd type="none" w="med" len="med"/>
-                      <a:tailEnd type="none" w="med" len="med"/>
-                    </a:lnT>
-                    <a:lnB w="6350" cap="flat" cmpd="sng" algn="ctr">
-                      <a:solidFill>
-                        <a:srgbClr val="000000"/>
-                      </a:solidFill>
-                      <a:prstDash val="solid"/>
-                      <a:round/>
-                      <a:headEnd type="none" w="med" len="med"/>
-                      <a:tailEnd type="none" w="med" len="med"/>
-                    </a:lnB>
-                    <a:solidFill>
-                      <a:srgbClr val="FFFFFF"/>
-                    </a:solidFill>
-                  </a:tcPr>
-                </a:tc>
-                <a:tc>
-                  <a:txBody>
-                    <a:bodyPr/>
-                    <a:lstStyle/>
-                    <a:p>
-                      <a:pPr algn="r" fontAlgn="b"/>
-                      <a:r>
-                        <a:rPr lang="en-US" sz="1400" b="0" i="0" u="none" strike="noStrike">
-                          <a:solidFill>
-                            <a:srgbClr val="000000"/>
-                          </a:solidFill>
-                          <a:effectLst/>
-                          <a:latin typeface="Calibri" panose="020F0502020204030204" pitchFamily="34" charset="0"/>
-                        </a:rPr>
-                        <a:t>70</a:t>
-                      </a:r>
-                    </a:p>
-                  </a:txBody>
-                  <a:tcPr marL="7620" marR="7620" marT="7620" marB="0" anchor="b">
-                    <a:lnL w="6350" cap="flat" cmpd="sng" algn="ctr">
-                      <a:solidFill>
-                        <a:srgbClr val="000000"/>
-                      </a:solidFill>
-                      <a:prstDash val="solid"/>
-                      <a:round/>
-                      <a:headEnd type="none" w="med" len="med"/>
-                      <a:tailEnd type="none" w="med" len="med"/>
-                    </a:lnL>
-                    <a:lnR w="6350" cap="flat" cmpd="sng" algn="ctr">
-                      <a:solidFill>
-                        <a:srgbClr val="000000"/>
-                      </a:solidFill>
-                      <a:prstDash val="solid"/>
-                      <a:round/>
-                      <a:headEnd type="none" w="med" len="med"/>
-                      <a:tailEnd type="none" w="med" len="med"/>
-                    </a:lnR>
-                    <a:lnT w="6350" cap="flat" cmpd="sng" algn="ctr">
-                      <a:solidFill>
-                        <a:srgbClr val="000000"/>
-                      </a:solidFill>
-                      <a:prstDash val="solid"/>
-                      <a:round/>
-                      <a:headEnd type="none" w="med" len="med"/>
-                      <a:tailEnd type="none" w="med" len="med"/>
-                    </a:lnT>
-                    <a:lnB w="6350" cap="flat" cmpd="sng" algn="ctr">
-                      <a:solidFill>
-                        <a:srgbClr val="000000"/>
-                      </a:solidFill>
-                      <a:prstDash val="solid"/>
-                      <a:round/>
-                      <a:headEnd type="none" w="med" len="med"/>
-                      <a:tailEnd type="none" w="med" len="med"/>
-                    </a:lnB>
-                    <a:solidFill>
-                      <a:srgbClr val="FFFFFF"/>
-                    </a:solidFill>
-                  </a:tcPr>
-                </a:tc>
-                <a:tc>
-                  <a:txBody>
-                    <a:bodyPr/>
-                    <a:lstStyle/>
-                    <a:p>
-                      <a:pPr algn="r" fontAlgn="b"/>
-                      <a:r>
-                        <a:rPr lang="en-US" sz="1400" b="0" i="0" u="none" strike="noStrike">
-                          <a:solidFill>
-                            <a:srgbClr val="000000"/>
-                          </a:solidFill>
-                          <a:effectLst/>
-                          <a:latin typeface="Calibri" panose="020F0502020204030204" pitchFamily="34" charset="0"/>
-                        </a:rPr>
-                        <a:t>4</a:t>
-                      </a:r>
-                    </a:p>
-                  </a:txBody>
-                  <a:tcPr marL="7620" marR="7620" marT="7620" marB="0" anchor="b">
-                    <a:lnL w="6350" cap="flat" cmpd="sng" algn="ctr">
-                      <a:solidFill>
-                        <a:srgbClr val="000000"/>
-                      </a:solidFill>
-                      <a:prstDash val="solid"/>
-                      <a:round/>
-                      <a:headEnd type="none" w="med" len="med"/>
-                      <a:tailEnd type="none" w="med" len="med"/>
-                    </a:lnL>
-                    <a:lnR w="6350" cap="flat" cmpd="sng" algn="ctr">
-                      <a:solidFill>
-                        <a:srgbClr val="000000"/>
-                      </a:solidFill>
-                      <a:prstDash val="solid"/>
-                      <a:round/>
-                      <a:headEnd type="none" w="med" len="med"/>
-                      <a:tailEnd type="none" w="med" len="med"/>
-                    </a:lnR>
-                    <a:lnT w="6350" cap="flat" cmpd="sng" algn="ctr">
-                      <a:solidFill>
-                        <a:srgbClr val="000000"/>
-                      </a:solidFill>
-                      <a:prstDash val="solid"/>
-                      <a:round/>
-                      <a:headEnd type="none" w="med" len="med"/>
-                      <a:tailEnd type="none" w="med" len="med"/>
-                    </a:lnT>
-                    <a:lnB w="6350" cap="flat" cmpd="sng" algn="ctr">
-                      <a:solidFill>
-                        <a:srgbClr val="000000"/>
-                      </a:solidFill>
-                      <a:prstDash val="solid"/>
-                      <a:round/>
-                      <a:headEnd type="none" w="med" len="med"/>
-                      <a:tailEnd type="none" w="med" len="med"/>
-                    </a:lnB>
-                    <a:solidFill>
-                      <a:srgbClr val="FFFFFF"/>
-                    </a:solidFill>
-                  </a:tcPr>
-                </a:tc>
-                <a:tc>
-                  <a:txBody>
-                    <a:bodyPr/>
-                    <a:lstStyle/>
-                    <a:p>
-                      <a:pPr algn="r" fontAlgn="b"/>
-                      <a:r>
-                        <a:rPr lang="en-US" sz="1400" b="0" i="0" u="none" strike="noStrike">
-                          <a:solidFill>
-                            <a:srgbClr val="000000"/>
-                          </a:solidFill>
-                          <a:effectLst/>
-                          <a:latin typeface="Calibri" panose="020F0502020204030204" pitchFamily="34" charset="0"/>
-                        </a:rPr>
-                        <a:t> </a:t>
-                      </a:r>
-                    </a:p>
-                  </a:txBody>
-                  <a:tcPr marL="7620" marR="7620" marT="7620" marB="0" anchor="b">
-                    <a:lnL w="6350" cap="flat" cmpd="sng" algn="ctr">
-                      <a:solidFill>
-                        <a:srgbClr val="000000"/>
-                      </a:solidFill>
-                      <a:prstDash val="solid"/>
-                      <a:round/>
-                      <a:headEnd type="none" w="med" len="med"/>
-                      <a:tailEnd type="none" w="med" len="med"/>
-                    </a:lnL>
-                    <a:lnR w="6350" cap="flat" cmpd="sng" algn="ctr">
-                      <a:solidFill>
-                        <a:srgbClr val="000000"/>
-                      </a:solidFill>
-                      <a:prstDash val="solid"/>
-                      <a:round/>
-                      <a:headEnd type="none" w="med" len="med"/>
-                      <a:tailEnd type="none" w="med" len="med"/>
-                    </a:lnR>
-                    <a:lnT>
-                      <a:noFill/>
-                    </a:lnT>
-                    <a:lnB>
-                      <a:noFill/>
-                    </a:lnB>
-                    <a:solidFill>
-                      <a:srgbClr val="FFFFFF"/>
-                    </a:solidFill>
-                  </a:tcPr>
-                </a:tc>
-                <a:tc>
-                  <a:txBody>
-                    <a:bodyPr/>
-                    <a:lstStyle/>
-                    <a:p>
-                      <a:pPr algn="r" fontAlgn="b"/>
-                      <a:r>
-                        <a:rPr lang="en-US" sz="1400" b="0" i="0" u="none" strike="noStrike">
-                          <a:solidFill>
-                            <a:srgbClr val="000000"/>
-                          </a:solidFill>
-                          <a:effectLst/>
-                          <a:latin typeface="Calibri" panose="020F0502020204030204" pitchFamily="34" charset="0"/>
-                        </a:rPr>
-                        <a:t>3</a:t>
-                      </a:r>
-                    </a:p>
-                  </a:txBody>
-                  <a:tcPr marL="7620" marR="7620" marT="7620" marB="0" anchor="b">
-                    <a:lnL w="6350" cap="flat" cmpd="sng" algn="ctr">
-                      <a:solidFill>
-                        <a:srgbClr val="000000"/>
-                      </a:solidFill>
-                      <a:prstDash val="solid"/>
-                      <a:round/>
-                      <a:headEnd type="none" w="med" len="med"/>
-                      <a:tailEnd type="none" w="med" len="med"/>
-                    </a:lnL>
-                    <a:lnR w="6350" cap="flat" cmpd="sng" algn="ctr">
-                      <a:solidFill>
-                        <a:srgbClr val="000000"/>
-                      </a:solidFill>
-                      <a:prstDash val="solid"/>
-                      <a:round/>
-                      <a:headEnd type="none" w="med" len="med"/>
-                      <a:tailEnd type="none" w="med" len="med"/>
-                    </a:lnR>
-                    <a:lnT w="6350" cap="flat" cmpd="sng" algn="ctr">
-                      <a:solidFill>
-                        <a:srgbClr val="000000"/>
-                      </a:solidFill>
-                      <a:prstDash val="solid"/>
-                      <a:round/>
-                      <a:headEnd type="none" w="med" len="med"/>
-                      <a:tailEnd type="none" w="med" len="med"/>
-                    </a:lnT>
-                    <a:lnB w="6350" cap="flat" cmpd="sng" algn="ctr">
-                      <a:solidFill>
-                        <a:srgbClr val="000000"/>
-                      </a:solidFill>
-                      <a:prstDash val="solid"/>
-                      <a:round/>
-                      <a:headEnd type="none" w="med" len="med"/>
-                      <a:tailEnd type="none" w="med" len="med"/>
-                    </a:lnB>
-                    <a:solidFill>
-                      <a:srgbClr val="FFFFFF"/>
-                    </a:solidFill>
-                  </a:tcPr>
-                </a:tc>
-                <a:tc>
-                  <a:txBody>
-                    <a:bodyPr/>
-                    <a:lstStyle/>
-                    <a:p>
-                      <a:pPr algn="r" fontAlgn="b"/>
-                      <a:r>
-                        <a:rPr lang="en-US" sz="1400" b="0" i="0" u="none" strike="noStrike">
-                          <a:solidFill>
-                            <a:srgbClr val="000000"/>
-                          </a:solidFill>
-                          <a:effectLst/>
-                          <a:latin typeface="Calibri" panose="020F0502020204030204" pitchFamily="34" charset="0"/>
-                        </a:rPr>
-                        <a:t>300</a:t>
-                      </a:r>
-                    </a:p>
-                  </a:txBody>
-                  <a:tcPr marL="7620" marR="7620" marT="7620" marB="0" anchor="b">
-                    <a:lnL w="6350" cap="flat" cmpd="sng" algn="ctr">
-                      <a:solidFill>
-                        <a:srgbClr val="000000"/>
-                      </a:solidFill>
-                      <a:prstDash val="solid"/>
-                      <a:round/>
-                      <a:headEnd type="none" w="med" len="med"/>
-                      <a:tailEnd type="none" w="med" len="med"/>
-                    </a:lnL>
-                    <a:lnR w="6350" cap="flat" cmpd="sng" algn="ctr">
-                      <a:solidFill>
-                        <a:srgbClr val="000000"/>
-                      </a:solidFill>
-                      <a:prstDash val="solid"/>
-                      <a:round/>
-                      <a:headEnd type="none" w="med" len="med"/>
-                      <a:tailEnd type="none" w="med" len="med"/>
-                    </a:lnR>
-                    <a:lnT w="6350" cap="flat" cmpd="sng" algn="ctr">
-                      <a:solidFill>
-                        <a:srgbClr val="000000"/>
-                      </a:solidFill>
-                      <a:prstDash val="solid"/>
-                      <a:round/>
-                      <a:headEnd type="none" w="med" len="med"/>
-                      <a:tailEnd type="none" w="med" len="med"/>
-                    </a:lnT>
-                    <a:lnB w="6350" cap="flat" cmpd="sng" algn="ctr">
-                      <a:solidFill>
-                        <a:srgbClr val="000000"/>
-                      </a:solidFill>
-                      <a:prstDash val="solid"/>
-                      <a:round/>
-                      <a:headEnd type="none" w="med" len="med"/>
-                      <a:tailEnd type="none" w="med" len="med"/>
-                    </a:lnB>
-                    <a:solidFill>
-                      <a:srgbClr val="FFFFFF"/>
-                    </a:solidFill>
-                  </a:tcPr>
-                </a:tc>
-                <a:tc>
-                  <a:txBody>
-                    <a:bodyPr/>
-                    <a:lstStyle/>
-                    <a:p>
-                      <a:pPr algn="r" fontAlgn="b"/>
-                      <a:r>
-                        <a:rPr lang="en-US" sz="1400" b="0" i="0" u="none" strike="noStrike">
-                          <a:solidFill>
-                            <a:srgbClr val="000000"/>
-                          </a:solidFill>
-                          <a:effectLst/>
-                          <a:latin typeface="Calibri" panose="020F0502020204030204" pitchFamily="34" charset="0"/>
-                        </a:rPr>
-                        <a:t>2</a:t>
-                      </a:r>
-                    </a:p>
-                  </a:txBody>
-                  <a:tcPr marL="7620" marR="7620" marT="7620" marB="0" anchor="b">
-                    <a:lnL w="6350" cap="flat" cmpd="sng" algn="ctr">
-                      <a:solidFill>
-                        <a:srgbClr val="000000"/>
-                      </a:solidFill>
-                      <a:prstDash val="solid"/>
-                      <a:round/>
-                      <a:headEnd type="none" w="med" len="med"/>
-                      <a:tailEnd type="none" w="med" len="med"/>
-                    </a:lnL>
-                    <a:lnR w="6350" cap="flat" cmpd="sng" algn="ctr">
-                      <a:solidFill>
-                        <a:srgbClr val="000000"/>
-                      </a:solidFill>
-                      <a:prstDash val="solid"/>
-                      <a:round/>
-                      <a:headEnd type="none" w="med" len="med"/>
-                      <a:tailEnd type="none" w="med" len="med"/>
-                    </a:lnR>
-                    <a:lnT w="6350" cap="flat" cmpd="sng" algn="ctr">
-                      <a:solidFill>
-                        <a:srgbClr val="000000"/>
-                      </a:solidFill>
-                      <a:prstDash val="solid"/>
-                      <a:round/>
-                      <a:headEnd type="none" w="med" len="med"/>
-                      <a:tailEnd type="none" w="med" len="med"/>
-                    </a:lnT>
-                    <a:lnB w="6350" cap="flat" cmpd="sng" algn="ctr">
-                      <a:solidFill>
-                        <a:srgbClr val="000000"/>
-                      </a:solidFill>
-                      <a:prstDash val="solid"/>
-                      <a:round/>
-                      <a:headEnd type="none" w="med" len="med"/>
-                      <a:tailEnd type="none" w="med" len="med"/>
-                    </a:lnB>
-                    <a:solidFill>
-                      <a:srgbClr val="FFFFFF"/>
-                    </a:solidFill>
-                  </a:tcPr>
-                </a:tc>
-                <a:tc>
-                  <a:txBody>
-                    <a:bodyPr/>
-                    <a:lstStyle/>
-                    <a:p>
-                      <a:pPr algn="r" fontAlgn="b"/>
-                      <a:r>
-                        <a:rPr lang="en-US" sz="1400" b="0" i="0" u="none" strike="noStrike">
-                          <a:solidFill>
-                            <a:srgbClr val="000000"/>
-                          </a:solidFill>
-                          <a:effectLst/>
-                          <a:latin typeface="Calibri" panose="020F0502020204030204" pitchFamily="34" charset="0"/>
-                        </a:rPr>
-                        <a:t> </a:t>
-                      </a:r>
-                    </a:p>
-                  </a:txBody>
-                  <a:tcPr marL="7620" marR="7620" marT="7620" marB="0" anchor="b">
-                    <a:lnL w="6350" cap="flat" cmpd="sng" algn="ctr">
-                      <a:solidFill>
-                        <a:srgbClr val="000000"/>
-                      </a:solidFill>
-                      <a:prstDash val="solid"/>
-                      <a:round/>
-                      <a:headEnd type="none" w="med" len="med"/>
-                      <a:tailEnd type="none" w="med" len="med"/>
-                    </a:lnL>
-                    <a:lnR w="6350" cap="flat" cmpd="sng" algn="ctr">
-                      <a:solidFill>
-                        <a:srgbClr val="000000"/>
-                      </a:solidFill>
-                      <a:prstDash val="solid"/>
-                      <a:round/>
-                      <a:headEnd type="none" w="med" len="med"/>
-                      <a:tailEnd type="none" w="med" len="med"/>
-                    </a:lnR>
-                    <a:lnT>
-                      <a:noFill/>
-                    </a:lnT>
-                    <a:lnB>
-                      <a:noFill/>
-                    </a:lnB>
-                    <a:solidFill>
-                      <a:srgbClr val="FFFFFF"/>
-                    </a:solidFill>
-                  </a:tcPr>
-                </a:tc>
-                <a:tc>
-                  <a:txBody>
-                    <a:bodyPr/>
-                    <a:lstStyle/>
-                    <a:p>
-                      <a:pPr algn="r" fontAlgn="b"/>
-                      <a:r>
-                        <a:rPr lang="en-US" sz="1400" b="0" i="0" u="none" strike="noStrike">
-                          <a:solidFill>
-                            <a:srgbClr val="000000"/>
-                          </a:solidFill>
-                          <a:effectLst/>
-                          <a:latin typeface="Calibri" panose="020F0502020204030204" pitchFamily="34" charset="0"/>
-                        </a:rPr>
-                        <a:t>3</a:t>
-                      </a:r>
-                    </a:p>
-                  </a:txBody>
-                  <a:tcPr marL="7620" marR="7620" marT="7620" marB="0" anchor="b">
-                    <a:lnL w="6350" cap="flat" cmpd="sng" algn="ctr">
-                      <a:solidFill>
-                        <a:srgbClr val="000000"/>
-                      </a:solidFill>
-                      <a:prstDash val="solid"/>
-                      <a:round/>
-                      <a:headEnd type="none" w="med" len="med"/>
-                      <a:tailEnd type="none" w="med" len="med"/>
-                    </a:lnL>
-                    <a:lnR w="6350" cap="flat" cmpd="sng" algn="ctr">
-                      <a:solidFill>
-                        <a:srgbClr val="000000"/>
-                      </a:solidFill>
-                      <a:prstDash val="solid"/>
-                      <a:round/>
-                      <a:headEnd type="none" w="med" len="med"/>
-                      <a:tailEnd type="none" w="med" len="med"/>
-                    </a:lnR>
-                    <a:lnT w="6350" cap="flat" cmpd="sng" algn="ctr">
-                      <a:solidFill>
-                        <a:srgbClr val="000000"/>
-                      </a:solidFill>
-                      <a:prstDash val="solid"/>
-                      <a:round/>
-                      <a:headEnd type="none" w="med" len="med"/>
-                      <a:tailEnd type="none" w="med" len="med"/>
-                    </a:lnT>
-                    <a:lnB w="6350" cap="flat" cmpd="sng" algn="ctr">
-                      <a:solidFill>
-                        <a:srgbClr val="000000"/>
-                      </a:solidFill>
-                      <a:prstDash val="solid"/>
-                      <a:round/>
-                      <a:headEnd type="none" w="med" len="med"/>
-                      <a:tailEnd type="none" w="med" len="med"/>
-                    </a:lnB>
-                    <a:solidFill>
-                      <a:srgbClr val="FFFFFF"/>
-                    </a:solidFill>
-                  </a:tcPr>
-                </a:tc>
-                <a:tc>
-                  <a:txBody>
-                    <a:bodyPr/>
-                    <a:lstStyle/>
-                    <a:p>
-                      <a:pPr algn="r" fontAlgn="b"/>
-                      <a:r>
-                        <a:rPr lang="en-US" sz="1400" b="0" i="0" u="none" strike="noStrike">
-                          <a:solidFill>
-                            <a:srgbClr val="000000"/>
-                          </a:solidFill>
-                          <a:effectLst/>
-                          <a:latin typeface="Calibri" panose="020F0502020204030204" pitchFamily="34" charset="0"/>
-                        </a:rPr>
-                        <a:t>60</a:t>
-                      </a:r>
-                    </a:p>
-                  </a:txBody>
-                  <a:tcPr marL="7620" marR="7620" marT="7620" marB="0" anchor="b">
-                    <a:lnL w="6350" cap="flat" cmpd="sng" algn="ctr">
-                      <a:solidFill>
-                        <a:srgbClr val="000000"/>
-                      </a:solidFill>
-                      <a:prstDash val="solid"/>
-                      <a:round/>
-                      <a:headEnd type="none" w="med" len="med"/>
-                      <a:tailEnd type="none" w="med" len="med"/>
-                    </a:lnL>
-                    <a:lnR w="6350" cap="flat" cmpd="sng" algn="ctr">
-                      <a:solidFill>
-                        <a:srgbClr val="000000"/>
-                      </a:solidFill>
-                      <a:prstDash val="solid"/>
-                      <a:round/>
-                      <a:headEnd type="none" w="med" len="med"/>
-                      <a:tailEnd type="none" w="med" len="med"/>
-                    </a:lnR>
-                    <a:lnT w="6350" cap="flat" cmpd="sng" algn="ctr">
-                      <a:solidFill>
-                        <a:srgbClr val="000000"/>
-                      </a:solidFill>
-                      <a:prstDash val="solid"/>
-                      <a:round/>
-                      <a:headEnd type="none" w="med" len="med"/>
-                      <a:tailEnd type="none" w="med" len="med"/>
-                    </a:lnT>
-                    <a:lnB w="6350" cap="flat" cmpd="sng" algn="ctr">
-                      <a:solidFill>
-                        <a:srgbClr val="000000"/>
-                      </a:solidFill>
-                      <a:prstDash val="solid"/>
-                      <a:round/>
-                      <a:headEnd type="none" w="med" len="med"/>
-                      <a:tailEnd type="none" w="med" len="med"/>
-                    </a:lnB>
-                    <a:solidFill>
-                      <a:srgbClr val="FFFFFF"/>
-                    </a:solidFill>
-                  </a:tcPr>
-                </a:tc>
-                <a:tc>
-                  <a:txBody>
-                    <a:bodyPr/>
-                    <a:lstStyle/>
-                    <a:p>
-                      <a:pPr algn="r" fontAlgn="b"/>
-                      <a:r>
-                        <a:rPr lang="en-US" sz="1400" b="0" i="0" u="none" strike="noStrike">
-                          <a:solidFill>
-                            <a:srgbClr val="000000"/>
-                          </a:solidFill>
-                          <a:effectLst/>
-                          <a:latin typeface="Calibri" panose="020F0502020204030204" pitchFamily="34" charset="0"/>
-                        </a:rPr>
-                        <a:t>3</a:t>
-                      </a:r>
-                    </a:p>
-                  </a:txBody>
-                  <a:tcPr marL="7620" marR="7620" marT="7620" marB="0" anchor="b">
-                    <a:lnL w="6350" cap="flat" cmpd="sng" algn="ctr">
-                      <a:solidFill>
-                        <a:srgbClr val="000000"/>
-                      </a:solidFill>
-                      <a:prstDash val="solid"/>
-                      <a:round/>
-                      <a:headEnd type="none" w="med" len="med"/>
-                      <a:tailEnd type="none" w="med" len="med"/>
-                    </a:lnL>
-                    <a:lnR w="6350" cap="flat" cmpd="sng" algn="ctr">
-                      <a:solidFill>
-                        <a:srgbClr val="000000"/>
-                      </a:solidFill>
-                      <a:prstDash val="solid"/>
-                      <a:round/>
-                      <a:headEnd type="none" w="med" len="med"/>
-                      <a:tailEnd type="none" w="med" len="med"/>
-                    </a:lnR>
-                    <a:lnT w="6350" cap="flat" cmpd="sng" algn="ctr">
-                      <a:solidFill>
-                        <a:srgbClr val="000000"/>
-                      </a:solidFill>
-                      <a:prstDash val="solid"/>
-                      <a:round/>
-                      <a:headEnd type="none" w="med" len="med"/>
-                      <a:tailEnd type="none" w="med" len="med"/>
-                    </a:lnT>
-                    <a:lnB w="6350" cap="flat" cmpd="sng" algn="ctr">
-                      <a:solidFill>
-                        <a:srgbClr val="000000"/>
-                      </a:solidFill>
-                      <a:prstDash val="solid"/>
-                      <a:round/>
-                      <a:headEnd type="none" w="med" len="med"/>
-                      <a:tailEnd type="none" w="med" len="med"/>
-                    </a:lnB>
-                    <a:solidFill>
-                      <a:srgbClr val="FFFFFF"/>
-                    </a:solidFill>
-                  </a:tcPr>
-                </a:tc>
-                <a:extLst>
-                  <a:ext uri="{0D108BD9-81ED-4DB2-BD59-A6C34878D82A}">
-                    <a16:rowId xmlns:a16="http://schemas.microsoft.com/office/drawing/2014/main" val="1897429995"/>
-                  </a:ext>
-                </a:extLst>
-              </a:tr>
-              <a:tr h="228600">
-                <a:tc>
-                  <a:txBody>
-                    <a:bodyPr/>
-                    <a:lstStyle/>
-                    <a:p>
-                      <a:pPr algn="r" fontAlgn="b"/>
-                      <a:r>
-                        <a:rPr lang="en-US" sz="1400" b="0" i="0" u="none" strike="noStrike">
-                          <a:solidFill>
-                            <a:srgbClr val="000000"/>
-                          </a:solidFill>
-                          <a:effectLst/>
-                          <a:latin typeface="Calibri" panose="020F0502020204030204" pitchFamily="34" charset="0"/>
-                        </a:rPr>
-                        <a:t>4</a:t>
-                      </a:r>
-                    </a:p>
-                  </a:txBody>
-                  <a:tcPr marL="7620" marR="7620" marT="7620" marB="0" anchor="b">
-                    <a:lnL w="6350" cap="flat" cmpd="sng" algn="ctr">
-                      <a:solidFill>
-                        <a:srgbClr val="000000"/>
-                      </a:solidFill>
-                      <a:prstDash val="solid"/>
-                      <a:round/>
-                      <a:headEnd type="none" w="med" len="med"/>
-                      <a:tailEnd type="none" w="med" len="med"/>
-                    </a:lnL>
-                    <a:lnR w="6350" cap="flat" cmpd="sng" algn="ctr">
-                      <a:solidFill>
-                        <a:srgbClr val="000000"/>
-                      </a:solidFill>
-                      <a:prstDash val="solid"/>
-                      <a:round/>
-                      <a:headEnd type="none" w="med" len="med"/>
-                      <a:tailEnd type="none" w="med" len="med"/>
-                    </a:lnR>
-                    <a:lnT w="6350" cap="flat" cmpd="sng" algn="ctr">
-                      <a:solidFill>
-                        <a:srgbClr val="000000"/>
-                      </a:solidFill>
-                      <a:prstDash val="solid"/>
-                      <a:round/>
-                      <a:headEnd type="none" w="med" len="med"/>
-                      <a:tailEnd type="none" w="med" len="med"/>
-                    </a:lnT>
-                    <a:lnB w="6350" cap="flat" cmpd="sng" algn="ctr">
-                      <a:solidFill>
-                        <a:srgbClr val="000000"/>
-                      </a:solidFill>
-                      <a:prstDash val="solid"/>
-                      <a:round/>
-                      <a:headEnd type="none" w="med" len="med"/>
-                      <a:tailEnd type="none" w="med" len="med"/>
-                    </a:lnB>
-                    <a:solidFill>
-                      <a:srgbClr val="FFFFFF"/>
-                    </a:solidFill>
-                  </a:tcPr>
-                </a:tc>
-                <a:tc>
-                  <a:txBody>
-                    <a:bodyPr/>
-                    <a:lstStyle/>
-                    <a:p>
-                      <a:pPr algn="r" fontAlgn="b"/>
-                      <a:r>
-                        <a:rPr lang="en-US" sz="1400" b="0" i="0" u="none" strike="noStrike">
-                          <a:solidFill>
-                            <a:srgbClr val="000000"/>
-                          </a:solidFill>
-                          <a:effectLst/>
-                          <a:latin typeface="Calibri" panose="020F0502020204030204" pitchFamily="34" charset="0"/>
-                        </a:rPr>
-                        <a:t>60</a:t>
-                      </a:r>
-                    </a:p>
-                  </a:txBody>
-                  <a:tcPr marL="7620" marR="7620" marT="7620" marB="0" anchor="b">
-                    <a:lnL w="6350" cap="flat" cmpd="sng" algn="ctr">
-                      <a:solidFill>
-                        <a:srgbClr val="000000"/>
-                      </a:solidFill>
-                      <a:prstDash val="solid"/>
-                      <a:round/>
-                      <a:headEnd type="none" w="med" len="med"/>
-                      <a:tailEnd type="none" w="med" len="med"/>
-                    </a:lnL>
-                    <a:lnR w="6350" cap="flat" cmpd="sng" algn="ctr">
-                      <a:solidFill>
-                        <a:srgbClr val="000000"/>
-                      </a:solidFill>
-                      <a:prstDash val="solid"/>
-                      <a:round/>
-                      <a:headEnd type="none" w="med" len="med"/>
-                      <a:tailEnd type="none" w="med" len="med"/>
-                    </a:lnR>
-                    <a:lnT w="6350" cap="flat" cmpd="sng" algn="ctr">
-                      <a:solidFill>
-                        <a:srgbClr val="000000"/>
-                      </a:solidFill>
-                      <a:prstDash val="solid"/>
-                      <a:round/>
-                      <a:headEnd type="none" w="med" len="med"/>
-                      <a:tailEnd type="none" w="med" len="med"/>
-                    </a:lnT>
-                    <a:lnB w="6350" cap="flat" cmpd="sng" algn="ctr">
-                      <a:solidFill>
-                        <a:srgbClr val="000000"/>
-                      </a:solidFill>
-                      <a:prstDash val="solid"/>
-                      <a:round/>
-                      <a:headEnd type="none" w="med" len="med"/>
-                      <a:tailEnd type="none" w="med" len="med"/>
-                    </a:lnB>
-                    <a:solidFill>
-                      <a:srgbClr val="FFFFFF"/>
-                    </a:solidFill>
-                  </a:tcPr>
-                </a:tc>
-                <a:tc>
-                  <a:txBody>
-                    <a:bodyPr/>
-                    <a:lstStyle/>
-                    <a:p>
-                      <a:pPr algn="r" fontAlgn="b"/>
-                      <a:r>
-                        <a:rPr lang="en-US" sz="1400" b="0" i="0" u="none" strike="noStrike">
-                          <a:solidFill>
-                            <a:srgbClr val="000000"/>
-                          </a:solidFill>
-                          <a:effectLst/>
-                          <a:latin typeface="Calibri" panose="020F0502020204030204" pitchFamily="34" charset="0"/>
-                        </a:rPr>
-                        <a:t>4</a:t>
-                      </a:r>
-                    </a:p>
-                  </a:txBody>
-                  <a:tcPr marL="7620" marR="7620" marT="7620" marB="0" anchor="b">
-                    <a:lnL w="6350" cap="flat" cmpd="sng" algn="ctr">
-                      <a:solidFill>
-                        <a:srgbClr val="000000"/>
-                      </a:solidFill>
-                      <a:prstDash val="solid"/>
-                      <a:round/>
-                      <a:headEnd type="none" w="med" len="med"/>
-                      <a:tailEnd type="none" w="med" len="med"/>
-                    </a:lnL>
-                    <a:lnR w="6350" cap="flat" cmpd="sng" algn="ctr">
-                      <a:solidFill>
-                        <a:srgbClr val="000000"/>
-                      </a:solidFill>
-                      <a:prstDash val="solid"/>
-                      <a:round/>
-                      <a:headEnd type="none" w="med" len="med"/>
-                      <a:tailEnd type="none" w="med" len="med"/>
-                    </a:lnR>
-                    <a:lnT w="6350" cap="flat" cmpd="sng" algn="ctr">
-                      <a:solidFill>
-                        <a:srgbClr val="000000"/>
-                      </a:solidFill>
-                      <a:prstDash val="solid"/>
-                      <a:round/>
-                      <a:headEnd type="none" w="med" len="med"/>
-                      <a:tailEnd type="none" w="med" len="med"/>
-                    </a:lnT>
-                    <a:lnB w="6350" cap="flat" cmpd="sng" algn="ctr">
-                      <a:solidFill>
-                        <a:srgbClr val="000000"/>
-                      </a:solidFill>
-                      <a:prstDash val="solid"/>
-                      <a:round/>
-                      <a:headEnd type="none" w="med" len="med"/>
-                      <a:tailEnd type="none" w="med" len="med"/>
-                    </a:lnB>
-                    <a:solidFill>
-                      <a:srgbClr val="FFFFFF"/>
-                    </a:solidFill>
-                  </a:tcPr>
-                </a:tc>
-                <a:tc>
-                  <a:txBody>
-                    <a:bodyPr/>
-                    <a:lstStyle/>
-                    <a:p>
-                      <a:pPr algn="r" fontAlgn="b"/>
-                      <a:r>
-                        <a:rPr lang="en-US" sz="1400" b="0" i="0" u="none" strike="noStrike">
-                          <a:solidFill>
-                            <a:srgbClr val="000000"/>
-                          </a:solidFill>
-                          <a:effectLst/>
-                          <a:latin typeface="Calibri" panose="020F0502020204030204" pitchFamily="34" charset="0"/>
-                        </a:rPr>
-                        <a:t> </a:t>
-                      </a:r>
-                    </a:p>
-                  </a:txBody>
-                  <a:tcPr marL="7620" marR="7620" marT="7620" marB="0" anchor="b">
-                    <a:lnL w="6350" cap="flat" cmpd="sng" algn="ctr">
-                      <a:solidFill>
-                        <a:srgbClr val="000000"/>
-                      </a:solidFill>
-                      <a:prstDash val="solid"/>
-                      <a:round/>
-                      <a:headEnd type="none" w="med" len="med"/>
-                      <a:tailEnd type="none" w="med" len="med"/>
-                    </a:lnL>
-                    <a:lnR w="6350" cap="flat" cmpd="sng" algn="ctr">
-                      <a:solidFill>
-                        <a:srgbClr val="000000"/>
-                      </a:solidFill>
-                      <a:prstDash val="solid"/>
-                      <a:round/>
-                      <a:headEnd type="none" w="med" len="med"/>
-                      <a:tailEnd type="none" w="med" len="med"/>
-                    </a:lnR>
-                    <a:lnT>
-                      <a:noFill/>
-                    </a:lnT>
-                    <a:lnB>
-                      <a:noFill/>
-                    </a:lnB>
-                    <a:solidFill>
-                      <a:srgbClr val="FFFFFF"/>
-                    </a:solidFill>
-                  </a:tcPr>
-                </a:tc>
-                <a:tc>
-                  <a:txBody>
-                    <a:bodyPr/>
-                    <a:lstStyle/>
-                    <a:p>
-                      <a:pPr algn="r" fontAlgn="b"/>
-                      <a:r>
-                        <a:rPr lang="en-US" sz="1400" b="0" i="0" u="none" strike="noStrike">
-                          <a:solidFill>
-                            <a:srgbClr val="000000"/>
-                          </a:solidFill>
-                          <a:effectLst/>
-                          <a:latin typeface="Calibri" panose="020F0502020204030204" pitchFamily="34" charset="0"/>
-                        </a:rPr>
-                        <a:t>4</a:t>
-                      </a:r>
-                    </a:p>
-                  </a:txBody>
-                  <a:tcPr marL="7620" marR="7620" marT="7620" marB="0" anchor="b">
-                    <a:lnL w="6350" cap="flat" cmpd="sng" algn="ctr">
-                      <a:solidFill>
-                        <a:srgbClr val="000000"/>
-                      </a:solidFill>
-                      <a:prstDash val="solid"/>
-                      <a:round/>
-                      <a:headEnd type="none" w="med" len="med"/>
-                      <a:tailEnd type="none" w="med" len="med"/>
-                    </a:lnL>
-                    <a:lnR w="6350" cap="flat" cmpd="sng" algn="ctr">
-                      <a:solidFill>
-                        <a:srgbClr val="000000"/>
-                      </a:solidFill>
-                      <a:prstDash val="solid"/>
-                      <a:round/>
-                      <a:headEnd type="none" w="med" len="med"/>
-                      <a:tailEnd type="none" w="med" len="med"/>
-                    </a:lnR>
-                    <a:lnT w="6350" cap="flat" cmpd="sng" algn="ctr">
-                      <a:solidFill>
-                        <a:srgbClr val="000000"/>
-                      </a:solidFill>
-                      <a:prstDash val="solid"/>
-                      <a:round/>
-                      <a:headEnd type="none" w="med" len="med"/>
-                      <a:tailEnd type="none" w="med" len="med"/>
-                    </a:lnT>
-                    <a:lnB w="6350" cap="flat" cmpd="sng" algn="ctr">
-                      <a:solidFill>
-                        <a:srgbClr val="000000"/>
-                      </a:solidFill>
-                      <a:prstDash val="solid"/>
-                      <a:round/>
-                      <a:headEnd type="none" w="med" len="med"/>
-                      <a:tailEnd type="none" w="med" len="med"/>
-                    </a:lnB>
-                    <a:solidFill>
-                      <a:srgbClr val="FFFFFF"/>
-                    </a:solidFill>
-                  </a:tcPr>
-                </a:tc>
-                <a:tc>
-                  <a:txBody>
-                    <a:bodyPr/>
-                    <a:lstStyle/>
-                    <a:p>
-                      <a:pPr algn="r" fontAlgn="b"/>
-                      <a:r>
-                        <a:rPr lang="en-US" sz="1400" b="0" i="0" u="none" strike="noStrike">
-                          <a:solidFill>
-                            <a:srgbClr val="000000"/>
-                          </a:solidFill>
-                          <a:effectLst/>
-                          <a:latin typeface="Calibri" panose="020F0502020204030204" pitchFamily="34" charset="0"/>
-                        </a:rPr>
-                        <a:t>250</a:t>
-                      </a:r>
-                    </a:p>
-                  </a:txBody>
-                  <a:tcPr marL="7620" marR="7620" marT="7620" marB="0" anchor="b">
-                    <a:lnL w="6350" cap="flat" cmpd="sng" algn="ctr">
-                      <a:solidFill>
-                        <a:srgbClr val="000000"/>
-                      </a:solidFill>
-                      <a:prstDash val="solid"/>
-                      <a:round/>
-                      <a:headEnd type="none" w="med" len="med"/>
-                      <a:tailEnd type="none" w="med" len="med"/>
-                    </a:lnL>
-                    <a:lnR w="6350" cap="flat" cmpd="sng" algn="ctr">
-                      <a:solidFill>
-                        <a:srgbClr val="000000"/>
-                      </a:solidFill>
-                      <a:prstDash val="solid"/>
-                      <a:round/>
-                      <a:headEnd type="none" w="med" len="med"/>
-                      <a:tailEnd type="none" w="med" len="med"/>
-                    </a:lnR>
-                    <a:lnT w="6350" cap="flat" cmpd="sng" algn="ctr">
-                      <a:solidFill>
-                        <a:srgbClr val="000000"/>
-                      </a:solidFill>
-                      <a:prstDash val="solid"/>
-                      <a:round/>
-                      <a:headEnd type="none" w="med" len="med"/>
-                      <a:tailEnd type="none" w="med" len="med"/>
-                    </a:lnT>
-                    <a:lnB w="6350" cap="flat" cmpd="sng" algn="ctr">
-                      <a:solidFill>
-                        <a:srgbClr val="000000"/>
-                      </a:solidFill>
-                      <a:prstDash val="solid"/>
-                      <a:round/>
-                      <a:headEnd type="none" w="med" len="med"/>
-                      <a:tailEnd type="none" w="med" len="med"/>
-                    </a:lnB>
-                    <a:solidFill>
-                      <a:srgbClr val="FFFFFF"/>
-                    </a:solidFill>
-                  </a:tcPr>
-                </a:tc>
-                <a:tc>
-                  <a:txBody>
-                    <a:bodyPr/>
-                    <a:lstStyle/>
-                    <a:p>
-                      <a:pPr algn="r" fontAlgn="b"/>
-                      <a:r>
-                        <a:rPr lang="en-US" sz="1400" b="0" i="0" u="none" strike="noStrike">
-                          <a:solidFill>
-                            <a:srgbClr val="000000"/>
-                          </a:solidFill>
-                          <a:effectLst/>
-                          <a:latin typeface="Calibri" panose="020F0502020204030204" pitchFamily="34" charset="0"/>
-                        </a:rPr>
-                        <a:t>3</a:t>
-                      </a:r>
-                    </a:p>
-                  </a:txBody>
-                  <a:tcPr marL="7620" marR="7620" marT="7620" marB="0" anchor="b">
-                    <a:lnL w="6350" cap="flat" cmpd="sng" algn="ctr">
-                      <a:solidFill>
-                        <a:srgbClr val="000000"/>
-                      </a:solidFill>
-                      <a:prstDash val="solid"/>
-                      <a:round/>
-                      <a:headEnd type="none" w="med" len="med"/>
-                      <a:tailEnd type="none" w="med" len="med"/>
-                    </a:lnL>
-                    <a:lnR w="6350" cap="flat" cmpd="sng" algn="ctr">
-                      <a:solidFill>
-                        <a:srgbClr val="000000"/>
-                      </a:solidFill>
-                      <a:prstDash val="solid"/>
-                      <a:round/>
-                      <a:headEnd type="none" w="med" len="med"/>
-                      <a:tailEnd type="none" w="med" len="med"/>
-                    </a:lnR>
-                    <a:lnT w="6350" cap="flat" cmpd="sng" algn="ctr">
-                      <a:solidFill>
-                        <a:srgbClr val="000000"/>
-                      </a:solidFill>
-                      <a:prstDash val="solid"/>
-                      <a:round/>
-                      <a:headEnd type="none" w="med" len="med"/>
-                      <a:tailEnd type="none" w="med" len="med"/>
-                    </a:lnT>
-                    <a:lnB w="6350" cap="flat" cmpd="sng" algn="ctr">
-                      <a:solidFill>
-                        <a:srgbClr val="000000"/>
-                      </a:solidFill>
-                      <a:prstDash val="solid"/>
-                      <a:round/>
-                      <a:headEnd type="none" w="med" len="med"/>
-                      <a:tailEnd type="none" w="med" len="med"/>
-                    </a:lnB>
-                    <a:solidFill>
-                      <a:srgbClr val="FFFFFF"/>
-                    </a:solidFill>
-                  </a:tcPr>
-                </a:tc>
-                <a:tc>
-                  <a:txBody>
-                    <a:bodyPr/>
-                    <a:lstStyle/>
-                    <a:p>
-                      <a:pPr algn="r" fontAlgn="b"/>
-                      <a:r>
-                        <a:rPr lang="en-US" sz="1400" b="0" i="0" u="none" strike="noStrike">
-                          <a:solidFill>
-                            <a:srgbClr val="000000"/>
-                          </a:solidFill>
-                          <a:effectLst/>
-                          <a:latin typeface="Calibri" panose="020F0502020204030204" pitchFamily="34" charset="0"/>
-                        </a:rPr>
-                        <a:t> </a:t>
-                      </a:r>
-                    </a:p>
-                  </a:txBody>
-                  <a:tcPr marL="7620" marR="7620" marT="7620" marB="0" anchor="b">
-                    <a:lnL w="6350" cap="flat" cmpd="sng" algn="ctr">
-                      <a:solidFill>
-                        <a:srgbClr val="000000"/>
-                      </a:solidFill>
-                      <a:prstDash val="solid"/>
-                      <a:round/>
-                      <a:headEnd type="none" w="med" len="med"/>
-                      <a:tailEnd type="none" w="med" len="med"/>
-                    </a:lnL>
-                    <a:lnR w="6350" cap="flat" cmpd="sng" algn="ctr">
-                      <a:solidFill>
-                        <a:srgbClr val="000000"/>
-                      </a:solidFill>
-                      <a:prstDash val="solid"/>
-                      <a:round/>
-                      <a:headEnd type="none" w="med" len="med"/>
-                      <a:tailEnd type="none" w="med" len="med"/>
-                    </a:lnR>
-                    <a:lnT>
-                      <a:noFill/>
-                    </a:lnT>
-                    <a:lnB>
-                      <a:noFill/>
-                    </a:lnB>
-                    <a:solidFill>
-                      <a:srgbClr val="FFFFFF"/>
-                    </a:solidFill>
-                  </a:tcPr>
-                </a:tc>
-                <a:tc>
-                  <a:txBody>
-                    <a:bodyPr/>
-                    <a:lstStyle/>
-                    <a:p>
-                      <a:pPr algn="r" fontAlgn="b"/>
-                      <a:r>
-                        <a:rPr lang="en-US" sz="1400" b="0" i="0" u="none" strike="noStrike">
-                          <a:solidFill>
-                            <a:srgbClr val="000000"/>
-                          </a:solidFill>
-                          <a:effectLst/>
-                          <a:latin typeface="Calibri" panose="020F0502020204030204" pitchFamily="34" charset="0"/>
-                        </a:rPr>
-                        <a:t>4</a:t>
-                      </a:r>
-                    </a:p>
-                  </a:txBody>
-                  <a:tcPr marL="7620" marR="7620" marT="7620" marB="0" anchor="b">
-                    <a:lnL w="6350" cap="flat" cmpd="sng" algn="ctr">
-                      <a:solidFill>
-                        <a:srgbClr val="000000"/>
-                      </a:solidFill>
-                      <a:prstDash val="solid"/>
-                      <a:round/>
-                      <a:headEnd type="none" w="med" len="med"/>
-                      <a:tailEnd type="none" w="med" len="med"/>
-                    </a:lnL>
-                    <a:lnR w="6350" cap="flat" cmpd="sng" algn="ctr">
-                      <a:solidFill>
-                        <a:srgbClr val="000000"/>
-                      </a:solidFill>
-                      <a:prstDash val="solid"/>
-                      <a:round/>
-                      <a:headEnd type="none" w="med" len="med"/>
-                      <a:tailEnd type="none" w="med" len="med"/>
-                    </a:lnR>
-                    <a:lnT w="6350" cap="flat" cmpd="sng" algn="ctr">
-                      <a:solidFill>
-                        <a:srgbClr val="000000"/>
-                      </a:solidFill>
-                      <a:prstDash val="solid"/>
-                      <a:round/>
-                      <a:headEnd type="none" w="med" len="med"/>
-                      <a:tailEnd type="none" w="med" len="med"/>
-                    </a:lnT>
-                    <a:lnB w="6350" cap="flat" cmpd="sng" algn="ctr">
-                      <a:solidFill>
-                        <a:srgbClr val="000000"/>
-                      </a:solidFill>
-                      <a:prstDash val="solid"/>
-                      <a:round/>
-                      <a:headEnd type="none" w="med" len="med"/>
-                      <a:tailEnd type="none" w="med" len="med"/>
-                    </a:lnB>
-                    <a:solidFill>
-                      <a:srgbClr val="FFFFFF"/>
-                    </a:solidFill>
-                  </a:tcPr>
-                </a:tc>
-                <a:tc>
-                  <a:txBody>
-                    <a:bodyPr/>
-                    <a:lstStyle/>
-                    <a:p>
-                      <a:pPr algn="r" fontAlgn="b"/>
-                      <a:r>
-                        <a:rPr lang="en-US" sz="1400" b="0" i="0" u="none" strike="noStrike">
-                          <a:solidFill>
-                            <a:srgbClr val="000000"/>
-                          </a:solidFill>
-                          <a:effectLst/>
-                          <a:latin typeface="Calibri" panose="020F0502020204030204" pitchFamily="34" charset="0"/>
-                        </a:rPr>
-                        <a:t>55</a:t>
-                      </a:r>
-                    </a:p>
-                  </a:txBody>
-                  <a:tcPr marL="7620" marR="7620" marT="7620" marB="0" anchor="b">
-                    <a:lnL w="6350" cap="flat" cmpd="sng" algn="ctr">
-                      <a:solidFill>
-                        <a:srgbClr val="000000"/>
-                      </a:solidFill>
-                      <a:prstDash val="solid"/>
-                      <a:round/>
-                      <a:headEnd type="none" w="med" len="med"/>
-                      <a:tailEnd type="none" w="med" len="med"/>
-                    </a:lnL>
-                    <a:lnR w="6350" cap="flat" cmpd="sng" algn="ctr">
-                      <a:solidFill>
-                        <a:srgbClr val="000000"/>
-                      </a:solidFill>
-                      <a:prstDash val="solid"/>
-                      <a:round/>
-                      <a:headEnd type="none" w="med" len="med"/>
-                      <a:tailEnd type="none" w="med" len="med"/>
-                    </a:lnR>
-                    <a:lnT w="6350" cap="flat" cmpd="sng" algn="ctr">
-                      <a:solidFill>
-                        <a:srgbClr val="000000"/>
-                      </a:solidFill>
-                      <a:prstDash val="solid"/>
-                      <a:round/>
-                      <a:headEnd type="none" w="med" len="med"/>
-                      <a:tailEnd type="none" w="med" len="med"/>
-                    </a:lnT>
-                    <a:lnB w="6350" cap="flat" cmpd="sng" algn="ctr">
-                      <a:solidFill>
-                        <a:srgbClr val="000000"/>
-                      </a:solidFill>
-                      <a:prstDash val="solid"/>
-                      <a:round/>
-                      <a:headEnd type="none" w="med" len="med"/>
-                      <a:tailEnd type="none" w="med" len="med"/>
-                    </a:lnB>
-                    <a:solidFill>
-                      <a:srgbClr val="FFFFFF"/>
-                    </a:solidFill>
-                  </a:tcPr>
-                </a:tc>
-                <a:tc>
-                  <a:txBody>
-                    <a:bodyPr/>
-                    <a:lstStyle/>
-                    <a:p>
-                      <a:pPr algn="r" fontAlgn="b"/>
-                      <a:r>
-                        <a:rPr lang="en-US" sz="1400" b="0" i="0" u="none" strike="noStrike">
-                          <a:solidFill>
-                            <a:srgbClr val="000000"/>
-                          </a:solidFill>
-                          <a:effectLst/>
-                          <a:latin typeface="Calibri" panose="020F0502020204030204" pitchFamily="34" charset="0"/>
-                        </a:rPr>
-                        <a:t>2</a:t>
-                      </a:r>
-                    </a:p>
-                  </a:txBody>
-                  <a:tcPr marL="7620" marR="7620" marT="7620" marB="0" anchor="b">
-                    <a:lnL w="6350" cap="flat" cmpd="sng" algn="ctr">
-                      <a:solidFill>
-                        <a:srgbClr val="000000"/>
-                      </a:solidFill>
-                      <a:prstDash val="solid"/>
-                      <a:round/>
-                      <a:headEnd type="none" w="med" len="med"/>
-                      <a:tailEnd type="none" w="med" len="med"/>
-                    </a:lnL>
-                    <a:lnR w="6350" cap="flat" cmpd="sng" algn="ctr">
-                      <a:solidFill>
-                        <a:srgbClr val="000000"/>
-                      </a:solidFill>
-                      <a:prstDash val="solid"/>
-                      <a:round/>
-                      <a:headEnd type="none" w="med" len="med"/>
-                      <a:tailEnd type="none" w="med" len="med"/>
-                    </a:lnR>
-                    <a:lnT w="6350" cap="flat" cmpd="sng" algn="ctr">
-                      <a:solidFill>
-                        <a:srgbClr val="000000"/>
-                      </a:solidFill>
-                      <a:prstDash val="solid"/>
-                      <a:round/>
-                      <a:headEnd type="none" w="med" len="med"/>
-                      <a:tailEnd type="none" w="med" len="med"/>
-                    </a:lnT>
-                    <a:lnB w="6350" cap="flat" cmpd="sng" algn="ctr">
-                      <a:solidFill>
-                        <a:srgbClr val="000000"/>
-                      </a:solidFill>
-                      <a:prstDash val="solid"/>
-                      <a:round/>
-                      <a:headEnd type="none" w="med" len="med"/>
-                      <a:tailEnd type="none" w="med" len="med"/>
-                    </a:lnB>
-                    <a:solidFill>
-                      <a:srgbClr val="FFFFFF"/>
-                    </a:solidFill>
-                  </a:tcPr>
-                </a:tc>
-                <a:extLst>
-                  <a:ext uri="{0D108BD9-81ED-4DB2-BD59-A6C34878D82A}">
-                    <a16:rowId xmlns:a16="http://schemas.microsoft.com/office/drawing/2014/main" val="2913831465"/>
-                  </a:ext>
-                </a:extLst>
-              </a:tr>
-              <a:tr h="228600">
-                <a:tc>
-                  <a:txBody>
-                    <a:bodyPr/>
-                    <a:lstStyle/>
-                    <a:p>
-                      <a:pPr algn="r" fontAlgn="b"/>
-                      <a:r>
-                        <a:rPr lang="en-US" sz="1400" b="0" i="0" u="none" strike="noStrike">
-                          <a:solidFill>
-                            <a:srgbClr val="000000"/>
-                          </a:solidFill>
-                          <a:effectLst/>
-                          <a:latin typeface="Calibri" panose="020F0502020204030204" pitchFamily="34" charset="0"/>
-                        </a:rPr>
-                        <a:t>5</a:t>
-                      </a:r>
-                    </a:p>
-                  </a:txBody>
-                  <a:tcPr marL="7620" marR="7620" marT="7620" marB="0" anchor="b">
-                    <a:lnL w="6350" cap="flat" cmpd="sng" algn="ctr">
-                      <a:solidFill>
-                        <a:srgbClr val="000000"/>
-                      </a:solidFill>
-                      <a:prstDash val="solid"/>
-                      <a:round/>
-                      <a:headEnd type="none" w="med" len="med"/>
-                      <a:tailEnd type="none" w="med" len="med"/>
-                    </a:lnL>
-                    <a:lnR w="6350" cap="flat" cmpd="sng" algn="ctr">
-                      <a:solidFill>
-                        <a:srgbClr val="000000"/>
-                      </a:solidFill>
-                      <a:prstDash val="solid"/>
-                      <a:round/>
-                      <a:headEnd type="none" w="med" len="med"/>
-                      <a:tailEnd type="none" w="med" len="med"/>
-                    </a:lnR>
-                    <a:lnT w="6350" cap="flat" cmpd="sng" algn="ctr">
-                      <a:solidFill>
-                        <a:srgbClr val="000000"/>
-                      </a:solidFill>
-                      <a:prstDash val="solid"/>
-                      <a:round/>
-                      <a:headEnd type="none" w="med" len="med"/>
-                      <a:tailEnd type="none" w="med" len="med"/>
-                    </a:lnT>
-                    <a:lnB w="6350" cap="flat" cmpd="sng" algn="ctr">
-                      <a:solidFill>
-                        <a:srgbClr val="000000"/>
-                      </a:solidFill>
-                      <a:prstDash val="solid"/>
-                      <a:round/>
-                      <a:headEnd type="none" w="med" len="med"/>
-                      <a:tailEnd type="none" w="med" len="med"/>
-                    </a:lnB>
-                    <a:solidFill>
-                      <a:srgbClr val="FFFFFF"/>
-                    </a:solidFill>
-                  </a:tcPr>
-                </a:tc>
-                <a:tc>
-                  <a:txBody>
-                    <a:bodyPr/>
-                    <a:lstStyle/>
-                    <a:p>
-                      <a:pPr algn="r" fontAlgn="b"/>
-                      <a:r>
-                        <a:rPr lang="en-US" sz="1400" b="0" i="0" u="none" strike="noStrike">
-                          <a:solidFill>
-                            <a:srgbClr val="000000"/>
-                          </a:solidFill>
-                          <a:effectLst/>
-                          <a:latin typeface="Calibri" panose="020F0502020204030204" pitchFamily="34" charset="0"/>
-                        </a:rPr>
-                        <a:t>50</a:t>
-                      </a:r>
-                    </a:p>
-                  </a:txBody>
-                  <a:tcPr marL="7620" marR="7620" marT="7620" marB="0" anchor="b">
-                    <a:lnL w="6350" cap="flat" cmpd="sng" algn="ctr">
-                      <a:solidFill>
-                        <a:srgbClr val="000000"/>
-                      </a:solidFill>
-                      <a:prstDash val="solid"/>
-                      <a:round/>
-                      <a:headEnd type="none" w="med" len="med"/>
-                      <a:tailEnd type="none" w="med" len="med"/>
-                    </a:lnL>
-                    <a:lnR w="6350" cap="flat" cmpd="sng" algn="ctr">
-                      <a:solidFill>
-                        <a:srgbClr val="000000"/>
-                      </a:solidFill>
-                      <a:prstDash val="solid"/>
-                      <a:round/>
-                      <a:headEnd type="none" w="med" len="med"/>
-                      <a:tailEnd type="none" w="med" len="med"/>
-                    </a:lnR>
-                    <a:lnT w="6350" cap="flat" cmpd="sng" algn="ctr">
-                      <a:solidFill>
-                        <a:srgbClr val="000000"/>
-                      </a:solidFill>
-                      <a:prstDash val="solid"/>
-                      <a:round/>
-                      <a:headEnd type="none" w="med" len="med"/>
-                      <a:tailEnd type="none" w="med" len="med"/>
-                    </a:lnT>
-                    <a:lnB w="6350" cap="flat" cmpd="sng" algn="ctr">
-                      <a:solidFill>
-                        <a:srgbClr val="000000"/>
-                      </a:solidFill>
-                      <a:prstDash val="solid"/>
-                      <a:round/>
-                      <a:headEnd type="none" w="med" len="med"/>
-                      <a:tailEnd type="none" w="med" len="med"/>
-                    </a:lnB>
-                    <a:solidFill>
-                      <a:srgbClr val="FFFFFF"/>
-                    </a:solidFill>
-                  </a:tcPr>
-                </a:tc>
-                <a:tc>
-                  <a:txBody>
-                    <a:bodyPr/>
-                    <a:lstStyle/>
-                    <a:p>
-                      <a:pPr algn="r" fontAlgn="b"/>
-                      <a:r>
-                        <a:rPr lang="en-US" sz="1400" b="0" i="0" u="none" strike="noStrike">
-                          <a:solidFill>
-                            <a:srgbClr val="000000"/>
-                          </a:solidFill>
-                          <a:effectLst/>
-                          <a:latin typeface="Calibri" panose="020F0502020204030204" pitchFamily="34" charset="0"/>
-                        </a:rPr>
-                        <a:t>5</a:t>
-                      </a:r>
-                    </a:p>
-                  </a:txBody>
-                  <a:tcPr marL="7620" marR="7620" marT="7620" marB="0" anchor="b">
-                    <a:lnL w="6350" cap="flat" cmpd="sng" algn="ctr">
-                      <a:solidFill>
-                        <a:srgbClr val="000000"/>
-                      </a:solidFill>
-                      <a:prstDash val="solid"/>
-                      <a:round/>
-                      <a:headEnd type="none" w="med" len="med"/>
-                      <a:tailEnd type="none" w="med" len="med"/>
-                    </a:lnL>
-                    <a:lnR w="6350" cap="flat" cmpd="sng" algn="ctr">
-                      <a:solidFill>
-                        <a:srgbClr val="000000"/>
-                      </a:solidFill>
-                      <a:prstDash val="solid"/>
-                      <a:round/>
-                      <a:headEnd type="none" w="med" len="med"/>
-                      <a:tailEnd type="none" w="med" len="med"/>
-                    </a:lnR>
-                    <a:lnT w="6350" cap="flat" cmpd="sng" algn="ctr">
-                      <a:solidFill>
-                        <a:srgbClr val="000000"/>
-                      </a:solidFill>
-                      <a:prstDash val="solid"/>
-                      <a:round/>
-                      <a:headEnd type="none" w="med" len="med"/>
-                      <a:tailEnd type="none" w="med" len="med"/>
-                    </a:lnT>
-                    <a:lnB w="6350" cap="flat" cmpd="sng" algn="ctr">
-                      <a:solidFill>
-                        <a:srgbClr val="000000"/>
-                      </a:solidFill>
-                      <a:prstDash val="solid"/>
-                      <a:round/>
-                      <a:headEnd type="none" w="med" len="med"/>
-                      <a:tailEnd type="none" w="med" len="med"/>
-                    </a:lnB>
-                    <a:solidFill>
-                      <a:srgbClr val="FFFFFF"/>
-                    </a:solidFill>
-                  </a:tcPr>
-                </a:tc>
-                <a:tc>
-                  <a:txBody>
-                    <a:bodyPr/>
-                    <a:lstStyle/>
-                    <a:p>
-                      <a:pPr algn="r" fontAlgn="b"/>
-                      <a:r>
-                        <a:rPr lang="en-US" sz="1400" b="0" i="0" u="none" strike="noStrike">
-                          <a:solidFill>
-                            <a:srgbClr val="000000"/>
-                          </a:solidFill>
-                          <a:effectLst/>
-                          <a:latin typeface="Calibri" panose="020F0502020204030204" pitchFamily="34" charset="0"/>
-                        </a:rPr>
-                        <a:t> </a:t>
-                      </a:r>
-                    </a:p>
-                  </a:txBody>
-                  <a:tcPr marL="7620" marR="7620" marT="7620" marB="0" anchor="b">
-                    <a:lnL w="6350" cap="flat" cmpd="sng" algn="ctr">
-                      <a:solidFill>
-                        <a:srgbClr val="000000"/>
-                      </a:solidFill>
-                      <a:prstDash val="solid"/>
-                      <a:round/>
-                      <a:headEnd type="none" w="med" len="med"/>
-                      <a:tailEnd type="none" w="med" len="med"/>
-                    </a:lnL>
-                    <a:lnR w="6350" cap="flat" cmpd="sng" algn="ctr">
-                      <a:solidFill>
-                        <a:srgbClr val="000000"/>
-                      </a:solidFill>
-                      <a:prstDash val="solid"/>
-                      <a:round/>
-                      <a:headEnd type="none" w="med" len="med"/>
-                      <a:tailEnd type="none" w="med" len="med"/>
-                    </a:lnR>
-                    <a:lnT>
-                      <a:noFill/>
-                    </a:lnT>
-                    <a:lnB>
-                      <a:noFill/>
-                    </a:lnB>
-                    <a:solidFill>
-                      <a:srgbClr val="FFFFFF"/>
-                    </a:solidFill>
-                  </a:tcPr>
-                </a:tc>
-                <a:tc>
-                  <a:txBody>
-                    <a:bodyPr/>
-                    <a:lstStyle/>
-                    <a:p>
-                      <a:pPr algn="r" fontAlgn="b"/>
-                      <a:r>
-                        <a:rPr lang="en-US" sz="1400" b="0" i="0" u="none" strike="noStrike">
-                          <a:solidFill>
-                            <a:srgbClr val="000000"/>
-                          </a:solidFill>
-                          <a:effectLst/>
-                          <a:latin typeface="Calibri" panose="020F0502020204030204" pitchFamily="34" charset="0"/>
-                        </a:rPr>
-                        <a:t>5</a:t>
-                      </a:r>
-                    </a:p>
-                  </a:txBody>
-                  <a:tcPr marL="7620" marR="7620" marT="7620" marB="0" anchor="b">
-                    <a:lnL w="6350" cap="flat" cmpd="sng" algn="ctr">
-                      <a:solidFill>
-                        <a:srgbClr val="000000"/>
-                      </a:solidFill>
-                      <a:prstDash val="solid"/>
-                      <a:round/>
-                      <a:headEnd type="none" w="med" len="med"/>
-                      <a:tailEnd type="none" w="med" len="med"/>
-                    </a:lnL>
-                    <a:lnR w="6350" cap="flat" cmpd="sng" algn="ctr">
-                      <a:solidFill>
-                        <a:srgbClr val="000000"/>
-                      </a:solidFill>
-                      <a:prstDash val="solid"/>
-                      <a:round/>
-                      <a:headEnd type="none" w="med" len="med"/>
-                      <a:tailEnd type="none" w="med" len="med"/>
-                    </a:lnR>
-                    <a:lnT w="6350" cap="flat" cmpd="sng" algn="ctr">
-                      <a:solidFill>
-                        <a:srgbClr val="000000"/>
-                      </a:solidFill>
-                      <a:prstDash val="solid"/>
-                      <a:round/>
-                      <a:headEnd type="none" w="med" len="med"/>
-                      <a:tailEnd type="none" w="med" len="med"/>
-                    </a:lnT>
-                    <a:lnB w="6350" cap="flat" cmpd="sng" algn="ctr">
-                      <a:solidFill>
-                        <a:srgbClr val="000000"/>
-                      </a:solidFill>
-                      <a:prstDash val="solid"/>
-                      <a:round/>
-                      <a:headEnd type="none" w="med" len="med"/>
-                      <a:tailEnd type="none" w="med" len="med"/>
-                    </a:lnB>
-                    <a:solidFill>
-                      <a:srgbClr val="FFFFFF"/>
-                    </a:solidFill>
-                  </a:tcPr>
-                </a:tc>
-                <a:tc>
-                  <a:txBody>
-                    <a:bodyPr/>
-                    <a:lstStyle/>
-                    <a:p>
-                      <a:pPr algn="r" fontAlgn="b"/>
-                      <a:r>
-                        <a:rPr lang="en-US" sz="1400" b="0" i="0" u="none" strike="noStrike">
-                          <a:solidFill>
-                            <a:srgbClr val="000000"/>
-                          </a:solidFill>
-                          <a:effectLst/>
-                          <a:latin typeface="Calibri" panose="020F0502020204030204" pitchFamily="34" charset="0"/>
-                        </a:rPr>
-                        <a:t>200</a:t>
-                      </a:r>
-                    </a:p>
-                  </a:txBody>
-                  <a:tcPr marL="7620" marR="7620" marT="7620" marB="0" anchor="b">
-                    <a:lnL w="6350" cap="flat" cmpd="sng" algn="ctr">
-                      <a:solidFill>
-                        <a:srgbClr val="000000"/>
-                      </a:solidFill>
-                      <a:prstDash val="solid"/>
-                      <a:round/>
-                      <a:headEnd type="none" w="med" len="med"/>
-                      <a:tailEnd type="none" w="med" len="med"/>
-                    </a:lnL>
-                    <a:lnR w="6350" cap="flat" cmpd="sng" algn="ctr">
-                      <a:solidFill>
-                        <a:srgbClr val="000000"/>
-                      </a:solidFill>
-                      <a:prstDash val="solid"/>
-                      <a:round/>
-                      <a:headEnd type="none" w="med" len="med"/>
-                      <a:tailEnd type="none" w="med" len="med"/>
-                    </a:lnR>
-                    <a:lnT w="6350" cap="flat" cmpd="sng" algn="ctr">
-                      <a:solidFill>
-                        <a:srgbClr val="000000"/>
-                      </a:solidFill>
-                      <a:prstDash val="solid"/>
-                      <a:round/>
-                      <a:headEnd type="none" w="med" len="med"/>
-                      <a:tailEnd type="none" w="med" len="med"/>
-                    </a:lnT>
-                    <a:lnB w="6350" cap="flat" cmpd="sng" algn="ctr">
-                      <a:solidFill>
-                        <a:srgbClr val="000000"/>
-                      </a:solidFill>
-                      <a:prstDash val="solid"/>
-                      <a:round/>
-                      <a:headEnd type="none" w="med" len="med"/>
-                      <a:tailEnd type="none" w="med" len="med"/>
-                    </a:lnB>
-                    <a:solidFill>
-                      <a:srgbClr val="FFFFFF"/>
-                    </a:solidFill>
-                  </a:tcPr>
-                </a:tc>
-                <a:tc>
-                  <a:txBody>
-                    <a:bodyPr/>
-                    <a:lstStyle/>
-                    <a:p>
-                      <a:pPr algn="r" fontAlgn="b"/>
-                      <a:r>
-                        <a:rPr lang="en-US" sz="1400" b="0" i="0" u="none" strike="noStrike">
-                          <a:solidFill>
-                            <a:srgbClr val="000000"/>
-                          </a:solidFill>
-                          <a:effectLst/>
-                          <a:latin typeface="Calibri" panose="020F0502020204030204" pitchFamily="34" charset="0"/>
-                        </a:rPr>
-                        <a:t>4</a:t>
-                      </a:r>
-                    </a:p>
-                  </a:txBody>
-                  <a:tcPr marL="7620" marR="7620" marT="7620" marB="0" anchor="b">
-                    <a:lnL w="6350" cap="flat" cmpd="sng" algn="ctr">
-                      <a:solidFill>
-                        <a:srgbClr val="000000"/>
-                      </a:solidFill>
-                      <a:prstDash val="solid"/>
-                      <a:round/>
-                      <a:headEnd type="none" w="med" len="med"/>
-                      <a:tailEnd type="none" w="med" len="med"/>
-                    </a:lnL>
-                    <a:lnR w="6350" cap="flat" cmpd="sng" algn="ctr">
-                      <a:solidFill>
-                        <a:srgbClr val="000000"/>
-                      </a:solidFill>
-                      <a:prstDash val="solid"/>
-                      <a:round/>
-                      <a:headEnd type="none" w="med" len="med"/>
-                      <a:tailEnd type="none" w="med" len="med"/>
-                    </a:lnR>
-                    <a:lnT w="6350" cap="flat" cmpd="sng" algn="ctr">
-                      <a:solidFill>
-                        <a:srgbClr val="000000"/>
-                      </a:solidFill>
-                      <a:prstDash val="solid"/>
-                      <a:round/>
-                      <a:headEnd type="none" w="med" len="med"/>
-                      <a:tailEnd type="none" w="med" len="med"/>
-                    </a:lnT>
-                    <a:lnB w="6350" cap="flat" cmpd="sng" algn="ctr">
-                      <a:solidFill>
-                        <a:srgbClr val="000000"/>
-                      </a:solidFill>
-                      <a:prstDash val="solid"/>
-                      <a:round/>
-                      <a:headEnd type="none" w="med" len="med"/>
-                      <a:tailEnd type="none" w="med" len="med"/>
-                    </a:lnB>
-                    <a:solidFill>
-                      <a:srgbClr val="FFFFFF"/>
-                    </a:solidFill>
-                  </a:tcPr>
-                </a:tc>
-                <a:tc>
-                  <a:txBody>
-                    <a:bodyPr/>
-                    <a:lstStyle/>
-                    <a:p>
-                      <a:pPr algn="r" fontAlgn="b"/>
-                      <a:r>
-                        <a:rPr lang="en-US" sz="1400" b="0" i="0" u="none" strike="noStrike">
-                          <a:solidFill>
-                            <a:srgbClr val="000000"/>
-                          </a:solidFill>
-                          <a:effectLst/>
-                          <a:latin typeface="Calibri" panose="020F0502020204030204" pitchFamily="34" charset="0"/>
-                        </a:rPr>
-                        <a:t> </a:t>
-                      </a:r>
-                    </a:p>
-                  </a:txBody>
-                  <a:tcPr marL="7620" marR="7620" marT="7620" marB="0" anchor="b">
-                    <a:lnL w="6350" cap="flat" cmpd="sng" algn="ctr">
-                      <a:solidFill>
-                        <a:srgbClr val="000000"/>
-                      </a:solidFill>
-                      <a:prstDash val="solid"/>
-                      <a:round/>
-                      <a:headEnd type="none" w="med" len="med"/>
-                      <a:tailEnd type="none" w="med" len="med"/>
-                    </a:lnL>
-                    <a:lnR w="6350" cap="flat" cmpd="sng" algn="ctr">
-                      <a:solidFill>
-                        <a:srgbClr val="000000"/>
-                      </a:solidFill>
-                      <a:prstDash val="solid"/>
-                      <a:round/>
-                      <a:headEnd type="none" w="med" len="med"/>
-                      <a:tailEnd type="none" w="med" len="med"/>
-                    </a:lnR>
-                    <a:lnT>
-                      <a:noFill/>
-                    </a:lnT>
-                    <a:lnB>
-                      <a:noFill/>
-                    </a:lnB>
-                    <a:solidFill>
-                      <a:srgbClr val="FFFFFF"/>
-                    </a:solidFill>
-                  </a:tcPr>
-                </a:tc>
-                <a:tc>
-                  <a:txBody>
-                    <a:bodyPr/>
-                    <a:lstStyle/>
-                    <a:p>
-                      <a:pPr algn="r" fontAlgn="b"/>
-                      <a:r>
-                        <a:rPr lang="en-US" sz="1400" b="0" i="0" u="none" strike="noStrike">
-                          <a:solidFill>
-                            <a:srgbClr val="000000"/>
-                          </a:solidFill>
-                          <a:effectLst/>
-                          <a:latin typeface="Calibri" panose="020F0502020204030204" pitchFamily="34" charset="0"/>
-                        </a:rPr>
-                        <a:t>5</a:t>
-                      </a:r>
-                    </a:p>
-                  </a:txBody>
-                  <a:tcPr marL="7620" marR="7620" marT="7620" marB="0" anchor="b">
-                    <a:lnL w="6350" cap="flat" cmpd="sng" algn="ctr">
-                      <a:solidFill>
-                        <a:srgbClr val="000000"/>
-                      </a:solidFill>
-                      <a:prstDash val="solid"/>
-                      <a:round/>
-                      <a:headEnd type="none" w="med" len="med"/>
-                      <a:tailEnd type="none" w="med" len="med"/>
-                    </a:lnL>
-                    <a:lnR w="6350" cap="flat" cmpd="sng" algn="ctr">
-                      <a:solidFill>
-                        <a:srgbClr val="000000"/>
-                      </a:solidFill>
-                      <a:prstDash val="solid"/>
-                      <a:round/>
-                      <a:headEnd type="none" w="med" len="med"/>
-                      <a:tailEnd type="none" w="med" len="med"/>
-                    </a:lnR>
-                    <a:lnT w="6350" cap="flat" cmpd="sng" algn="ctr">
-                      <a:solidFill>
-                        <a:srgbClr val="000000"/>
-                      </a:solidFill>
-                      <a:prstDash val="solid"/>
-                      <a:round/>
-                      <a:headEnd type="none" w="med" len="med"/>
-                      <a:tailEnd type="none" w="med" len="med"/>
-                    </a:lnT>
-                    <a:lnB w="6350" cap="flat" cmpd="sng" algn="ctr">
-                      <a:solidFill>
-                        <a:srgbClr val="000000"/>
-                      </a:solidFill>
-                      <a:prstDash val="solid"/>
-                      <a:round/>
-                      <a:headEnd type="none" w="med" len="med"/>
-                      <a:tailEnd type="none" w="med" len="med"/>
-                    </a:lnB>
-                    <a:solidFill>
-                      <a:srgbClr val="FFFFFF"/>
-                    </a:solidFill>
-                  </a:tcPr>
-                </a:tc>
-                <a:tc>
-                  <a:txBody>
-                    <a:bodyPr/>
-                    <a:lstStyle/>
-                    <a:p>
-                      <a:pPr algn="r" fontAlgn="b"/>
-                      <a:r>
-                        <a:rPr lang="en-US" sz="1400" b="0" i="0" u="none" strike="noStrike">
-                          <a:solidFill>
-                            <a:srgbClr val="000000"/>
-                          </a:solidFill>
-                          <a:effectLst/>
-                          <a:latin typeface="Calibri" panose="020F0502020204030204" pitchFamily="34" charset="0"/>
-                        </a:rPr>
-                        <a:t>50</a:t>
-                      </a:r>
-                    </a:p>
-                  </a:txBody>
-                  <a:tcPr marL="7620" marR="7620" marT="7620" marB="0" anchor="b">
-                    <a:lnL w="6350" cap="flat" cmpd="sng" algn="ctr">
-                      <a:solidFill>
-                        <a:srgbClr val="000000"/>
-                      </a:solidFill>
-                      <a:prstDash val="solid"/>
-                      <a:round/>
-                      <a:headEnd type="none" w="med" len="med"/>
-                      <a:tailEnd type="none" w="med" len="med"/>
-                    </a:lnL>
-                    <a:lnR w="6350" cap="flat" cmpd="sng" algn="ctr">
-                      <a:solidFill>
-                        <a:srgbClr val="000000"/>
-                      </a:solidFill>
-                      <a:prstDash val="solid"/>
-                      <a:round/>
-                      <a:headEnd type="none" w="med" len="med"/>
-                      <a:tailEnd type="none" w="med" len="med"/>
-                    </a:lnR>
-                    <a:lnT w="6350" cap="flat" cmpd="sng" algn="ctr">
-                      <a:solidFill>
-                        <a:srgbClr val="000000"/>
-                      </a:solidFill>
-                      <a:prstDash val="solid"/>
-                      <a:round/>
-                      <a:headEnd type="none" w="med" len="med"/>
-                      <a:tailEnd type="none" w="med" len="med"/>
-                    </a:lnT>
-                    <a:lnB w="6350" cap="flat" cmpd="sng" algn="ctr">
-                      <a:solidFill>
-                        <a:srgbClr val="000000"/>
-                      </a:solidFill>
-                      <a:prstDash val="solid"/>
-                      <a:round/>
-                      <a:headEnd type="none" w="med" len="med"/>
-                      <a:tailEnd type="none" w="med" len="med"/>
-                    </a:lnB>
-                    <a:solidFill>
-                      <a:srgbClr val="FFFFFF"/>
-                    </a:solidFill>
-                  </a:tcPr>
-                </a:tc>
-                <a:tc>
-                  <a:txBody>
-                    <a:bodyPr/>
-                    <a:lstStyle/>
-                    <a:p>
-                      <a:pPr algn="r" fontAlgn="b"/>
-                      <a:r>
-                        <a:rPr lang="en-US" sz="1400" b="0" i="0" u="none" strike="noStrike">
-                          <a:solidFill>
-                            <a:srgbClr val="000000"/>
-                          </a:solidFill>
-                          <a:effectLst/>
-                          <a:latin typeface="Calibri" panose="020F0502020204030204" pitchFamily="34" charset="0"/>
-                        </a:rPr>
-                        <a:t>3</a:t>
-                      </a:r>
-                    </a:p>
-                  </a:txBody>
-                  <a:tcPr marL="7620" marR="7620" marT="7620" marB="0" anchor="b">
-                    <a:lnL w="6350" cap="flat" cmpd="sng" algn="ctr">
-                      <a:solidFill>
-                        <a:srgbClr val="000000"/>
-                      </a:solidFill>
-                      <a:prstDash val="solid"/>
-                      <a:round/>
-                      <a:headEnd type="none" w="med" len="med"/>
-                      <a:tailEnd type="none" w="med" len="med"/>
-                    </a:lnL>
-                    <a:lnR w="6350" cap="flat" cmpd="sng" algn="ctr">
-                      <a:solidFill>
-                        <a:srgbClr val="000000"/>
-                      </a:solidFill>
-                      <a:prstDash val="solid"/>
-                      <a:round/>
-                      <a:headEnd type="none" w="med" len="med"/>
-                      <a:tailEnd type="none" w="med" len="med"/>
-                    </a:lnR>
-                    <a:lnT w="6350" cap="flat" cmpd="sng" algn="ctr">
-                      <a:solidFill>
-                        <a:srgbClr val="000000"/>
-                      </a:solidFill>
-                      <a:prstDash val="solid"/>
-                      <a:round/>
-                      <a:headEnd type="none" w="med" len="med"/>
-                      <a:tailEnd type="none" w="med" len="med"/>
-                    </a:lnT>
-                    <a:lnB w="6350" cap="flat" cmpd="sng" algn="ctr">
-                      <a:solidFill>
-                        <a:srgbClr val="000000"/>
-                      </a:solidFill>
-                      <a:prstDash val="solid"/>
-                      <a:round/>
-                      <a:headEnd type="none" w="med" len="med"/>
-                      <a:tailEnd type="none" w="med" len="med"/>
-                    </a:lnB>
-                    <a:solidFill>
-                      <a:srgbClr val="FFFFFF"/>
-                    </a:solidFill>
-                  </a:tcPr>
-                </a:tc>
-                <a:extLst>
-                  <a:ext uri="{0D108BD9-81ED-4DB2-BD59-A6C34878D82A}">
-                    <a16:rowId xmlns:a16="http://schemas.microsoft.com/office/drawing/2014/main" val="2693215411"/>
-                  </a:ext>
-                </a:extLst>
-              </a:tr>
-              <a:tr h="228600">
-                <a:tc>
-                  <a:txBody>
-                    <a:bodyPr/>
-                    <a:lstStyle/>
-                    <a:p>
-                      <a:pPr algn="r" fontAlgn="b"/>
-                      <a:r>
-                        <a:rPr lang="en-US" sz="1400" b="0" i="0" u="none" strike="noStrike">
-                          <a:solidFill>
-                            <a:srgbClr val="000000"/>
-                          </a:solidFill>
-                          <a:effectLst/>
-                          <a:latin typeface="Calibri" panose="020F0502020204030204" pitchFamily="34" charset="0"/>
-                        </a:rPr>
-                        <a:t>6</a:t>
-                      </a:r>
-                    </a:p>
-                  </a:txBody>
-                  <a:tcPr marL="7620" marR="7620" marT="7620" marB="0" anchor="b">
-                    <a:lnL w="6350" cap="flat" cmpd="sng" algn="ctr">
-                      <a:solidFill>
-                        <a:srgbClr val="000000"/>
-                      </a:solidFill>
-                      <a:prstDash val="solid"/>
-                      <a:round/>
-                      <a:headEnd type="none" w="med" len="med"/>
-                      <a:tailEnd type="none" w="med" len="med"/>
-                    </a:lnL>
-                    <a:lnR w="6350" cap="flat" cmpd="sng" algn="ctr">
-                      <a:solidFill>
-                        <a:srgbClr val="000000"/>
-                      </a:solidFill>
-                      <a:prstDash val="solid"/>
-                      <a:round/>
-                      <a:headEnd type="none" w="med" len="med"/>
-                      <a:tailEnd type="none" w="med" len="med"/>
-                    </a:lnR>
-                    <a:lnT w="6350" cap="flat" cmpd="sng" algn="ctr">
-                      <a:solidFill>
-                        <a:srgbClr val="000000"/>
-                      </a:solidFill>
-                      <a:prstDash val="solid"/>
-                      <a:round/>
-                      <a:headEnd type="none" w="med" len="med"/>
-                      <a:tailEnd type="none" w="med" len="med"/>
-                    </a:lnT>
-                    <a:lnB w="6350" cap="flat" cmpd="sng" algn="ctr">
-                      <a:solidFill>
-                        <a:srgbClr val="000000"/>
-                      </a:solidFill>
-                      <a:prstDash val="solid"/>
-                      <a:round/>
-                      <a:headEnd type="none" w="med" len="med"/>
-                      <a:tailEnd type="none" w="med" len="med"/>
-                    </a:lnB>
-                    <a:solidFill>
-                      <a:srgbClr val="FFFFFF"/>
-                    </a:solidFill>
-                  </a:tcPr>
-                </a:tc>
-                <a:tc>
-                  <a:txBody>
-                    <a:bodyPr/>
-                    <a:lstStyle/>
-                    <a:p>
-                      <a:pPr algn="r" fontAlgn="b"/>
-                      <a:r>
-                        <a:rPr lang="en-US" sz="1400" b="0" i="0" u="none" strike="noStrike">
-                          <a:solidFill>
-                            <a:srgbClr val="000000"/>
-                          </a:solidFill>
-                          <a:effectLst/>
-                          <a:latin typeface="Calibri" panose="020F0502020204030204" pitchFamily="34" charset="0"/>
-                        </a:rPr>
-                        <a:t>40</a:t>
-                      </a:r>
-                    </a:p>
-                  </a:txBody>
-                  <a:tcPr marL="7620" marR="7620" marT="7620" marB="0" anchor="b">
-                    <a:lnL w="6350" cap="flat" cmpd="sng" algn="ctr">
-                      <a:solidFill>
-                        <a:srgbClr val="000000"/>
-                      </a:solidFill>
-                      <a:prstDash val="solid"/>
-                      <a:round/>
-                      <a:headEnd type="none" w="med" len="med"/>
-                      <a:tailEnd type="none" w="med" len="med"/>
-                    </a:lnL>
-                    <a:lnR w="6350" cap="flat" cmpd="sng" algn="ctr">
-                      <a:solidFill>
-                        <a:srgbClr val="000000"/>
-                      </a:solidFill>
-                      <a:prstDash val="solid"/>
-                      <a:round/>
-                      <a:headEnd type="none" w="med" len="med"/>
-                      <a:tailEnd type="none" w="med" len="med"/>
-                    </a:lnR>
-                    <a:lnT w="6350" cap="flat" cmpd="sng" algn="ctr">
-                      <a:solidFill>
-                        <a:srgbClr val="000000"/>
-                      </a:solidFill>
-                      <a:prstDash val="solid"/>
-                      <a:round/>
-                      <a:headEnd type="none" w="med" len="med"/>
-                      <a:tailEnd type="none" w="med" len="med"/>
-                    </a:lnT>
-                    <a:lnB w="6350" cap="flat" cmpd="sng" algn="ctr">
-                      <a:solidFill>
-                        <a:srgbClr val="000000"/>
-                      </a:solidFill>
-                      <a:prstDash val="solid"/>
-                      <a:round/>
-                      <a:headEnd type="none" w="med" len="med"/>
-                      <a:tailEnd type="none" w="med" len="med"/>
-                    </a:lnB>
-                    <a:solidFill>
-                      <a:srgbClr val="FFFFFF"/>
-                    </a:solidFill>
-                  </a:tcPr>
-                </a:tc>
-                <a:tc>
-                  <a:txBody>
-                    <a:bodyPr/>
-                    <a:lstStyle/>
-                    <a:p>
-                      <a:pPr algn="r" fontAlgn="b"/>
-                      <a:r>
-                        <a:rPr lang="en-US" sz="1400" b="0" i="0" u="none" strike="noStrike">
-                          <a:solidFill>
-                            <a:srgbClr val="000000"/>
-                          </a:solidFill>
-                          <a:effectLst/>
-                          <a:latin typeface="Calibri" panose="020F0502020204030204" pitchFamily="34" charset="0"/>
-                        </a:rPr>
-                        <a:t>6</a:t>
-                      </a:r>
-                    </a:p>
-                  </a:txBody>
-                  <a:tcPr marL="7620" marR="7620" marT="7620" marB="0" anchor="b">
-                    <a:lnL w="6350" cap="flat" cmpd="sng" algn="ctr">
-                      <a:solidFill>
-                        <a:srgbClr val="000000"/>
-                      </a:solidFill>
-                      <a:prstDash val="solid"/>
-                      <a:round/>
-                      <a:headEnd type="none" w="med" len="med"/>
-                      <a:tailEnd type="none" w="med" len="med"/>
-                    </a:lnL>
-                    <a:lnR w="6350" cap="flat" cmpd="sng" algn="ctr">
-                      <a:solidFill>
-                        <a:srgbClr val="000000"/>
-                      </a:solidFill>
-                      <a:prstDash val="solid"/>
-                      <a:round/>
-                      <a:headEnd type="none" w="med" len="med"/>
-                      <a:tailEnd type="none" w="med" len="med"/>
-                    </a:lnR>
-                    <a:lnT w="6350" cap="flat" cmpd="sng" algn="ctr">
-                      <a:solidFill>
-                        <a:srgbClr val="000000"/>
-                      </a:solidFill>
-                      <a:prstDash val="solid"/>
-                      <a:round/>
-                      <a:headEnd type="none" w="med" len="med"/>
-                      <a:tailEnd type="none" w="med" len="med"/>
-                    </a:lnT>
-                    <a:lnB w="6350" cap="flat" cmpd="sng" algn="ctr">
-                      <a:solidFill>
-                        <a:srgbClr val="000000"/>
-                      </a:solidFill>
-                      <a:prstDash val="solid"/>
-                      <a:round/>
-                      <a:headEnd type="none" w="med" len="med"/>
-                      <a:tailEnd type="none" w="med" len="med"/>
-                    </a:lnB>
-                    <a:solidFill>
-                      <a:srgbClr val="FFFFFF"/>
-                    </a:solidFill>
-                  </a:tcPr>
-                </a:tc>
-                <a:tc>
-                  <a:txBody>
-                    <a:bodyPr/>
-                    <a:lstStyle/>
-                    <a:p>
-                      <a:pPr algn="r" fontAlgn="b"/>
-                      <a:r>
-                        <a:rPr lang="en-US" sz="1400" b="0" i="0" u="none" strike="noStrike">
-                          <a:solidFill>
-                            <a:srgbClr val="000000"/>
-                          </a:solidFill>
-                          <a:effectLst/>
-                          <a:latin typeface="Calibri" panose="020F0502020204030204" pitchFamily="34" charset="0"/>
-                        </a:rPr>
-                        <a:t> </a:t>
-                      </a:r>
-                    </a:p>
-                  </a:txBody>
-                  <a:tcPr marL="7620" marR="7620" marT="7620" marB="0" anchor="b">
-                    <a:lnL w="6350" cap="flat" cmpd="sng" algn="ctr">
-                      <a:solidFill>
-                        <a:srgbClr val="000000"/>
-                      </a:solidFill>
-                      <a:prstDash val="solid"/>
-                      <a:round/>
-                      <a:headEnd type="none" w="med" len="med"/>
-                      <a:tailEnd type="none" w="med" len="med"/>
-                    </a:lnL>
-                    <a:lnR>
-                      <a:noFill/>
-                    </a:lnR>
-                    <a:lnT>
-                      <a:noFill/>
-                    </a:lnT>
-                    <a:lnB>
-                      <a:noFill/>
-                    </a:lnB>
-                    <a:solidFill>
-                      <a:srgbClr val="FFFFFF"/>
-                    </a:solidFill>
-                  </a:tcPr>
-                </a:tc>
-                <a:tc>
-                  <a:txBody>
-                    <a:bodyPr/>
-                    <a:lstStyle/>
-                    <a:p>
-                      <a:pPr algn="r" fontAlgn="b"/>
-                      <a:r>
-                        <a:rPr lang="en-US" sz="1400" b="0" i="0" u="none" strike="noStrike">
+                        <a:rPr lang="en-US" sz="1400" b="0" i="0" u="none" strike="noStrike" dirty="0">
                           <a:solidFill>
                             <a:srgbClr val="000000"/>
                           </a:solidFill>
@@ -9962,8 +9962,8 @@
           </a:p>
         </p:txBody>
       </p:sp>
-      <mc:AlternateContent xmlns:mc="http://schemas.openxmlformats.org/markup-compatibility/2006">
-        <mc:Choice xmlns:a14="http://schemas.microsoft.com/office/drawing/2010/main" Requires="a14">
+      <mc:AlternateContent xmlns:mc="http://schemas.openxmlformats.org/markup-compatibility/2006" xmlns:a14="http://schemas.microsoft.com/office/drawing/2010/main">
+        <mc:Choice Requires="a14">
           <p:sp>
             <p:nvSpPr>
               <p:cNvPr id="3" name="Content Placeholder 2">
@@ -10248,7 +10248,7 @@
             </p:txBody>
           </p:sp>
         </mc:Choice>
-        <mc:Fallback>
+        <mc:Fallback xmlns="">
           <p:sp>
             <p:nvSpPr>
               <p:cNvPr id="3" name="Content Placeholder 2">
@@ -10350,8 +10350,8 @@
           </a:p>
         </p:txBody>
       </p:sp>
-      <mc:AlternateContent xmlns:mc="http://schemas.openxmlformats.org/markup-compatibility/2006">
-        <mc:Choice xmlns:a14="http://schemas.microsoft.com/office/drawing/2010/main" Requires="a14">
+      <mc:AlternateContent xmlns:mc="http://schemas.openxmlformats.org/markup-compatibility/2006" xmlns:a14="http://schemas.microsoft.com/office/drawing/2010/main">
+        <mc:Choice Requires="a14">
           <p:sp>
             <p:nvSpPr>
               <p:cNvPr id="3" name="Content Placeholder 2">
@@ -10492,29 +10492,29 @@
                           <m:chr m:val="∑"/>
                           <m:supHide m:val="on"/>
                           <m:ctrlPr>
-                            <a:rPr lang="en-US" b="1" i="1">
+                            <a:rPr lang="en-US" i="1">
                               <a:latin typeface="Cambria Math" panose="02040503050406030204" pitchFamily="18" charset="0"/>
                             </a:rPr>
                           </m:ctrlPr>
                         </m:naryPr>
                         <m:sub>
                           <m:r>
-                            <a:rPr lang="en-US" b="1" i="1">
+                            <a:rPr lang="en-US" b="0" i="1">
                               <a:latin typeface="Cambria Math" panose="02040503050406030204" pitchFamily="18" charset="0"/>
                             </a:rPr>
-                            <m:t>𝒊</m:t>
+                            <m:t>𝑖</m:t>
                           </m:r>
                           <m:r>
-                            <a:rPr lang="en-US" b="1" i="1">
+                            <a:rPr lang="en-US" b="0" i="1">
                               <a:latin typeface="Cambria Math" panose="02040503050406030204" pitchFamily="18" charset="0"/>
                             </a:rPr>
                             <m:t>,</m:t>
                           </m:r>
                           <m:r>
-                            <a:rPr lang="en-US" b="1" i="1">
+                            <a:rPr lang="en-US" b="0" i="1">
                               <a:latin typeface="Cambria Math" panose="02040503050406030204" pitchFamily="18" charset="0"/>
                             </a:rPr>
-                            <m:t>𝒄</m:t>
+                            <m:t>𝑐</m:t>
                           </m:r>
                         </m:sub>
                         <m:sup/>
@@ -10522,7 +10522,7 @@
                           <m:sSub>
                             <m:sSubPr>
                               <m:ctrlPr>
-                                <a:rPr lang="en-US" b="1" i="1">
+                                <a:rPr lang="en-US" i="1">
                                   <a:latin typeface="Cambria Math" panose="02040503050406030204" pitchFamily="18" charset="0"/>
                                 </a:rPr>
                               </m:ctrlPr>
@@ -10531,65 +10531,65 @@
                               <m:sSub>
                                 <m:sSubPr>
                                   <m:ctrlPr>
-                                    <a:rPr lang="en-US" b="1" i="1">
+                                    <a:rPr lang="en-US" i="1">
                                       <a:latin typeface="Cambria Math" panose="02040503050406030204" pitchFamily="18" charset="0"/>
                                     </a:rPr>
                                   </m:ctrlPr>
                                 </m:sSubPr>
                                 <m:e>
                                   <m:r>
-                                    <a:rPr lang="en-US" b="1" i="1">
+                                    <a:rPr lang="en-US" b="0" i="1">
                                       <a:latin typeface="Cambria Math" panose="02040503050406030204" pitchFamily="18" charset="0"/>
                                     </a:rPr>
-                                    <m:t>𝒑</m:t>
+                                    <m:t>𝑝</m:t>
                                   </m:r>
                                 </m:e>
                                 <m:sub>
                                   <m:r>
-                                    <a:rPr lang="en-US" b="1" i="1">
+                                    <a:rPr lang="en-US" b="0" i="1">
                                       <a:latin typeface="Cambria Math" panose="02040503050406030204" pitchFamily="18" charset="0"/>
                                     </a:rPr>
-                                    <m:t>𝒊</m:t>
+                                    <m:t>𝑖</m:t>
                                   </m:r>
                                   <m:r>
-                                    <a:rPr lang="en-US" b="1" i="1">
+                                    <a:rPr lang="en-US" b="0" i="1">
                                       <a:latin typeface="Cambria Math" panose="02040503050406030204" pitchFamily="18" charset="0"/>
                                     </a:rPr>
                                     <m:t>,</m:t>
                                   </m:r>
                                   <m:r>
-                                    <a:rPr lang="en-US" b="1" i="1">
+                                    <a:rPr lang="en-US" b="0" i="1">
                                       <a:latin typeface="Cambria Math" panose="02040503050406030204" pitchFamily="18" charset="0"/>
                                     </a:rPr>
-                                    <m:t>𝒄</m:t>
+                                    <m:t>𝑐</m:t>
                                   </m:r>
                                 </m:sub>
                               </m:sSub>
                               <m:r>
-                                <a:rPr lang="en-US" b="1" i="1">
+                                <a:rPr lang="en-US" b="0" i="1">
                                   <a:latin typeface="Cambria Math" panose="02040503050406030204" pitchFamily="18" charset="0"/>
                                 </a:rPr>
-                                <m:t>𝑿</m:t>
+                                <m:t>𝑋</m:t>
                               </m:r>
                             </m:e>
                             <m:sub>
                               <m:r>
-                                <a:rPr lang="en-US" b="1" i="1">
+                                <a:rPr lang="en-US" b="0" i="1">
                                   <a:latin typeface="Cambria Math" panose="02040503050406030204" pitchFamily="18" charset="0"/>
                                 </a:rPr>
-                                <m:t>𝒊</m:t>
+                                <m:t>𝑖</m:t>
                               </m:r>
                               <m:r>
-                                <a:rPr lang="en-US" b="1" i="1">
+                                <a:rPr lang="en-US" b="0" i="1">
                                   <a:latin typeface="Cambria Math" panose="02040503050406030204" pitchFamily="18" charset="0"/>
                                 </a:rPr>
                                 <m:t>,</m:t>
                               </m:r>
                               <m:r>
-                                <a:rPr lang="en-US" b="1" i="1">
+                                <a:rPr lang="en-US" b="0" i="1">
                                   <a:latin typeface="Cambria Math" panose="02040503050406030204" pitchFamily="18" charset="0"/>
                                 </a:rPr>
-                                <m:t>𝒄</m:t>
+                                <m:t>𝑐</m:t>
                               </m:r>
                             </m:sub>
                           </m:sSub>
@@ -10606,29 +10606,29 @@
                           <m:chr m:val="∑"/>
                           <m:supHide m:val="on"/>
                           <m:ctrlPr>
-                            <a:rPr lang="en-US" i="1">
+                            <a:rPr lang="en-US" b="1" i="1">
                               <a:latin typeface="Cambria Math" panose="02040503050406030204" pitchFamily="18" charset="0"/>
                             </a:rPr>
                           </m:ctrlPr>
                         </m:naryPr>
                         <m:sub>
                           <m:r>
-                            <a:rPr lang="en-US" i="1">
+                            <a:rPr lang="en-US" b="1" i="1">
                               <a:latin typeface="Cambria Math" panose="02040503050406030204" pitchFamily="18" charset="0"/>
                             </a:rPr>
-                            <m:t>𝑗</m:t>
+                            <m:t>𝒋</m:t>
                           </m:r>
                           <m:r>
-                            <a:rPr lang="en-US" b="0" i="1" smtClean="0">
+                            <a:rPr lang="en-US" b="1" i="1" smtClean="0">
                               <a:latin typeface="Cambria Math" panose="02040503050406030204" pitchFamily="18" charset="0"/>
                             </a:rPr>
                             <m:t>,</m:t>
                           </m:r>
                           <m:r>
-                            <a:rPr lang="en-US" b="0" i="1" smtClean="0">
+                            <a:rPr lang="en-US" b="1" i="1" smtClean="0">
                               <a:latin typeface="Cambria Math" panose="02040503050406030204" pitchFamily="18" charset="0"/>
                             </a:rPr>
-                            <m:t>𝑠</m:t>
+                            <m:t>𝒔</m:t>
                           </m:r>
                         </m:sub>
                         <m:sup/>
@@ -10636,74 +10636,74 @@
                           <m:sSub>
                             <m:sSubPr>
                               <m:ctrlPr>
-                                <a:rPr lang="en-US" i="1">
+                                <a:rPr lang="en-US" b="1" i="1">
                                   <a:latin typeface="Cambria Math" panose="02040503050406030204" pitchFamily="18" charset="0"/>
                                 </a:rPr>
                               </m:ctrlPr>
                             </m:sSubPr>
                             <m:e>
                               <m:r>
-                                <a:rPr lang="en-US" i="1">
+                                <a:rPr lang="en-US" b="1" i="1">
                                   <a:latin typeface="Cambria Math" panose="02040503050406030204" pitchFamily="18" charset="0"/>
                                 </a:rPr>
-                                <m:t>𝑐</m:t>
+                                <m:t>𝒄</m:t>
                               </m:r>
                             </m:e>
                             <m:sub>
                               <m:r>
-                                <a:rPr lang="en-US" i="1">
+                                <a:rPr lang="en-US" b="1" i="1">
                                   <a:latin typeface="Cambria Math" panose="02040503050406030204" pitchFamily="18" charset="0"/>
                                 </a:rPr>
-                                <m:t>𝑗</m:t>
+                                <m:t>𝒋</m:t>
                               </m:r>
                               <m:r>
-                                <a:rPr lang="en-US" b="0" i="1" smtClean="0">
+                                <a:rPr lang="en-US" b="1" i="1" smtClean="0">
                                   <a:latin typeface="Cambria Math" panose="02040503050406030204" pitchFamily="18" charset="0"/>
                                 </a:rPr>
                                 <m:t>,</m:t>
                               </m:r>
                               <m:r>
-                                <a:rPr lang="en-US" b="0" i="1" smtClean="0">
+                                <a:rPr lang="en-US" b="1" i="1" smtClean="0">
                                   <a:latin typeface="Cambria Math" panose="02040503050406030204" pitchFamily="18" charset="0"/>
                                 </a:rPr>
-                                <m:t>𝑠</m:t>
+                                <m:t>𝒔</m:t>
                               </m:r>
                             </m:sub>
                           </m:sSub>
                           <m:sSub>
                             <m:sSubPr>
                               <m:ctrlPr>
-                                <a:rPr lang="en-US" i="1">
+                                <a:rPr lang="en-US" b="1" i="1">
                                   <a:latin typeface="Cambria Math" panose="02040503050406030204" pitchFamily="18" charset="0"/>
                                 </a:rPr>
                               </m:ctrlPr>
                             </m:sSubPr>
                             <m:e>
                               <m:r>
-                                <a:rPr lang="en-US" i="1">
+                                <a:rPr lang="en-US" b="1" i="1">
                                   <a:latin typeface="Cambria Math" panose="02040503050406030204" pitchFamily="18" charset="0"/>
                                 </a:rPr>
-                                <m:t>𝑌</m:t>
+                                <m:t>𝒀</m:t>
                               </m:r>
                             </m:e>
                             <m:sub>
                               <m:r>
-                                <a:rPr lang="en-US" i="1">
+                                <a:rPr lang="en-US" b="1" i="1">
                                   <a:latin typeface="Cambria Math" panose="02040503050406030204" pitchFamily="18" charset="0"/>
                                 </a:rPr>
-                                <m:t>𝑗</m:t>
+                                <m:t>𝒋</m:t>
                               </m:r>
                               <m:r>
-                                <a:rPr lang="en-US" b="0" i="1" smtClean="0">
+                                <a:rPr lang="en-US" b="1" i="1" smtClean="0">
                                   <a:latin typeface="Cambria Math" panose="02040503050406030204" pitchFamily="18" charset="0"/>
                                 </a:rPr>
                                 <m:t>,</m:t>
                               </m:r>
                               <m:r>
-                                <a:rPr lang="en-US" b="0" i="1" smtClean="0">
+                                <a:rPr lang="en-US" b="1" i="1" smtClean="0">
                                   <a:latin typeface="Cambria Math" panose="02040503050406030204" pitchFamily="18" charset="0"/>
                                 </a:rPr>
-                                <m:t>𝑠</m:t>
+                                <m:t>𝒔</m:t>
                               </m:r>
                             </m:sub>
                           </m:sSub>
@@ -10712,7 +10712,7 @@
                     </m:oMath>
                   </m:oMathPara>
                 </a14:m>
-                <a:endParaRPr lang="en-US" dirty="0"/>
+                <a:endParaRPr lang="en-US" b="1" dirty="0"/>
               </a:p>
               <a:p>
                 <a:pPr marL="0" indent="0">
@@ -10738,120 +10738,6 @@
                           <m:chr m:val="∑"/>
                           <m:supHide m:val="on"/>
                           <m:ctrlPr>
-                            <a:rPr lang="en-US" i="1">
-                              <a:latin typeface="Cambria Math" panose="02040503050406030204" pitchFamily="18" charset="0"/>
-                            </a:rPr>
-                          </m:ctrlPr>
-                        </m:naryPr>
-                        <m:sub>
-                          <m:r>
-                            <a:rPr lang="en-US" i="1">
-                              <a:latin typeface="Cambria Math" panose="02040503050406030204" pitchFamily="18" charset="0"/>
-                            </a:rPr>
-                            <m:t>𝑗</m:t>
-                          </m:r>
-                          <m:r>
-                            <a:rPr lang="en-US" b="0" i="1" smtClean="0">
-                              <a:latin typeface="Cambria Math" panose="02040503050406030204" pitchFamily="18" charset="0"/>
-                            </a:rPr>
-                            <m:t>,</m:t>
-                          </m:r>
-                          <m:r>
-                            <a:rPr lang="en-US" b="0" i="1" smtClean="0">
-                              <a:latin typeface="Cambria Math" panose="02040503050406030204" pitchFamily="18" charset="0"/>
-                            </a:rPr>
-                            <m:t>𝑠</m:t>
-                          </m:r>
-                        </m:sub>
-                        <m:sup/>
-                        <m:e>
-                          <m:sSub>
-                            <m:sSubPr>
-                              <m:ctrlPr>
-                                <a:rPr lang="en-US" i="1">
-                                  <a:latin typeface="Cambria Math" panose="02040503050406030204" pitchFamily="18" charset="0"/>
-                                </a:rPr>
-                              </m:ctrlPr>
-                            </m:sSubPr>
-                            <m:e>
-                              <m:r>
-                                <a:rPr lang="en-US" i="1">
-                                  <a:latin typeface="Cambria Math" panose="02040503050406030204" pitchFamily="18" charset="0"/>
-                                </a:rPr>
-                                <m:t>𝑎</m:t>
-                              </m:r>
-                            </m:e>
-                            <m:sub>
-                              <m:r>
-                                <a:rPr lang="en-US" i="1">
-                                  <a:latin typeface="Cambria Math" panose="02040503050406030204" pitchFamily="18" charset="0"/>
-                                </a:rPr>
-                                <m:t>𝑖</m:t>
-                              </m:r>
-                              <m:r>
-                                <a:rPr lang="en-US" i="1">
-                                  <a:latin typeface="Cambria Math" panose="02040503050406030204" pitchFamily="18" charset="0"/>
-                                </a:rPr>
-                                <m:t>,</m:t>
-                              </m:r>
-                              <m:r>
-                                <a:rPr lang="en-US" i="1">
-                                  <a:latin typeface="Cambria Math" panose="02040503050406030204" pitchFamily="18" charset="0"/>
-                                </a:rPr>
-                                <m:t>𝑗</m:t>
-                              </m:r>
-                            </m:sub>
-                          </m:sSub>
-                          <m:sSub>
-                            <m:sSubPr>
-                              <m:ctrlPr>
-                                <a:rPr lang="en-US" i="1">
-                                  <a:latin typeface="Cambria Math" panose="02040503050406030204" pitchFamily="18" charset="0"/>
-                                </a:rPr>
-                              </m:ctrlPr>
-                            </m:sSubPr>
-                            <m:e>
-                              <m:r>
-                                <a:rPr lang="en-US" i="1">
-                                  <a:latin typeface="Cambria Math" panose="02040503050406030204" pitchFamily="18" charset="0"/>
-                                </a:rPr>
-                                <m:t>𝑌</m:t>
-                              </m:r>
-                            </m:e>
-                            <m:sub>
-                              <m:r>
-                                <a:rPr lang="en-US" i="1">
-                                  <a:latin typeface="Cambria Math" panose="02040503050406030204" pitchFamily="18" charset="0"/>
-                                </a:rPr>
-                                <m:t>𝑗</m:t>
-                              </m:r>
-                              <m:r>
-                                <a:rPr lang="en-US" b="0" i="1" smtClean="0">
-                                  <a:latin typeface="Cambria Math" panose="02040503050406030204" pitchFamily="18" charset="0"/>
-                                </a:rPr>
-                                <m:t>,</m:t>
-                              </m:r>
-                              <m:r>
-                                <a:rPr lang="en-US" b="0" i="1" smtClean="0">
-                                  <a:latin typeface="Cambria Math" panose="02040503050406030204" pitchFamily="18" charset="0"/>
-                                </a:rPr>
-                                <m:t>𝑠</m:t>
-                              </m:r>
-                            </m:sub>
-                          </m:sSub>
-                        </m:e>
-                      </m:nary>
-                      <m:r>
-                        <a:rPr lang="en-US" i="1">
-                          <a:latin typeface="Cambria Math" panose="02040503050406030204" pitchFamily="18" charset="0"/>
-                        </a:rPr>
-                        <m:t>≥</m:t>
-                      </m:r>
-                      <m:nary>
-                        <m:naryPr>
-                          <m:chr m:val="∑"/>
-                          <m:supHide m:val="on"/>
-                          <m:ctrlPr>
                             <a:rPr lang="en-US" b="1" i="1">
                               <a:latin typeface="Cambria Math" panose="02040503050406030204" pitchFamily="18" charset="0"/>
                             </a:rPr>
@@ -10862,7 +10748,19 @@
                             <a:rPr lang="en-US" b="1" i="1">
                               <a:latin typeface="Cambria Math" panose="02040503050406030204" pitchFamily="18" charset="0"/>
                             </a:rPr>
-                            <m:t>𝒄</m:t>
+                            <m:t>𝒋</m:t>
+                          </m:r>
+                          <m:r>
+                            <a:rPr lang="en-US" b="1" i="1" smtClean="0">
+                              <a:latin typeface="Cambria Math" panose="02040503050406030204" pitchFamily="18" charset="0"/>
+                            </a:rPr>
+                            <m:t>,</m:t>
+                          </m:r>
+                          <m:r>
+                            <a:rPr lang="en-US" b="1" i="1" smtClean="0">
+                              <a:latin typeface="Cambria Math" panose="02040503050406030204" pitchFamily="18" charset="0"/>
+                            </a:rPr>
+                            <m:t>𝒔</m:t>
                           </m:r>
                         </m:sub>
                         <m:sup/>
@@ -10880,7 +10778,7 @@
                                 <a:rPr lang="en-US" b="1" i="1">
                                   <a:latin typeface="Cambria Math" panose="02040503050406030204" pitchFamily="18" charset="0"/>
                                 </a:rPr>
-                                <m:t>𝑿</m:t>
+                                <m:t>𝒂</m:t>
                               </m:r>
                             </m:e>
                             <m:sub>
@@ -10900,7 +10798,109 @@
                                 <a:rPr lang="en-US" b="1" i="1">
                                   <a:latin typeface="Cambria Math" panose="02040503050406030204" pitchFamily="18" charset="0"/>
                                 </a:rPr>
-                                <m:t>𝒄</m:t>
+                                <m:t>𝒋</m:t>
+                              </m:r>
+                            </m:sub>
+                          </m:sSub>
+                          <m:sSub>
+                            <m:sSubPr>
+                              <m:ctrlPr>
+                                <a:rPr lang="en-US" b="1" i="1">
+                                  <a:latin typeface="Cambria Math" panose="02040503050406030204" pitchFamily="18" charset="0"/>
+                                </a:rPr>
+                              </m:ctrlPr>
+                            </m:sSubPr>
+                            <m:e>
+                              <m:r>
+                                <a:rPr lang="en-US" b="1" i="1">
+                                  <a:latin typeface="Cambria Math" panose="02040503050406030204" pitchFamily="18" charset="0"/>
+                                </a:rPr>
+                                <m:t>𝒀</m:t>
+                              </m:r>
+                            </m:e>
+                            <m:sub>
+                              <m:r>
+                                <a:rPr lang="en-US" b="1" i="1">
+                                  <a:latin typeface="Cambria Math" panose="02040503050406030204" pitchFamily="18" charset="0"/>
+                                </a:rPr>
+                                <m:t>𝒋</m:t>
+                              </m:r>
+                              <m:r>
+                                <a:rPr lang="en-US" b="1" i="1" smtClean="0">
+                                  <a:latin typeface="Cambria Math" panose="02040503050406030204" pitchFamily="18" charset="0"/>
+                                </a:rPr>
+                                <m:t>,</m:t>
+                              </m:r>
+                              <m:r>
+                                <a:rPr lang="en-US" b="1" i="1" smtClean="0">
+                                  <a:latin typeface="Cambria Math" panose="02040503050406030204" pitchFamily="18" charset="0"/>
+                                </a:rPr>
+                                <m:t>𝒔</m:t>
+                              </m:r>
+                            </m:sub>
+                          </m:sSub>
+                        </m:e>
+                      </m:nary>
+                      <m:r>
+                        <a:rPr lang="en-US" i="1">
+                          <a:latin typeface="Cambria Math" panose="02040503050406030204" pitchFamily="18" charset="0"/>
+                        </a:rPr>
+                        <m:t>≥</m:t>
+                      </m:r>
+                      <m:nary>
+                        <m:naryPr>
+                          <m:chr m:val="∑"/>
+                          <m:supHide m:val="on"/>
+                          <m:ctrlPr>
+                            <a:rPr lang="en-US" i="1">
+                              <a:latin typeface="Cambria Math" panose="02040503050406030204" pitchFamily="18" charset="0"/>
+                            </a:rPr>
+                          </m:ctrlPr>
+                        </m:naryPr>
+                        <m:sub>
+                          <m:r>
+                            <a:rPr lang="en-US" b="0" i="1">
+                              <a:latin typeface="Cambria Math" panose="02040503050406030204" pitchFamily="18" charset="0"/>
+                            </a:rPr>
+                            <m:t>𝑐</m:t>
+                          </m:r>
+                        </m:sub>
+                        <m:sup/>
+                        <m:e>
+                          <m:sSub>
+                            <m:sSubPr>
+                              <m:ctrlPr>
+                                <a:rPr lang="en-US" i="1">
+                                  <a:latin typeface="Cambria Math" panose="02040503050406030204" pitchFamily="18" charset="0"/>
+                                </a:rPr>
+                              </m:ctrlPr>
+                            </m:sSubPr>
+                            <m:e>
+                              <m:r>
+                                <a:rPr lang="en-US" b="0" i="1">
+                                  <a:latin typeface="Cambria Math" panose="02040503050406030204" pitchFamily="18" charset="0"/>
+                                </a:rPr>
+                                <m:t>𝑋</m:t>
+                              </m:r>
+                            </m:e>
+                            <m:sub>
+                              <m:r>
+                                <a:rPr lang="en-US" b="0" i="1">
+                                  <a:latin typeface="Cambria Math" panose="02040503050406030204" pitchFamily="18" charset="0"/>
+                                </a:rPr>
+                                <m:t>𝑖</m:t>
+                              </m:r>
+                              <m:r>
+                                <a:rPr lang="en-US" b="0" i="1">
+                                  <a:latin typeface="Cambria Math" panose="02040503050406030204" pitchFamily="18" charset="0"/>
+                                </a:rPr>
+                                <m:t>,</m:t>
+                              </m:r>
+                              <m:r>
+                                <a:rPr lang="en-US" b="0" i="1">
+                                  <a:latin typeface="Cambria Math" panose="02040503050406030204" pitchFamily="18" charset="0"/>
+                                </a:rPr>
+                                <m:t>𝑐</m:t>
                               </m:r>
                             </m:sub>
                           </m:sSub>
@@ -10945,42 +10945,42 @@
                       <m:sSub>
                         <m:sSubPr>
                           <m:ctrlPr>
-                            <a:rPr lang="en-US" b="0" i="1" smtClean="0">
+                            <a:rPr lang="en-US" b="1" i="1" smtClean="0">
                               <a:latin typeface="Cambria Math" panose="02040503050406030204" pitchFamily="18" charset="0"/>
                             </a:rPr>
                           </m:ctrlPr>
                         </m:sSubPr>
                         <m:e>
                           <m:r>
-                            <a:rPr lang="en-US" b="0" i="1" smtClean="0">
+                            <a:rPr lang="en-US" b="1" i="1" smtClean="0">
                               <a:latin typeface="Cambria Math" panose="02040503050406030204" pitchFamily="18" charset="0"/>
                             </a:rPr>
-                            <m:t>𝑣</m:t>
+                            <m:t>𝒗</m:t>
                           </m:r>
                         </m:e>
                         <m:sub>
                           <m:r>
-                            <a:rPr lang="en-US" b="0" i="1" smtClean="0">
+                            <a:rPr lang="en-US" b="1" i="1" smtClean="0">
                               <a:latin typeface="Cambria Math" panose="02040503050406030204" pitchFamily="18" charset="0"/>
                             </a:rPr>
-                            <m:t>𝑗</m:t>
+                            <m:t>𝒋</m:t>
                           </m:r>
                           <m:r>
-                            <a:rPr lang="en-US" b="0" i="1" smtClean="0">
+                            <a:rPr lang="en-US" b="1" i="1" smtClean="0">
                               <a:latin typeface="Cambria Math" panose="02040503050406030204" pitchFamily="18" charset="0"/>
                             </a:rPr>
                             <m:t>,</m:t>
                           </m:r>
                           <m:r>
-                            <a:rPr lang="en-US" b="0" i="1" smtClean="0">
+                            <a:rPr lang="en-US" b="1" i="1" smtClean="0">
                               <a:latin typeface="Cambria Math" panose="02040503050406030204" pitchFamily="18" charset="0"/>
                             </a:rPr>
-                            <m:t>𝑠</m:t>
+                            <m:t>𝒔</m:t>
                           </m:r>
                         </m:sub>
                       </m:sSub>
                       <m:r>
-                        <a:rPr lang="en-US" b="0" i="1" smtClean="0">
+                        <a:rPr lang="en-US" b="1" i="1" smtClean="0">
                           <a:latin typeface="Cambria Math" panose="02040503050406030204" pitchFamily="18" charset="0"/>
                         </a:rPr>
                         <m:t>≥</m:t>
@@ -10988,68 +10988,68 @@
                       <m:sSub>
                         <m:sSubPr>
                           <m:ctrlPr>
-                            <a:rPr lang="en-US" b="0" i="1" smtClean="0">
+                            <a:rPr lang="en-US" b="1" i="1" smtClean="0">
                               <a:latin typeface="Cambria Math" panose="02040503050406030204" pitchFamily="18" charset="0"/>
                             </a:rPr>
                           </m:ctrlPr>
                         </m:sSubPr>
                         <m:e>
                           <m:r>
-                            <a:rPr lang="en-US" b="0" i="1" smtClean="0">
+                            <a:rPr lang="en-US" b="1" i="1" smtClean="0">
                               <a:latin typeface="Cambria Math" panose="02040503050406030204" pitchFamily="18" charset="0"/>
                             </a:rPr>
-                            <m:t>𝑌</m:t>
+                            <m:t>𝒀</m:t>
                           </m:r>
                         </m:e>
                         <m:sub>
                           <m:r>
-                            <a:rPr lang="en-US" b="0" i="1" smtClean="0">
+                            <a:rPr lang="en-US" b="1" i="1" smtClean="0">
                               <a:latin typeface="Cambria Math" panose="02040503050406030204" pitchFamily="18" charset="0"/>
                             </a:rPr>
-                            <m:t>𝑗</m:t>
+                            <m:t>𝒋</m:t>
                           </m:r>
                           <m:r>
-                            <a:rPr lang="en-US" b="0" i="1" smtClean="0">
+                            <a:rPr lang="en-US" b="1" i="1" smtClean="0">
                               <a:latin typeface="Cambria Math" panose="02040503050406030204" pitchFamily="18" charset="0"/>
                             </a:rPr>
                             <m:t>,</m:t>
                           </m:r>
                           <m:r>
-                            <a:rPr lang="en-US" b="0" i="1" smtClean="0">
+                            <a:rPr lang="en-US" b="1" i="1" smtClean="0">
                               <a:latin typeface="Cambria Math" panose="02040503050406030204" pitchFamily="18" charset="0"/>
                             </a:rPr>
-                            <m:t>𝑠</m:t>
+                            <m:t>𝒔</m:t>
                           </m:r>
                         </m:sub>
                       </m:sSub>
                       <m:r>
-                        <a:rPr lang="en-US" b="0" i="1" smtClean="0">
+                        <a:rPr lang="en-US" b="1" i="1" smtClean="0">
                           <a:latin typeface="Cambria Math" panose="02040503050406030204" pitchFamily="18" charset="0"/>
                         </a:rPr>
                         <m:t> ∀ </m:t>
                       </m:r>
                       <m:r>
-                        <a:rPr lang="en-US" b="0" i="1" smtClean="0">
+                        <a:rPr lang="en-US" b="1" i="1" smtClean="0">
                           <a:latin typeface="Cambria Math" panose="02040503050406030204" pitchFamily="18" charset="0"/>
                         </a:rPr>
-                        <m:t>𝑗</m:t>
+                        <m:t>𝒋</m:t>
                       </m:r>
                       <m:r>
-                        <a:rPr lang="en-US" b="0" i="1" smtClean="0">
+                        <a:rPr lang="en-US" b="1" i="1" smtClean="0">
                           <a:latin typeface="Cambria Math" panose="02040503050406030204" pitchFamily="18" charset="0"/>
                         </a:rPr>
                         <m:t>,</m:t>
                       </m:r>
                       <m:r>
-                        <a:rPr lang="en-US" b="0" i="1" smtClean="0">
+                        <a:rPr lang="en-US" b="1" i="1" smtClean="0">
                           <a:latin typeface="Cambria Math" panose="02040503050406030204" pitchFamily="18" charset="0"/>
                         </a:rPr>
-                        <m:t>𝑠</m:t>
+                        <m:t>𝒔</m:t>
                       </m:r>
                     </m:oMath>
                   </m:oMathPara>
                 </a14:m>
-                <a:endParaRPr lang="en-US" dirty="0"/>
+                <a:endParaRPr lang="en-US" b="1" dirty="0"/>
               </a:p>
               <a:p>
                 <a:pPr marL="0" indent="0">
@@ -11066,7 +11066,7 @@
             </p:txBody>
           </p:sp>
         </mc:Choice>
-        <mc:Fallback>
+        <mc:Fallback xmlns="">
           <p:sp>
             <p:nvSpPr>
               <p:cNvPr id="3" name="Content Placeholder 2">
@@ -11164,8 +11164,8 @@
           </a:p>
         </p:txBody>
       </p:sp>
-      <mc:AlternateContent xmlns:mc="http://schemas.openxmlformats.org/markup-compatibility/2006">
-        <mc:Choice xmlns:a14="http://schemas.microsoft.com/office/drawing/2010/main" Requires="a14">
+      <mc:AlternateContent xmlns:mc="http://schemas.openxmlformats.org/markup-compatibility/2006" xmlns:a14="http://schemas.microsoft.com/office/drawing/2010/main">
+        <mc:Choice Requires="a14">
           <p:sp>
             <p:nvSpPr>
               <p:cNvPr id="3" name="Content Placeholder 2">
@@ -11290,7 +11290,7 @@
             </p:txBody>
           </p:sp>
         </mc:Choice>
-        <mc:Fallback>
+        <mc:Fallback xmlns="">
           <p:sp>
             <p:nvSpPr>
               <p:cNvPr id="3" name="Content Placeholder 2">
@@ -17445,11 +17445,17 @@
           <p:cNvGraphicFramePr>
             <a:graphicFrameLocks noGrp="1"/>
           </p:cNvGraphicFramePr>
-          <p:nvPr/>
+          <p:nvPr>
+            <p:extLst>
+              <p:ext uri="{D42A27DB-BD31-4B8C-83A1-F6EECF244321}">
+                <p14:modId xmlns:p14="http://schemas.microsoft.com/office/powerpoint/2010/main" val="2926801273"/>
+              </p:ext>
+            </p:extLst>
+          </p:nvPr>
         </p:nvGraphicFramePr>
         <p:xfrm>
           <a:off x="640178" y="2724276"/>
-          <a:ext cx="3141710" cy="1580956"/>
+          <a:ext cx="3052933" cy="1580956"/>
         </p:xfrm>
         <a:graphic>
           <a:graphicData uri="http://schemas.openxmlformats.org/drawingml/2006/table">
@@ -17465,7 +17471,7 @@
                     </a:ext>
                   </a:extLst>
                 </a:gridCol>
-                <a:gridCol w="1570855">
+                <a:gridCol w="1482078">
                   <a:extLst>
                     <a:ext uri="{9D8B030D-6E8A-4147-A177-3AD203B41FA5}">
                       <a16:colId xmlns:a16="http://schemas.microsoft.com/office/drawing/2014/main" val="2776596813"/>
@@ -20743,8 +20749,8 @@
           </a:p>
         </p:txBody>
       </p:sp>
-      <mc:AlternateContent xmlns:mc="http://schemas.openxmlformats.org/markup-compatibility/2006" xmlns:a14="http://schemas.microsoft.com/office/drawing/2010/main">
-        <mc:Choice Requires="a14">
+      <mc:AlternateContent xmlns:mc="http://schemas.openxmlformats.org/markup-compatibility/2006">
+        <mc:Choice xmlns:a14="http://schemas.microsoft.com/office/drawing/2010/main" Requires="a14">
           <p:sp>
             <p:nvSpPr>
               <p:cNvPr id="3" name="Content Placeholder 2">
@@ -21287,6 +21293,31 @@
                               </m:r>
                             </m:sub>
                           </m:sSub>
+                          <m:sSub>
+                            <m:sSubPr>
+                              <m:ctrlPr>
+                                <a:rPr lang="en-US" b="0" i="1" dirty="0" smtClean="0">
+                                  <a:latin typeface="Cambria Math" panose="02040503050406030204" pitchFamily="18" charset="0"/>
+                                </a:rPr>
+                              </m:ctrlPr>
+                            </m:sSubPr>
+                            <m:e>
+                              <m:r>
+                                <a:rPr lang="en-US" b="0" i="1" dirty="0" smtClean="0">
+                                  <a:latin typeface="Cambria Math" panose="02040503050406030204" pitchFamily="18" charset="0"/>
+                                </a:rPr>
+                                <m:t>𝑋</m:t>
+                              </m:r>
+                            </m:e>
+                            <m:sub>
+                              <m:r>
+                                <a:rPr lang="en-US" b="0" i="1" dirty="0" smtClean="0">
+                                  <a:latin typeface="Cambria Math" panose="02040503050406030204" pitchFamily="18" charset="0"/>
+                                </a:rPr>
+                                <m:t>𝑖</m:t>
+                              </m:r>
+                            </m:sub>
+                          </m:sSub>
                         </m:e>
                       </m:nary>
                     </m:oMath>
@@ -21560,7 +21591,7 @@
             </p:txBody>
           </p:sp>
         </mc:Choice>
-        <mc:Fallback xmlns="">
+        <mc:Fallback>
           <p:sp>
             <p:nvSpPr>
               <p:cNvPr id="3" name="Content Placeholder 2">
@@ -21667,8 +21698,8 @@
           </a:p>
         </p:txBody>
       </p:sp>
-      <mc:AlternateContent xmlns:mc="http://schemas.openxmlformats.org/markup-compatibility/2006">
-        <mc:Choice xmlns:a14="http://schemas.microsoft.com/office/drawing/2010/main" Requires="a14">
+      <mc:AlternateContent xmlns:mc="http://schemas.openxmlformats.org/markup-compatibility/2006" xmlns:a14="http://schemas.microsoft.com/office/drawing/2010/main">
+        <mc:Choice Requires="a14">
           <p:sp>
             <p:nvSpPr>
               <p:cNvPr id="4" name="Content Placeholder 2">
@@ -21749,7 +21780,13 @@
                               <a:rPr lang="en-US" b="0" i="1" smtClean="0">
                                 <a:latin typeface="Cambria Math" panose="02040503050406030204" pitchFamily="18" charset="0"/>
                               </a:rPr>
-                              <m:t>𝑚𝑖𝑛</m:t>
+                              <m:t>𝑚</m:t>
+                            </m:r>
+                            <m:r>
+                              <a:rPr lang="en-US" b="0" i="1" smtClean="0">
+                                <a:latin typeface="Cambria Math" panose="02040503050406030204" pitchFamily="18" charset="0"/>
+                              </a:rPr>
+                              <m:t>𝑖𝑛</m:t>
                             </m:r>
                           </m:e>
                         </m:mr>
@@ -21993,7 +22030,7 @@
             </p:txBody>
           </p:sp>
         </mc:Choice>
-        <mc:Fallback>
+        <mc:Fallback xmlns="">
           <p:sp>
             <p:nvSpPr>
               <p:cNvPr id="4" name="Content Placeholder 2">
@@ -22100,8 +22137,8 @@
           </a:p>
         </p:txBody>
       </p:sp>
-      <mc:AlternateContent xmlns:mc="http://schemas.openxmlformats.org/markup-compatibility/2006">
-        <mc:Choice xmlns:a14="http://schemas.microsoft.com/office/drawing/2010/main" Requires="a14">
+      <mc:AlternateContent xmlns:mc="http://schemas.openxmlformats.org/markup-compatibility/2006" xmlns:a14="http://schemas.microsoft.com/office/drawing/2010/main">
+        <mc:Choice Requires="a14">
           <p:sp>
             <p:nvSpPr>
               <p:cNvPr id="3" name="Content Placeholder 2">
@@ -22423,7 +22460,7 @@
             </p:txBody>
           </p:sp>
         </mc:Choice>
-        <mc:Fallback>
+        <mc:Fallback xmlns="">
           <p:sp>
             <p:nvSpPr>
               <p:cNvPr id="3" name="Content Placeholder 2">

--- a/ClassSlides/Course3.pptx
+++ b/ClassSlides/Course3.pptx
@@ -13,13 +13,15 @@
     <p:sldId id="293" r:id="rId10"/>
     <p:sldId id="294" r:id="rId11"/>
     <p:sldId id="303" r:id="rId12"/>
-    <p:sldId id="296" r:id="rId13"/>
-    <p:sldId id="297" r:id="rId14"/>
-    <p:sldId id="298" r:id="rId15"/>
-    <p:sldId id="300" r:id="rId16"/>
-    <p:sldId id="301" r:id="rId17"/>
-    <p:sldId id="299" r:id="rId18"/>
-    <p:sldId id="304" r:id="rId19"/>
+    <p:sldId id="306" r:id="rId13"/>
+    <p:sldId id="305" r:id="rId14"/>
+    <p:sldId id="304" r:id="rId15"/>
+    <p:sldId id="296" r:id="rId16"/>
+    <p:sldId id="297" r:id="rId17"/>
+    <p:sldId id="298" r:id="rId18"/>
+    <p:sldId id="300" r:id="rId19"/>
+    <p:sldId id="301" r:id="rId20"/>
+    <p:sldId id="299" r:id="rId21"/>
   </p:sldIdLst>
   <p:sldSz cx="12192000" cy="6858000"/>
   <p:notesSz cx="6858000" cy="9144000"/>
@@ -273,7 +275,7 @@
           <a:p>
             <a:fld id="{74373FD1-1099-4002-89F1-A3B2CFD06407}" type="datetimeFigureOut">
               <a:rPr lang="en-US" smtClean="0"/>
-              <a:t>9/16/2019</a:t>
+              <a:t>9/23/2019</a:t>
             </a:fld>
             <a:endParaRPr lang="en-US"/>
           </a:p>
@@ -471,7 +473,7 @@
           <a:p>
             <a:fld id="{74373FD1-1099-4002-89F1-A3B2CFD06407}" type="datetimeFigureOut">
               <a:rPr lang="en-US" smtClean="0"/>
-              <a:t>9/16/2019</a:t>
+              <a:t>9/23/2019</a:t>
             </a:fld>
             <a:endParaRPr lang="en-US"/>
           </a:p>
@@ -679,7 +681,7 @@
           <a:p>
             <a:fld id="{74373FD1-1099-4002-89F1-A3B2CFD06407}" type="datetimeFigureOut">
               <a:rPr lang="en-US" smtClean="0"/>
-              <a:t>9/16/2019</a:t>
+              <a:t>9/23/2019</a:t>
             </a:fld>
             <a:endParaRPr lang="en-US"/>
           </a:p>
@@ -877,7 +879,7 @@
           <a:p>
             <a:fld id="{74373FD1-1099-4002-89F1-A3B2CFD06407}" type="datetimeFigureOut">
               <a:rPr lang="en-US" smtClean="0"/>
-              <a:t>9/16/2019</a:t>
+              <a:t>9/23/2019</a:t>
             </a:fld>
             <a:endParaRPr lang="en-US"/>
           </a:p>
@@ -1152,7 +1154,7 @@
           <a:p>
             <a:fld id="{74373FD1-1099-4002-89F1-A3B2CFD06407}" type="datetimeFigureOut">
               <a:rPr lang="en-US" smtClean="0"/>
-              <a:t>9/16/2019</a:t>
+              <a:t>9/23/2019</a:t>
             </a:fld>
             <a:endParaRPr lang="en-US"/>
           </a:p>
@@ -1417,7 +1419,7 @@
           <a:p>
             <a:fld id="{74373FD1-1099-4002-89F1-A3B2CFD06407}" type="datetimeFigureOut">
               <a:rPr lang="en-US" smtClean="0"/>
-              <a:t>9/16/2019</a:t>
+              <a:t>9/23/2019</a:t>
             </a:fld>
             <a:endParaRPr lang="en-US"/>
           </a:p>
@@ -1829,7 +1831,7 @@
           <a:p>
             <a:fld id="{74373FD1-1099-4002-89F1-A3B2CFD06407}" type="datetimeFigureOut">
               <a:rPr lang="en-US" smtClean="0"/>
-              <a:t>9/16/2019</a:t>
+              <a:t>9/23/2019</a:t>
             </a:fld>
             <a:endParaRPr lang="en-US"/>
           </a:p>
@@ -1970,7 +1972,7 @@
           <a:p>
             <a:fld id="{74373FD1-1099-4002-89F1-A3B2CFD06407}" type="datetimeFigureOut">
               <a:rPr lang="en-US" smtClean="0"/>
-              <a:t>9/16/2019</a:t>
+              <a:t>9/23/2019</a:t>
             </a:fld>
             <a:endParaRPr lang="en-US"/>
           </a:p>
@@ -2083,7 +2085,7 @@
           <a:p>
             <a:fld id="{74373FD1-1099-4002-89F1-A3B2CFD06407}" type="datetimeFigureOut">
               <a:rPr lang="en-US" smtClean="0"/>
-              <a:t>9/16/2019</a:t>
+              <a:t>9/23/2019</a:t>
             </a:fld>
             <a:endParaRPr lang="en-US"/>
           </a:p>
@@ -2394,7 +2396,7 @@
           <a:p>
             <a:fld id="{74373FD1-1099-4002-89F1-A3B2CFD06407}" type="datetimeFigureOut">
               <a:rPr lang="en-US" smtClean="0"/>
-              <a:t>9/16/2019</a:t>
+              <a:t>9/23/2019</a:t>
             </a:fld>
             <a:endParaRPr lang="en-US"/>
           </a:p>
@@ -2682,7 +2684,7 @@
           <a:p>
             <a:fld id="{74373FD1-1099-4002-89F1-A3B2CFD06407}" type="datetimeFigureOut">
               <a:rPr lang="en-US" smtClean="0"/>
-              <a:t>9/16/2019</a:t>
+              <a:t>9/23/2019</a:t>
             </a:fld>
             <a:endParaRPr lang="en-US"/>
           </a:p>
@@ -2923,7 +2925,7 @@
           <a:p>
             <a:fld id="{74373FD1-1099-4002-89F1-A3B2CFD06407}" type="datetimeFigureOut">
               <a:rPr lang="en-US" smtClean="0"/>
-              <a:t>9/16/2019</a:t>
+              <a:t>9/23/2019</a:t>
             </a:fld>
             <a:endParaRPr lang="en-US"/>
           </a:p>
@@ -3422,6 +3424,736 @@
 </file>
 
 <file path=ppt/slides/slide10.xml><?xml version="1.0" encoding="utf-8"?>
+<p:sld xmlns:a="http://schemas.openxmlformats.org/drawingml/2006/main" xmlns:r="http://schemas.openxmlformats.org/officeDocument/2006/relationships" xmlns:p="http://schemas.openxmlformats.org/presentationml/2006/main">
+  <p:cSld>
+    <p:spTree>
+      <p:nvGrpSpPr>
+        <p:cNvPr id="1" name=""/>
+        <p:cNvGrpSpPr/>
+        <p:nvPr/>
+      </p:nvGrpSpPr>
+      <p:grpSpPr>
+        <a:xfrm>
+          <a:off x="0" y="0"/>
+          <a:ext cx="0" cy="0"/>
+          <a:chOff x="0" y="0"/>
+          <a:chExt cx="0" cy="0"/>
+        </a:xfrm>
+      </p:grpSpPr>
+      <p:sp>
+        <p:nvSpPr>
+          <p:cNvPr id="2" name="Title 1">
+            <a:extLst>
+              <a:ext uri="{FF2B5EF4-FFF2-40B4-BE49-F238E27FC236}">
+                <a16:creationId xmlns:a16="http://schemas.microsoft.com/office/drawing/2014/main" id="{CBE58B5C-0BFD-4DB0-BA55-63FCAB7E88DE}"/>
+              </a:ext>
+            </a:extLst>
+          </p:cNvPr>
+          <p:cNvSpPr>
+            <a:spLocks noGrp="1"/>
+          </p:cNvSpPr>
+          <p:nvPr>
+            <p:ph type="title"/>
+          </p:nvPr>
+        </p:nvSpPr>
+        <p:spPr/>
+        <p:txBody>
+          <a:bodyPr/>
+          <a:lstStyle/>
+          <a:p>
+            <a:r>
+              <a:rPr lang="en-US" dirty="0"/>
+              <a:t>Few requests…</a:t>
+            </a:r>
+          </a:p>
+        </p:txBody>
+      </p:sp>
+      <p:sp>
+        <p:nvSpPr>
+          <p:cNvPr id="3" name="Content Placeholder 2">
+            <a:extLst>
+              <a:ext uri="{FF2B5EF4-FFF2-40B4-BE49-F238E27FC236}">
+                <a16:creationId xmlns:a16="http://schemas.microsoft.com/office/drawing/2014/main" id="{E7B47AF7-66DD-43EC-B54A-F5641A5F8273}"/>
+              </a:ext>
+            </a:extLst>
+          </p:cNvPr>
+          <p:cNvSpPr>
+            <a:spLocks noGrp="1"/>
+          </p:cNvSpPr>
+          <p:nvPr>
+            <p:ph idx="1"/>
+          </p:nvPr>
+        </p:nvSpPr>
+        <p:spPr/>
+        <p:txBody>
+          <a:bodyPr/>
+          <a:lstStyle/>
+          <a:p>
+            <a:pPr marL="514350" indent="-514350">
+              <a:buAutoNum type="arabicPeriod"/>
+            </a:pPr>
+            <a:r>
+              <a:rPr lang="en-US" dirty="0"/>
+              <a:t>Examples of real-world models</a:t>
+            </a:r>
+          </a:p>
+          <a:p>
+            <a:pPr marL="514350" indent="-514350">
+              <a:buAutoNum type="arabicPeriod"/>
+            </a:pPr>
+            <a:r>
+              <a:rPr lang="en-US" dirty="0"/>
+              <a:t>Investment decision-making</a:t>
+            </a:r>
+          </a:p>
+          <a:p>
+            <a:pPr marL="514350" indent="-514350">
+              <a:buAutoNum type="arabicPeriod"/>
+            </a:pPr>
+            <a:r>
+              <a:rPr lang="en-US" i="1" dirty="0"/>
+              <a:t>Slow down – </a:t>
+            </a:r>
+            <a:r>
+              <a:rPr lang="en-US" dirty="0"/>
+              <a:t>review last week’s code</a:t>
+            </a:r>
+          </a:p>
+          <a:p>
+            <a:pPr marL="514350" indent="-514350">
+              <a:buAutoNum type="arabicPeriod"/>
+            </a:pPr>
+            <a:r>
+              <a:rPr lang="en-US" dirty="0"/>
+              <a:t>Reference material:</a:t>
+            </a:r>
+          </a:p>
+          <a:p>
+            <a:pPr marL="457200" lvl="1" indent="0">
+              <a:buNone/>
+            </a:pPr>
+            <a:r>
+              <a:rPr lang="en-US" dirty="0"/>
+              <a:t> GAMS </a:t>
+            </a:r>
+            <a:r>
+              <a:rPr lang="en-US" dirty="0" err="1"/>
+              <a:t>McCarl</a:t>
+            </a:r>
+            <a:r>
+              <a:rPr lang="en-US" dirty="0"/>
+              <a:t> users guide</a:t>
+            </a:r>
+            <a:r>
+              <a:rPr lang="en-US"/>
+              <a:t>:          </a:t>
+            </a:r>
+            <a:r>
+              <a:rPr lang="en-US">
+                <a:hlinkClick r:id="rId2"/>
+              </a:rPr>
+              <a:t>https</a:t>
+            </a:r>
+            <a:r>
+              <a:rPr lang="en-US" dirty="0">
+                <a:hlinkClick r:id="rId2"/>
+              </a:rPr>
+              <a:t>://www.gams.com/fileadmin/community/contrib/doc/mccarlgamsuserguide.pdf</a:t>
+            </a:r>
+            <a:endParaRPr lang="en-US" dirty="0"/>
+          </a:p>
+        </p:txBody>
+      </p:sp>
+    </p:spTree>
+    <p:extLst>
+      <p:ext uri="{BB962C8B-B14F-4D97-AF65-F5344CB8AC3E}">
+        <p14:creationId xmlns:p14="http://schemas.microsoft.com/office/powerpoint/2010/main" val="3656167158"/>
+      </p:ext>
+    </p:extLst>
+  </p:cSld>
+  <p:clrMapOvr>
+    <a:masterClrMapping/>
+  </p:clrMapOvr>
+</p:sld>
+</file>
+
+<file path=ppt/slides/slide11.xml><?xml version="1.0" encoding="utf-8"?>
+<p:sld xmlns:a="http://schemas.openxmlformats.org/drawingml/2006/main" xmlns:r="http://schemas.openxmlformats.org/officeDocument/2006/relationships" xmlns:p="http://schemas.openxmlformats.org/presentationml/2006/main">
+  <p:cSld>
+    <p:spTree>
+      <p:nvGrpSpPr>
+        <p:cNvPr id="1" name=""/>
+        <p:cNvGrpSpPr/>
+        <p:nvPr/>
+      </p:nvGrpSpPr>
+      <p:grpSpPr>
+        <a:xfrm>
+          <a:off x="0" y="0"/>
+          <a:ext cx="0" cy="0"/>
+          <a:chOff x="0" y="0"/>
+          <a:chExt cx="0" cy="0"/>
+        </a:xfrm>
+      </p:grpSpPr>
+      <p:sp>
+        <p:nvSpPr>
+          <p:cNvPr id="2" name="Title 1">
+            <a:extLst>
+              <a:ext uri="{FF2B5EF4-FFF2-40B4-BE49-F238E27FC236}">
+                <a16:creationId xmlns:a16="http://schemas.microsoft.com/office/drawing/2014/main" id="{70755D2E-2F40-4158-B933-618060018116}"/>
+              </a:ext>
+            </a:extLst>
+          </p:cNvPr>
+          <p:cNvSpPr>
+            <a:spLocks noGrp="1"/>
+          </p:cNvSpPr>
+          <p:nvPr>
+            <p:ph type="title"/>
+          </p:nvPr>
+        </p:nvSpPr>
+        <p:spPr/>
+        <p:txBody>
+          <a:bodyPr/>
+          <a:lstStyle/>
+          <a:p>
+            <a:r>
+              <a:rPr lang="en-US" dirty="0"/>
+              <a:t>Next classes…</a:t>
+            </a:r>
+          </a:p>
+        </p:txBody>
+      </p:sp>
+      <p:sp>
+        <p:nvSpPr>
+          <p:cNvPr id="3" name="Content Placeholder 2">
+            <a:extLst>
+              <a:ext uri="{FF2B5EF4-FFF2-40B4-BE49-F238E27FC236}">
+                <a16:creationId xmlns:a16="http://schemas.microsoft.com/office/drawing/2014/main" id="{EC0011D1-8A23-441A-9708-0C51071D547B}"/>
+              </a:ext>
+            </a:extLst>
+          </p:cNvPr>
+          <p:cNvSpPr>
+            <a:spLocks noGrp="1"/>
+          </p:cNvSpPr>
+          <p:nvPr>
+            <p:ph idx="1"/>
+          </p:nvPr>
+        </p:nvSpPr>
+        <p:spPr/>
+        <p:txBody>
+          <a:bodyPr/>
+          <a:lstStyle/>
+          <a:p>
+            <a:r>
+              <a:rPr lang="en-US" dirty="0"/>
+              <a:t>Theory of optimization – can vote on this</a:t>
+            </a:r>
+          </a:p>
+          <a:p>
+            <a:pPr lvl="1"/>
+            <a:r>
+              <a:rPr lang="en-US" dirty="0"/>
+              <a:t>Simplex method (if you’re up to date on matrix algebra)</a:t>
+            </a:r>
+          </a:p>
+          <a:p>
+            <a:pPr lvl="1"/>
+            <a:r>
+              <a:rPr lang="en-US" dirty="0"/>
+              <a:t>Duality</a:t>
+            </a:r>
+          </a:p>
+          <a:p>
+            <a:pPr lvl="1"/>
+            <a:endParaRPr lang="en-US" dirty="0"/>
+          </a:p>
+          <a:p>
+            <a:r>
+              <a:rPr lang="en-US" dirty="0"/>
+              <a:t>Then:</a:t>
+            </a:r>
+          </a:p>
+          <a:p>
+            <a:pPr lvl="1"/>
+            <a:r>
+              <a:rPr lang="en-US" dirty="0"/>
+              <a:t>More GAMS practice // Advanced GAMS features</a:t>
+            </a:r>
+          </a:p>
+          <a:p>
+            <a:pPr lvl="1"/>
+            <a:r>
+              <a:rPr lang="en-US" dirty="0"/>
+              <a:t>Using the command prompt, creating .bat/.</a:t>
+            </a:r>
+            <a:r>
+              <a:rPr lang="en-US" dirty="0" err="1"/>
+              <a:t>sh</a:t>
+            </a:r>
+            <a:r>
+              <a:rPr lang="en-US" dirty="0"/>
+              <a:t> files</a:t>
+            </a:r>
+          </a:p>
+          <a:p>
+            <a:pPr lvl="1"/>
+            <a:r>
+              <a:rPr lang="en-US" dirty="0"/>
+              <a:t>Dealing with outputs in R</a:t>
+            </a:r>
+          </a:p>
+          <a:p>
+            <a:pPr lvl="1"/>
+            <a:r>
+              <a:rPr lang="en-US" dirty="0"/>
+              <a:t>Running scenarios</a:t>
+            </a:r>
+          </a:p>
+        </p:txBody>
+      </p:sp>
+    </p:spTree>
+    <p:extLst>
+      <p:ext uri="{BB962C8B-B14F-4D97-AF65-F5344CB8AC3E}">
+        <p14:creationId xmlns:p14="http://schemas.microsoft.com/office/powerpoint/2010/main" val="4120468620"/>
+      </p:ext>
+    </p:extLst>
+  </p:cSld>
+  <p:clrMapOvr>
+    <a:masterClrMapping/>
+  </p:clrMapOvr>
+</p:sld>
+</file>
+
+<file path=ppt/slides/slide12.xml><?xml version="1.0" encoding="utf-8"?>
+<p:sld xmlns:a="http://schemas.openxmlformats.org/drawingml/2006/main" xmlns:r="http://schemas.openxmlformats.org/officeDocument/2006/relationships" xmlns:p="http://schemas.openxmlformats.org/presentationml/2006/main">
+  <p:cSld>
+    <p:spTree>
+      <p:nvGrpSpPr>
+        <p:cNvPr id="1" name=""/>
+        <p:cNvGrpSpPr/>
+        <p:nvPr/>
+      </p:nvGrpSpPr>
+      <p:grpSpPr>
+        <a:xfrm>
+          <a:off x="0" y="0"/>
+          <a:ext cx="0" cy="0"/>
+          <a:chOff x="0" y="0"/>
+          <a:chExt cx="0" cy="0"/>
+        </a:xfrm>
+      </p:grpSpPr>
+      <p:sp>
+        <p:nvSpPr>
+          <p:cNvPr id="2" name="Title 1">
+            <a:extLst>
+              <a:ext uri="{FF2B5EF4-FFF2-40B4-BE49-F238E27FC236}">
+                <a16:creationId xmlns:a16="http://schemas.microsoft.com/office/drawing/2014/main" id="{DDA5182C-AC9F-4C12-9171-8C834B4B6BE7}"/>
+              </a:ext>
+            </a:extLst>
+          </p:cNvPr>
+          <p:cNvSpPr>
+            <a:spLocks noGrp="1"/>
+          </p:cNvSpPr>
+          <p:nvPr>
+            <p:ph type="title"/>
+          </p:nvPr>
+        </p:nvSpPr>
+        <p:spPr>
+          <a:xfrm>
+            <a:off x="838200" y="418391"/>
+            <a:ext cx="10515600" cy="1325563"/>
+          </a:xfrm>
+        </p:spPr>
+        <p:txBody>
+          <a:bodyPr/>
+          <a:lstStyle/>
+          <a:p>
+            <a:r>
+              <a:rPr lang="en-US" dirty="0"/>
+              <a:t>Now let’s add customers….</a:t>
+            </a:r>
+          </a:p>
+        </p:txBody>
+      </p:sp>
+      <mc:AlternateContent xmlns:mc="http://schemas.openxmlformats.org/markup-compatibility/2006" xmlns:a14="http://schemas.microsoft.com/office/drawing/2010/main">
+        <mc:Choice Requires="a14">
+          <p:sp>
+            <p:nvSpPr>
+              <p:cNvPr id="3" name="Content Placeholder 2">
+                <a:extLst>
+                  <a:ext uri="{FF2B5EF4-FFF2-40B4-BE49-F238E27FC236}">
+                    <a16:creationId xmlns:a16="http://schemas.microsoft.com/office/drawing/2014/main" id="{59512B09-7376-48E9-AB22-473909AB66B4}"/>
+                  </a:ext>
+                </a:extLst>
+              </p:cNvPr>
+              <p:cNvSpPr>
+                <a:spLocks noGrp="1"/>
+              </p:cNvSpPr>
+              <p:nvPr>
+                <p:ph idx="1"/>
+              </p:nvPr>
+            </p:nvSpPr>
+            <p:spPr>
+              <a:xfrm>
+                <a:off x="838200" y="2088271"/>
+                <a:ext cx="10515600" cy="4351338"/>
+              </a:xfrm>
+            </p:spPr>
+            <p:txBody>
+              <a:bodyPr>
+                <a:normAutofit/>
+              </a:bodyPr>
+              <a:lstStyle/>
+              <a:p>
+                <a:r>
+                  <a:rPr lang="en-US" dirty="0"/>
+                  <a:t>New index</a:t>
+                </a:r>
+              </a:p>
+              <a:p>
+                <a:pPr lvl="1"/>
+                <a14:m>
+                  <m:oMath xmlns:m="http://schemas.openxmlformats.org/officeDocument/2006/math">
+                    <m:r>
+                      <a:rPr lang="en-US" b="0" i="1" smtClean="0">
+                        <a:latin typeface="Cambria Math" panose="02040503050406030204" pitchFamily="18" charset="0"/>
+                      </a:rPr>
+                      <m:t>𝑐</m:t>
+                    </m:r>
+                  </m:oMath>
+                </a14:m>
+                <a:r>
+                  <a:rPr lang="en-US" dirty="0"/>
+                  <a:t>: Customers </a:t>
+                </a:r>
+                <a14:m>
+                  <m:oMath xmlns:m="http://schemas.openxmlformats.org/officeDocument/2006/math">
+                    <m:r>
+                      <a:rPr lang="en-US" b="0" i="1" smtClean="0">
+                        <a:latin typeface="Cambria Math" panose="02040503050406030204" pitchFamily="18" charset="0"/>
+                      </a:rPr>
+                      <m:t>∈{1,2,…</m:t>
+                    </m:r>
+                    <m:r>
+                      <a:rPr lang="en-US" b="0" i="1" smtClean="0">
+                        <a:latin typeface="Cambria Math" panose="02040503050406030204" pitchFamily="18" charset="0"/>
+                      </a:rPr>
+                      <m:t>𝐶</m:t>
+                    </m:r>
+                    <m:r>
+                      <a:rPr lang="en-US" b="0" i="1" smtClean="0">
+                        <a:latin typeface="Cambria Math" panose="02040503050406030204" pitchFamily="18" charset="0"/>
+                      </a:rPr>
+                      <m:t>}</m:t>
+                    </m:r>
+                  </m:oMath>
+                </a14:m>
+                <a:endParaRPr lang="en-US" dirty="0"/>
+              </a:p>
+              <a:p>
+                <a:r>
+                  <a:rPr lang="en-US" dirty="0"/>
+                  <a:t>Parameters</a:t>
+                </a:r>
+              </a:p>
+              <a:p>
+                <a:pPr lvl="1"/>
+                <a14:m>
+                  <m:oMath xmlns:m="http://schemas.openxmlformats.org/officeDocument/2006/math">
+                    <m:sSub>
+                      <m:sSubPr>
+                        <m:ctrlPr>
+                          <a:rPr lang="en-US" b="0" i="1" smtClean="0">
+                            <a:latin typeface="Cambria Math" panose="02040503050406030204" pitchFamily="18" charset="0"/>
+                          </a:rPr>
+                        </m:ctrlPr>
+                      </m:sSubPr>
+                      <m:e>
+                        <m:r>
+                          <a:rPr lang="en-US" b="0" i="1" smtClean="0">
+                            <a:latin typeface="Cambria Math" panose="02040503050406030204" pitchFamily="18" charset="0"/>
+                          </a:rPr>
+                          <m:t>𝑝</m:t>
+                        </m:r>
+                      </m:e>
+                      <m:sub>
+                        <m:r>
+                          <a:rPr lang="en-US" b="0" i="1" smtClean="0">
+                            <a:latin typeface="Cambria Math" panose="02040503050406030204" pitchFamily="18" charset="0"/>
+                          </a:rPr>
+                          <m:t>𝑖</m:t>
+                        </m:r>
+                        <m:r>
+                          <a:rPr lang="en-US" b="1" i="1" smtClean="0">
+                            <a:latin typeface="Cambria Math" panose="02040503050406030204" pitchFamily="18" charset="0"/>
+                          </a:rPr>
+                          <m:t>,</m:t>
+                        </m:r>
+                        <m:r>
+                          <a:rPr lang="en-US" b="1" i="1" smtClean="0">
+                            <a:latin typeface="Cambria Math" panose="02040503050406030204" pitchFamily="18" charset="0"/>
+                          </a:rPr>
+                          <m:t>𝒄</m:t>
+                        </m:r>
+                      </m:sub>
+                    </m:sSub>
+                  </m:oMath>
+                </a14:m>
+                <a:r>
+                  <a:rPr lang="en-US" dirty="0"/>
+                  <a:t>: Price of product </a:t>
+                </a:r>
+                <a:r>
+                  <a:rPr lang="en-US" i="1" dirty="0"/>
+                  <a:t>i </a:t>
+                </a:r>
+                <a:r>
+                  <a:rPr lang="en-US" dirty="0"/>
+                  <a:t>that customer </a:t>
+                </a:r>
+                <a:r>
+                  <a:rPr lang="en-US" i="1" dirty="0"/>
+                  <a:t>c</a:t>
+                </a:r>
+                <a:r>
+                  <a:rPr lang="en-US" dirty="0"/>
+                  <a:t> is willing to pay ($ / product)</a:t>
+                </a:r>
+              </a:p>
+              <a:p>
+                <a:pPr lvl="1"/>
+                <a14:m>
+                  <m:oMath xmlns:m="http://schemas.openxmlformats.org/officeDocument/2006/math">
+                    <m:sSub>
+                      <m:sSubPr>
+                        <m:ctrlPr>
+                          <a:rPr lang="en-US" b="0" i="1" smtClean="0">
+                            <a:latin typeface="Cambria Math" panose="02040503050406030204" pitchFamily="18" charset="0"/>
+                          </a:rPr>
+                        </m:ctrlPr>
+                      </m:sSubPr>
+                      <m:e>
+                        <m:r>
+                          <a:rPr lang="en-US" b="0" i="1" smtClean="0">
+                            <a:latin typeface="Cambria Math" panose="02040503050406030204" pitchFamily="18" charset="0"/>
+                          </a:rPr>
+                          <m:t>𝑞</m:t>
+                        </m:r>
+                      </m:e>
+                      <m:sub>
+                        <m:r>
+                          <a:rPr lang="en-US" b="0" i="1" smtClean="0">
+                            <a:latin typeface="Cambria Math" panose="02040503050406030204" pitchFamily="18" charset="0"/>
+                          </a:rPr>
+                          <m:t>𝑖</m:t>
+                        </m:r>
+                        <m:r>
+                          <a:rPr lang="en-US" b="0" i="1" smtClean="0">
+                            <a:latin typeface="Cambria Math" panose="02040503050406030204" pitchFamily="18" charset="0"/>
+                          </a:rPr>
+                          <m:t>,</m:t>
+                        </m:r>
+                        <m:r>
+                          <a:rPr lang="en-US" b="0" i="1" smtClean="0">
+                            <a:latin typeface="Cambria Math" panose="02040503050406030204" pitchFamily="18" charset="0"/>
+                          </a:rPr>
+                          <m:t>𝑐</m:t>
+                        </m:r>
+                      </m:sub>
+                    </m:sSub>
+                  </m:oMath>
+                </a14:m>
+                <a:r>
+                  <a:rPr lang="en-US" dirty="0"/>
+                  <a:t>: Quantity that customer </a:t>
+                </a:r>
+                <a:r>
+                  <a:rPr lang="en-US" i="1" dirty="0"/>
+                  <a:t>c</a:t>
+                </a:r>
+                <a:r>
+                  <a:rPr lang="en-US" dirty="0"/>
+                  <a:t> is willing to buy at price </a:t>
+                </a:r>
+                <a14:m>
+                  <m:oMath xmlns:m="http://schemas.openxmlformats.org/officeDocument/2006/math">
+                    <m:sSub>
+                      <m:sSubPr>
+                        <m:ctrlPr>
+                          <a:rPr lang="en-US" b="0" i="1" smtClean="0">
+                            <a:latin typeface="Cambria Math" panose="02040503050406030204" pitchFamily="18" charset="0"/>
+                          </a:rPr>
+                        </m:ctrlPr>
+                      </m:sSubPr>
+                      <m:e>
+                        <m:r>
+                          <a:rPr lang="en-US" b="0" i="1" smtClean="0">
+                            <a:latin typeface="Cambria Math" panose="02040503050406030204" pitchFamily="18" charset="0"/>
+                          </a:rPr>
+                          <m:t>𝑝</m:t>
+                        </m:r>
+                      </m:e>
+                      <m:sub>
+                        <m:r>
+                          <a:rPr lang="en-US" b="0" i="1" smtClean="0">
+                            <a:latin typeface="Cambria Math" panose="02040503050406030204" pitchFamily="18" charset="0"/>
+                          </a:rPr>
+                          <m:t>𝑖</m:t>
+                        </m:r>
+                        <m:r>
+                          <a:rPr lang="en-US" b="0" i="1" smtClean="0">
+                            <a:latin typeface="Cambria Math" panose="02040503050406030204" pitchFamily="18" charset="0"/>
+                          </a:rPr>
+                          <m:t>,</m:t>
+                        </m:r>
+                        <m:r>
+                          <a:rPr lang="en-US" b="0" i="1" smtClean="0">
+                            <a:latin typeface="Cambria Math" panose="02040503050406030204" pitchFamily="18" charset="0"/>
+                          </a:rPr>
+                          <m:t>𝑐</m:t>
+                        </m:r>
+                      </m:sub>
+                    </m:sSub>
+                  </m:oMath>
+                </a14:m>
+                <a:r>
+                  <a:rPr lang="en-US" dirty="0"/>
+                  <a:t> (products)</a:t>
+                </a:r>
+              </a:p>
+              <a:p>
+                <a:r>
+                  <a:rPr lang="en-US" dirty="0"/>
+                  <a:t>Updated Variable:</a:t>
+                </a:r>
+              </a:p>
+              <a:p>
+                <a:pPr lvl="1"/>
+                <a14:m>
+                  <m:oMath xmlns:m="http://schemas.openxmlformats.org/officeDocument/2006/math">
+                    <m:sSub>
+                      <m:sSubPr>
+                        <m:ctrlPr>
+                          <a:rPr lang="en-US" b="0" i="1" smtClean="0">
+                            <a:latin typeface="Cambria Math" panose="02040503050406030204" pitchFamily="18" charset="0"/>
+                          </a:rPr>
+                        </m:ctrlPr>
+                      </m:sSubPr>
+                      <m:e>
+                        <m:r>
+                          <a:rPr lang="en-US" b="0" i="1" smtClean="0">
+                            <a:latin typeface="Cambria Math" panose="02040503050406030204" pitchFamily="18" charset="0"/>
+                          </a:rPr>
+                          <m:t>𝑋</m:t>
+                        </m:r>
+                      </m:e>
+                      <m:sub>
+                        <m:r>
+                          <a:rPr lang="en-US" b="0" i="1" smtClean="0">
+                            <a:latin typeface="Cambria Math" panose="02040503050406030204" pitchFamily="18" charset="0"/>
+                          </a:rPr>
+                          <m:t>𝑖</m:t>
+                        </m:r>
+                        <m:r>
+                          <a:rPr lang="en-US" b="0" i="1" smtClean="0">
+                            <a:latin typeface="Cambria Math" panose="02040503050406030204" pitchFamily="18" charset="0"/>
+                          </a:rPr>
+                          <m:t>,</m:t>
+                        </m:r>
+                        <m:r>
+                          <a:rPr lang="en-US" b="0" i="1" smtClean="0">
+                            <a:latin typeface="Cambria Math" panose="02040503050406030204" pitchFamily="18" charset="0"/>
+                          </a:rPr>
+                          <m:t>𝑐</m:t>
+                        </m:r>
+                      </m:sub>
+                    </m:sSub>
+                  </m:oMath>
+                </a14:m>
+                <a:r>
+                  <a:rPr lang="en-US" dirty="0"/>
+                  <a:t>: Products of </a:t>
+                </a:r>
+                <a:r>
+                  <a:rPr lang="en-US" i="1" dirty="0"/>
+                  <a:t>i </a:t>
+                </a:r>
+                <a:r>
+                  <a:rPr lang="en-US" dirty="0"/>
+                  <a:t>sold to customer </a:t>
+                </a:r>
+                <a:r>
+                  <a:rPr lang="en-US" i="1" dirty="0"/>
+                  <a:t>c </a:t>
+                </a:r>
+                <a:r>
+                  <a:rPr lang="en-US" dirty="0"/>
+                  <a:t>(products)</a:t>
+                </a:r>
+              </a:p>
+              <a:p>
+                <a:pPr lvl="1"/>
+                <a:endParaRPr lang="en-US" dirty="0"/>
+              </a:p>
+            </p:txBody>
+          </p:sp>
+        </mc:Choice>
+        <mc:Fallback xmlns="">
+          <p:sp>
+            <p:nvSpPr>
+              <p:cNvPr id="3" name="Content Placeholder 2">
+                <a:extLst>
+                  <a:ext uri="{FF2B5EF4-FFF2-40B4-BE49-F238E27FC236}">
+                    <a16:creationId xmlns:a16="http://schemas.microsoft.com/office/drawing/2014/main" id="{59512B09-7376-48E9-AB22-473909AB66B4}"/>
+                  </a:ext>
+                </a:extLst>
+              </p:cNvPr>
+              <p:cNvSpPr>
+                <a:spLocks noGrp="1" noRot="1" noChangeAspect="1" noMove="1" noResize="1" noEditPoints="1" noAdjustHandles="1" noChangeArrowheads="1" noChangeShapeType="1" noTextEdit="1"/>
+              </p:cNvSpPr>
+              <p:nvPr>
+                <p:ph idx="1"/>
+              </p:nvPr>
+            </p:nvSpPr>
+            <p:spPr>
+              <a:xfrm>
+                <a:off x="838200" y="2088271"/>
+                <a:ext cx="10515600" cy="4351338"/>
+              </a:xfrm>
+              <a:blipFill>
+                <a:blip r:embed="rId2"/>
+                <a:stretch>
+                  <a:fillRect l="-1043" t="-2384"/>
+                </a:stretch>
+              </a:blipFill>
+            </p:spPr>
+            <p:txBody>
+              <a:bodyPr/>
+              <a:lstStyle/>
+              <a:p>
+                <a:r>
+                  <a:rPr lang="en-US">
+                    <a:noFill/>
+                  </a:rPr>
+                  <a:t> </a:t>
+                </a:r>
+              </a:p>
+            </p:txBody>
+          </p:sp>
+        </mc:Fallback>
+      </mc:AlternateContent>
+    </p:spTree>
+    <p:extLst>
+      <p:ext uri="{BB962C8B-B14F-4D97-AF65-F5344CB8AC3E}">
+        <p14:creationId xmlns:p14="http://schemas.microsoft.com/office/powerpoint/2010/main" val="1735539068"/>
+      </p:ext>
+    </p:extLst>
+  </p:cSld>
+  <p:clrMapOvr>
+    <a:masterClrMapping/>
+  </p:clrMapOvr>
+</p:sld>
+</file>
+
+<file path=ppt/slides/slide13.xml><?xml version="1.0" encoding="utf-8"?>
 <p:sld xmlns:a="http://schemas.openxmlformats.org/drawingml/2006/main" xmlns:r="http://schemas.openxmlformats.org/officeDocument/2006/relationships" xmlns:p="http://schemas.openxmlformats.org/presentationml/2006/main">
   <p:cSld>
     <p:spTree>
@@ -4177,7 +4909,7 @@
 </p:sld>
 </file>
 
-<file path=ppt/slides/slide11.xml><?xml version="1.0" encoding="utf-8"?>
+<file path=ppt/slides/slide14.xml><?xml version="1.0" encoding="utf-8"?>
 <p:sld xmlns:a="http://schemas.openxmlformats.org/drawingml/2006/main" xmlns:r="http://schemas.openxmlformats.org/officeDocument/2006/relationships" xmlns:p="http://schemas.openxmlformats.org/presentationml/2006/main">
   <p:cSld>
     <p:spTree>
@@ -9912,7 +10644,7 @@
 </p:sld>
 </file>
 
-<file path=ppt/slides/slide12.xml><?xml version="1.0" encoding="utf-8"?>
+<file path=ppt/slides/slide15.xml><?xml version="1.0" encoding="utf-8"?>
 <p:sld xmlns:a="http://schemas.openxmlformats.org/drawingml/2006/main" xmlns:r="http://schemas.openxmlformats.org/officeDocument/2006/relationships" xmlns:p="http://schemas.openxmlformats.org/presentationml/2006/main">
   <p:cSld>
     <p:spTree>
@@ -10305,7 +11037,7 @@
 </p:sld>
 </file>
 
-<file path=ppt/slides/slide13.xml><?xml version="1.0" encoding="utf-8"?>
+<file path=ppt/slides/slide16.xml><?xml version="1.0" encoding="utf-8"?>
 <p:sld xmlns:a="http://schemas.openxmlformats.org/drawingml/2006/main" xmlns:r="http://schemas.openxmlformats.org/officeDocument/2006/relationships" xmlns:p="http://schemas.openxmlformats.org/presentationml/2006/main">
   <p:cSld>
     <p:spTree>
@@ -11119,7 +11851,7 @@
 </p:sld>
 </file>
 
-<file path=ppt/slides/slide14.xml><?xml version="1.0" encoding="utf-8"?>
+<file path=ppt/slides/slide17.xml><?xml version="1.0" encoding="utf-8"?>
 <p:sld xmlns:a="http://schemas.openxmlformats.org/drawingml/2006/main" xmlns:r="http://schemas.openxmlformats.org/officeDocument/2006/relationships" xmlns:p="http://schemas.openxmlformats.org/presentationml/2006/main">
   <p:cSld>
     <p:spTree>
@@ -16842,152 +17574,6 @@
     <p:extLst>
       <p:ext uri="{BB962C8B-B14F-4D97-AF65-F5344CB8AC3E}">
         <p14:creationId xmlns:p14="http://schemas.microsoft.com/office/powerpoint/2010/main" val="3785276960"/>
-      </p:ext>
-    </p:extLst>
-  </p:cSld>
-  <p:clrMapOvr>
-    <a:masterClrMapping/>
-  </p:clrMapOvr>
-</p:sld>
-</file>
-
-<file path=ppt/slides/slide15.xml><?xml version="1.0" encoding="utf-8"?>
-<p:sld xmlns:a="http://schemas.openxmlformats.org/drawingml/2006/main" xmlns:r="http://schemas.openxmlformats.org/officeDocument/2006/relationships" xmlns:p="http://schemas.openxmlformats.org/presentationml/2006/main">
-  <p:cSld>
-    <p:spTree>
-      <p:nvGrpSpPr>
-        <p:cNvPr id="1" name=""/>
-        <p:cNvGrpSpPr/>
-        <p:nvPr/>
-      </p:nvGrpSpPr>
-      <p:grpSpPr>
-        <a:xfrm>
-          <a:off x="0" y="0"/>
-          <a:ext cx="0" cy="0"/>
-          <a:chOff x="0" y="0"/>
-          <a:chExt cx="0" cy="0"/>
-        </a:xfrm>
-      </p:grpSpPr>
-      <p:sp>
-        <p:nvSpPr>
-          <p:cNvPr id="2" name="Title 1">
-            <a:extLst>
-              <a:ext uri="{FF2B5EF4-FFF2-40B4-BE49-F238E27FC236}">
-                <a16:creationId xmlns:a16="http://schemas.microsoft.com/office/drawing/2014/main" id="{70755D2E-2F40-4158-B933-618060018116}"/>
-              </a:ext>
-            </a:extLst>
-          </p:cNvPr>
-          <p:cNvSpPr>
-            <a:spLocks noGrp="1"/>
-          </p:cNvSpPr>
-          <p:nvPr>
-            <p:ph type="title"/>
-          </p:nvPr>
-        </p:nvSpPr>
-        <p:spPr/>
-        <p:txBody>
-          <a:bodyPr/>
-          <a:lstStyle/>
-          <a:p>
-            <a:r>
-              <a:rPr lang="en-US" dirty="0"/>
-              <a:t>Next classes…</a:t>
-            </a:r>
-          </a:p>
-        </p:txBody>
-      </p:sp>
-      <p:sp>
-        <p:nvSpPr>
-          <p:cNvPr id="3" name="Content Placeholder 2">
-            <a:extLst>
-              <a:ext uri="{FF2B5EF4-FFF2-40B4-BE49-F238E27FC236}">
-                <a16:creationId xmlns:a16="http://schemas.microsoft.com/office/drawing/2014/main" id="{EC0011D1-8A23-441A-9708-0C51071D547B}"/>
-              </a:ext>
-            </a:extLst>
-          </p:cNvPr>
-          <p:cNvSpPr>
-            <a:spLocks noGrp="1"/>
-          </p:cNvSpPr>
-          <p:nvPr>
-            <p:ph idx="1"/>
-          </p:nvPr>
-        </p:nvSpPr>
-        <p:spPr/>
-        <p:txBody>
-          <a:bodyPr/>
-          <a:lstStyle/>
-          <a:p>
-            <a:r>
-              <a:rPr lang="en-US" dirty="0"/>
-              <a:t>Theory of optimization – can vote on this</a:t>
-            </a:r>
-          </a:p>
-          <a:p>
-            <a:pPr lvl="1"/>
-            <a:r>
-              <a:rPr lang="en-US" dirty="0"/>
-              <a:t>Simplex method (if you’re up to date on matrix algebra)</a:t>
-            </a:r>
-          </a:p>
-          <a:p>
-            <a:pPr lvl="1"/>
-            <a:r>
-              <a:rPr lang="en-US" dirty="0"/>
-              <a:t>Duality</a:t>
-            </a:r>
-          </a:p>
-          <a:p>
-            <a:pPr lvl="1"/>
-            <a:endParaRPr lang="en-US" dirty="0"/>
-          </a:p>
-          <a:p>
-            <a:r>
-              <a:rPr lang="en-US" dirty="0"/>
-              <a:t>Then:</a:t>
-            </a:r>
-          </a:p>
-          <a:p>
-            <a:pPr lvl="1"/>
-            <a:r>
-              <a:rPr lang="en-US" dirty="0"/>
-              <a:t>More GAMS practice // Advanced GAMS features</a:t>
-            </a:r>
-          </a:p>
-          <a:p>
-            <a:pPr lvl="1"/>
-            <a:r>
-              <a:rPr lang="en-US" dirty="0"/>
-              <a:t>Using the command prompt, creating .bat/.</a:t>
-            </a:r>
-            <a:r>
-              <a:rPr lang="en-US" dirty="0" err="1"/>
-              <a:t>sh</a:t>
-            </a:r>
-            <a:r>
-              <a:rPr lang="en-US" dirty="0"/>
-              <a:t> files</a:t>
-            </a:r>
-          </a:p>
-          <a:p>
-            <a:pPr lvl="1"/>
-            <a:r>
-              <a:rPr lang="en-US" dirty="0"/>
-              <a:t>Dealing with outputs in R</a:t>
-            </a:r>
-          </a:p>
-          <a:p>
-            <a:pPr lvl="1"/>
-            <a:r>
-              <a:rPr lang="en-US" dirty="0"/>
-              <a:t>Running scenarios</a:t>
-            </a:r>
-          </a:p>
-        </p:txBody>
-      </p:sp>
-    </p:spTree>
-    <p:extLst>
-      <p:ext uri="{BB962C8B-B14F-4D97-AF65-F5344CB8AC3E}">
-        <p14:creationId xmlns:p14="http://schemas.microsoft.com/office/powerpoint/2010/main" val="4120468620"/>
       </p:ext>
     </p:extLst>
   </p:cSld>
@@ -20749,8 +21335,8 @@
           </a:p>
         </p:txBody>
       </p:sp>
-      <mc:AlternateContent xmlns:mc="http://schemas.openxmlformats.org/markup-compatibility/2006">
-        <mc:Choice xmlns:a14="http://schemas.microsoft.com/office/drawing/2010/main" Requires="a14">
+      <mc:AlternateContent xmlns:mc="http://schemas.openxmlformats.org/markup-compatibility/2006" xmlns:a14="http://schemas.microsoft.com/office/drawing/2010/main">
+        <mc:Choice Requires="a14">
           <p:sp>
             <p:nvSpPr>
               <p:cNvPr id="3" name="Content Placeholder 2">
@@ -21591,7 +22177,7 @@
             </p:txBody>
           </p:sp>
         </mc:Choice>
-        <mc:Fallback>
+        <mc:Fallback xmlns="">
           <p:sp>
             <p:nvSpPr>
               <p:cNvPr id="3" name="Content Placeholder 2">
@@ -22106,10 +22692,10 @@
       </p:grpSpPr>
       <p:sp>
         <p:nvSpPr>
-          <p:cNvPr id="2" name="Title 1">
+          <p:cNvPr id="3" name="Content Placeholder 2">
             <a:extLst>
               <a:ext uri="{FF2B5EF4-FFF2-40B4-BE49-F238E27FC236}">
-                <a16:creationId xmlns:a16="http://schemas.microsoft.com/office/drawing/2014/main" id="{DDA5182C-AC9F-4C12-9171-8C834B4B6BE7}"/>
+                <a16:creationId xmlns:a16="http://schemas.microsoft.com/office/drawing/2014/main" id="{30F96091-77D4-4AD4-A1D4-00D46DF6FFDF}"/>
               </a:ext>
             </a:extLst>
           </p:cNvPr>
@@ -22117,397 +22703,54 @@
             <a:spLocks noGrp="1"/>
           </p:cNvSpPr>
           <p:nvPr>
-            <p:ph type="title"/>
+            <p:ph idx="1"/>
           </p:nvPr>
         </p:nvSpPr>
-        <p:spPr>
-          <a:xfrm>
-            <a:off x="838200" y="418391"/>
-            <a:ext cx="10515600" cy="1325563"/>
-          </a:xfrm>
-        </p:spPr>
+        <p:spPr/>
         <p:txBody>
-          <a:bodyPr/>
+          <a:bodyPr>
+            <a:normAutofit/>
+          </a:bodyPr>
           <a:lstStyle/>
+          <a:p>
+            <a:endParaRPr lang="en-US" dirty="0"/>
+          </a:p>
           <a:p>
             <a:r>
               <a:rPr lang="en-US" dirty="0"/>
-              <a:t>Now let’s add customers….</a:t>
+              <a:t>End 9/16/19</a:t>
+            </a:r>
+          </a:p>
+          <a:p>
+            <a:endParaRPr lang="en-US" dirty="0"/>
+          </a:p>
+          <a:p>
+            <a:r>
+              <a:rPr lang="en-US" dirty="0"/>
+              <a:t>Begin 9/23/19</a:t>
+            </a:r>
+          </a:p>
+          <a:p>
+            <a:endParaRPr lang="en-US" dirty="0"/>
+          </a:p>
+          <a:p>
+            <a:r>
+              <a:rPr lang="en-US" dirty="0"/>
+              <a:t>Homework 1 due ASAP</a:t>
+            </a:r>
+          </a:p>
+          <a:p>
+            <a:r>
+              <a:rPr lang="en-US" dirty="0"/>
+              <a:t>Homework 3 due 9/29/19</a:t>
             </a:r>
           </a:p>
         </p:txBody>
       </p:sp>
-      <mc:AlternateContent xmlns:mc="http://schemas.openxmlformats.org/markup-compatibility/2006" xmlns:a14="http://schemas.microsoft.com/office/drawing/2010/main">
-        <mc:Choice Requires="a14">
-          <p:sp>
-            <p:nvSpPr>
-              <p:cNvPr id="3" name="Content Placeholder 2">
-                <a:extLst>
-                  <a:ext uri="{FF2B5EF4-FFF2-40B4-BE49-F238E27FC236}">
-                    <a16:creationId xmlns:a16="http://schemas.microsoft.com/office/drawing/2014/main" id="{59512B09-7376-48E9-AB22-473909AB66B4}"/>
-                  </a:ext>
-                </a:extLst>
-              </p:cNvPr>
-              <p:cNvSpPr>
-                <a:spLocks noGrp="1"/>
-              </p:cNvSpPr>
-              <p:nvPr>
-                <p:ph idx="1"/>
-              </p:nvPr>
-            </p:nvSpPr>
-            <p:spPr>
-              <a:xfrm>
-                <a:off x="838200" y="2088271"/>
-                <a:ext cx="10515600" cy="4351338"/>
-              </a:xfrm>
-            </p:spPr>
-            <p:txBody>
-              <a:bodyPr>
-                <a:normAutofit/>
-              </a:bodyPr>
-              <a:lstStyle/>
-              <a:p>
-                <a:r>
-                  <a:rPr lang="en-US" dirty="0"/>
-                  <a:t>New index</a:t>
-                </a:r>
-              </a:p>
-              <a:p>
-                <a:pPr lvl="1"/>
-                <a14:m>
-                  <m:oMath xmlns:m="http://schemas.openxmlformats.org/officeDocument/2006/math">
-                    <m:r>
-                      <a:rPr lang="en-US" b="0" i="1" smtClean="0">
-                        <a:latin typeface="Cambria Math" panose="02040503050406030204" pitchFamily="18" charset="0"/>
-                      </a:rPr>
-                      <m:t>𝑐</m:t>
-                    </m:r>
-                  </m:oMath>
-                </a14:m>
-                <a:r>
-                  <a:rPr lang="en-US" dirty="0"/>
-                  <a:t>: Customers </a:t>
-                </a:r>
-                <a14:m>
-                  <m:oMath xmlns:m="http://schemas.openxmlformats.org/officeDocument/2006/math">
-                    <m:r>
-                      <a:rPr lang="en-US" b="0" i="1" smtClean="0">
-                        <a:latin typeface="Cambria Math" panose="02040503050406030204" pitchFamily="18" charset="0"/>
-                      </a:rPr>
-                      <m:t>∈{1,2,…</m:t>
-                    </m:r>
-                    <m:r>
-                      <a:rPr lang="en-US" b="0" i="1" smtClean="0">
-                        <a:latin typeface="Cambria Math" panose="02040503050406030204" pitchFamily="18" charset="0"/>
-                      </a:rPr>
-                      <m:t>𝐶</m:t>
-                    </m:r>
-                    <m:r>
-                      <a:rPr lang="en-US" b="0" i="1" smtClean="0">
-                        <a:latin typeface="Cambria Math" panose="02040503050406030204" pitchFamily="18" charset="0"/>
-                      </a:rPr>
-                      <m:t>}</m:t>
-                    </m:r>
-                  </m:oMath>
-                </a14:m>
-                <a:endParaRPr lang="en-US" dirty="0"/>
-              </a:p>
-              <a:p>
-                <a:r>
-                  <a:rPr lang="en-US" dirty="0"/>
-                  <a:t>Parameters</a:t>
-                </a:r>
-              </a:p>
-              <a:p>
-                <a:pPr lvl="1"/>
-                <a14:m>
-                  <m:oMath xmlns:m="http://schemas.openxmlformats.org/officeDocument/2006/math">
-                    <m:sSub>
-                      <m:sSubPr>
-                        <m:ctrlPr>
-                          <a:rPr lang="en-US" b="0" i="1" smtClean="0">
-                            <a:latin typeface="Cambria Math" panose="02040503050406030204" pitchFamily="18" charset="0"/>
-                          </a:rPr>
-                        </m:ctrlPr>
-                      </m:sSubPr>
-                      <m:e>
-                        <m:r>
-                          <a:rPr lang="en-US" b="0" i="1" smtClean="0">
-                            <a:latin typeface="Cambria Math" panose="02040503050406030204" pitchFamily="18" charset="0"/>
-                          </a:rPr>
-                          <m:t>𝑝</m:t>
-                        </m:r>
-                      </m:e>
-                      <m:sub>
-                        <m:r>
-                          <a:rPr lang="en-US" b="0" i="1" smtClean="0">
-                            <a:latin typeface="Cambria Math" panose="02040503050406030204" pitchFamily="18" charset="0"/>
-                          </a:rPr>
-                          <m:t>𝑖</m:t>
-                        </m:r>
-                        <m:r>
-                          <a:rPr lang="en-US" b="1" i="1" smtClean="0">
-                            <a:latin typeface="Cambria Math" panose="02040503050406030204" pitchFamily="18" charset="0"/>
-                          </a:rPr>
-                          <m:t>,</m:t>
-                        </m:r>
-                        <m:r>
-                          <a:rPr lang="en-US" b="1" i="1" smtClean="0">
-                            <a:latin typeface="Cambria Math" panose="02040503050406030204" pitchFamily="18" charset="0"/>
-                          </a:rPr>
-                          <m:t>𝒄</m:t>
-                        </m:r>
-                      </m:sub>
-                    </m:sSub>
-                  </m:oMath>
-                </a14:m>
-                <a:r>
-                  <a:rPr lang="en-US" dirty="0"/>
-                  <a:t>: Price of product </a:t>
-                </a:r>
-                <a:r>
-                  <a:rPr lang="en-US" i="1" dirty="0"/>
-                  <a:t>i </a:t>
-                </a:r>
-                <a:r>
-                  <a:rPr lang="en-US" dirty="0"/>
-                  <a:t>that customer </a:t>
-                </a:r>
-                <a:r>
-                  <a:rPr lang="en-US" i="1" dirty="0"/>
-                  <a:t>c</a:t>
-                </a:r>
-                <a:r>
-                  <a:rPr lang="en-US" dirty="0"/>
-                  <a:t> is willing to pay ($ / product)</a:t>
-                </a:r>
-              </a:p>
-              <a:p>
-                <a:pPr lvl="1"/>
-                <a14:m>
-                  <m:oMath xmlns:m="http://schemas.openxmlformats.org/officeDocument/2006/math">
-                    <m:sSub>
-                      <m:sSubPr>
-                        <m:ctrlPr>
-                          <a:rPr lang="en-US" b="0" i="1" smtClean="0">
-                            <a:latin typeface="Cambria Math" panose="02040503050406030204" pitchFamily="18" charset="0"/>
-                          </a:rPr>
-                        </m:ctrlPr>
-                      </m:sSubPr>
-                      <m:e>
-                        <m:r>
-                          <a:rPr lang="en-US" b="0" i="1" smtClean="0">
-                            <a:latin typeface="Cambria Math" panose="02040503050406030204" pitchFamily="18" charset="0"/>
-                          </a:rPr>
-                          <m:t>𝑞</m:t>
-                        </m:r>
-                      </m:e>
-                      <m:sub>
-                        <m:r>
-                          <a:rPr lang="en-US" b="0" i="1" smtClean="0">
-                            <a:latin typeface="Cambria Math" panose="02040503050406030204" pitchFamily="18" charset="0"/>
-                          </a:rPr>
-                          <m:t>𝑖</m:t>
-                        </m:r>
-                        <m:r>
-                          <a:rPr lang="en-US" b="0" i="1" smtClean="0">
-                            <a:latin typeface="Cambria Math" panose="02040503050406030204" pitchFamily="18" charset="0"/>
-                          </a:rPr>
-                          <m:t>,</m:t>
-                        </m:r>
-                        <m:r>
-                          <a:rPr lang="en-US" b="0" i="1" smtClean="0">
-                            <a:latin typeface="Cambria Math" panose="02040503050406030204" pitchFamily="18" charset="0"/>
-                          </a:rPr>
-                          <m:t>𝑐</m:t>
-                        </m:r>
-                      </m:sub>
-                    </m:sSub>
-                  </m:oMath>
-                </a14:m>
-                <a:r>
-                  <a:rPr lang="en-US" dirty="0"/>
-                  <a:t>: Quantity that customer </a:t>
-                </a:r>
-                <a:r>
-                  <a:rPr lang="en-US" i="1" dirty="0"/>
-                  <a:t>c</a:t>
-                </a:r>
-                <a:r>
-                  <a:rPr lang="en-US" dirty="0"/>
-                  <a:t> is willing to buy at price </a:t>
-                </a:r>
-                <a14:m>
-                  <m:oMath xmlns:m="http://schemas.openxmlformats.org/officeDocument/2006/math">
-                    <m:sSub>
-                      <m:sSubPr>
-                        <m:ctrlPr>
-                          <a:rPr lang="en-US" b="0" i="1" smtClean="0">
-                            <a:latin typeface="Cambria Math" panose="02040503050406030204" pitchFamily="18" charset="0"/>
-                          </a:rPr>
-                        </m:ctrlPr>
-                      </m:sSubPr>
-                      <m:e>
-                        <m:r>
-                          <a:rPr lang="en-US" b="0" i="1" smtClean="0">
-                            <a:latin typeface="Cambria Math" panose="02040503050406030204" pitchFamily="18" charset="0"/>
-                          </a:rPr>
-                          <m:t>𝑝</m:t>
-                        </m:r>
-                      </m:e>
-                      <m:sub>
-                        <m:r>
-                          <a:rPr lang="en-US" b="0" i="1" smtClean="0">
-                            <a:latin typeface="Cambria Math" panose="02040503050406030204" pitchFamily="18" charset="0"/>
-                          </a:rPr>
-                          <m:t>𝑖</m:t>
-                        </m:r>
-                        <m:r>
-                          <a:rPr lang="en-US" b="0" i="1" smtClean="0">
-                            <a:latin typeface="Cambria Math" panose="02040503050406030204" pitchFamily="18" charset="0"/>
-                          </a:rPr>
-                          <m:t>,</m:t>
-                        </m:r>
-                        <m:r>
-                          <a:rPr lang="en-US" b="0" i="1" smtClean="0">
-                            <a:latin typeface="Cambria Math" panose="02040503050406030204" pitchFamily="18" charset="0"/>
-                          </a:rPr>
-                          <m:t>𝑐</m:t>
-                        </m:r>
-                      </m:sub>
-                    </m:sSub>
-                  </m:oMath>
-                </a14:m>
-                <a:r>
-                  <a:rPr lang="en-US" dirty="0"/>
-                  <a:t> (products)</a:t>
-                </a:r>
-              </a:p>
-              <a:p>
-                <a:r>
-                  <a:rPr lang="en-US" dirty="0"/>
-                  <a:t>Updated Variable:</a:t>
-                </a:r>
-              </a:p>
-              <a:p>
-                <a:pPr lvl="1"/>
-                <a14:m>
-                  <m:oMath xmlns:m="http://schemas.openxmlformats.org/officeDocument/2006/math">
-                    <m:sSub>
-                      <m:sSubPr>
-                        <m:ctrlPr>
-                          <a:rPr lang="en-US" b="0" i="1" smtClean="0">
-                            <a:latin typeface="Cambria Math" panose="02040503050406030204" pitchFamily="18" charset="0"/>
-                          </a:rPr>
-                        </m:ctrlPr>
-                      </m:sSubPr>
-                      <m:e>
-                        <m:r>
-                          <a:rPr lang="en-US" b="0" i="1" smtClean="0">
-                            <a:latin typeface="Cambria Math" panose="02040503050406030204" pitchFamily="18" charset="0"/>
-                          </a:rPr>
-                          <m:t>𝑋</m:t>
-                        </m:r>
-                      </m:e>
-                      <m:sub>
-                        <m:r>
-                          <a:rPr lang="en-US" b="0" i="1" smtClean="0">
-                            <a:latin typeface="Cambria Math" panose="02040503050406030204" pitchFamily="18" charset="0"/>
-                          </a:rPr>
-                          <m:t>𝑖</m:t>
-                        </m:r>
-                        <m:r>
-                          <a:rPr lang="en-US" b="0" i="1" smtClean="0">
-                            <a:latin typeface="Cambria Math" panose="02040503050406030204" pitchFamily="18" charset="0"/>
-                          </a:rPr>
-                          <m:t>,</m:t>
-                        </m:r>
-                        <m:r>
-                          <a:rPr lang="en-US" b="0" i="1" smtClean="0">
-                            <a:latin typeface="Cambria Math" panose="02040503050406030204" pitchFamily="18" charset="0"/>
-                          </a:rPr>
-                          <m:t>𝑐</m:t>
-                        </m:r>
-                      </m:sub>
-                    </m:sSub>
-                  </m:oMath>
-                </a14:m>
-                <a:r>
-                  <a:rPr lang="en-US" dirty="0"/>
-                  <a:t>: Products of </a:t>
-                </a:r>
-                <a:r>
-                  <a:rPr lang="en-US" i="1" dirty="0"/>
-                  <a:t>i </a:t>
-                </a:r>
-                <a:r>
-                  <a:rPr lang="en-US" dirty="0"/>
-                  <a:t>sold to customer </a:t>
-                </a:r>
-                <a:r>
-                  <a:rPr lang="en-US" i="1" dirty="0"/>
-                  <a:t>c </a:t>
-                </a:r>
-                <a:r>
-                  <a:rPr lang="en-US" dirty="0"/>
-                  <a:t>(products)</a:t>
-                </a:r>
-              </a:p>
-              <a:p>
-                <a:pPr lvl="1"/>
-                <a:endParaRPr lang="en-US" dirty="0"/>
-              </a:p>
-            </p:txBody>
-          </p:sp>
-        </mc:Choice>
-        <mc:Fallback xmlns="">
-          <p:sp>
-            <p:nvSpPr>
-              <p:cNvPr id="3" name="Content Placeholder 2">
-                <a:extLst>
-                  <a:ext uri="{FF2B5EF4-FFF2-40B4-BE49-F238E27FC236}">
-                    <a16:creationId xmlns:a16="http://schemas.microsoft.com/office/drawing/2014/main" id="{59512B09-7376-48E9-AB22-473909AB66B4}"/>
-                  </a:ext>
-                </a:extLst>
-              </p:cNvPr>
-              <p:cNvSpPr>
-                <a:spLocks noGrp="1" noRot="1" noChangeAspect="1" noMove="1" noResize="1" noEditPoints="1" noAdjustHandles="1" noChangeArrowheads="1" noChangeShapeType="1" noTextEdit="1"/>
-              </p:cNvSpPr>
-              <p:nvPr>
-                <p:ph idx="1"/>
-              </p:nvPr>
-            </p:nvSpPr>
-            <p:spPr>
-              <a:xfrm>
-                <a:off x="838200" y="2088271"/>
-                <a:ext cx="10515600" cy="4351338"/>
-              </a:xfrm>
-              <a:blipFill>
-                <a:blip r:embed="rId2"/>
-                <a:stretch>
-                  <a:fillRect l="-1043" t="-2384"/>
-                </a:stretch>
-              </a:blipFill>
-            </p:spPr>
-            <p:txBody>
-              <a:bodyPr/>
-              <a:lstStyle/>
-              <a:p>
-                <a:r>
-                  <a:rPr lang="en-US">
-                    <a:noFill/>
-                  </a:rPr>
-                  <a:t> </a:t>
-                </a:r>
-              </a:p>
-            </p:txBody>
-          </p:sp>
-        </mc:Fallback>
-      </mc:AlternateContent>
     </p:spTree>
     <p:extLst>
       <p:ext uri="{BB962C8B-B14F-4D97-AF65-F5344CB8AC3E}">
-        <p14:creationId xmlns:p14="http://schemas.microsoft.com/office/powerpoint/2010/main" val="1735539068"/>
+        <p14:creationId xmlns:p14="http://schemas.microsoft.com/office/powerpoint/2010/main" val="1306803872"/>
       </p:ext>
     </p:extLst>
   </p:cSld>
@@ -22813,21 +23056,6 @@
 </file>
 
 <file path=customXml/item1.xml><?xml version="1.0" encoding="utf-8"?>
-<p:properties xmlns:p="http://schemas.microsoft.com/office/2006/metadata/properties" xmlns:xsi="http://www.w3.org/2001/XMLSchema-instance" xmlns:pc="http://schemas.microsoft.com/office/infopath/2007/PartnerControls">
-  <documentManagement/>
-</p:properties>
-</file>
-
-<file path=customXml/item2.xml><?xml version="1.0" encoding="utf-8"?>
-<?mso-contentType ?>
-<FormTemplates xmlns="http://schemas.microsoft.com/sharepoint/v3/contenttype/forms">
-  <Display>DocumentLibraryForm</Display>
-  <Edit>DocumentLibraryForm</Edit>
-  <New>DocumentLibraryForm</New>
-</FormTemplates>
-</file>
-
-<file path=customXml/item3.xml><?xml version="1.0" encoding="utf-8"?>
 <ct:contentTypeSchema xmlns:ct="http://schemas.microsoft.com/office/2006/metadata/contentType" xmlns:ma="http://schemas.microsoft.com/office/2006/metadata/properties/metaAttributes" ct:_="" ma:_="" ma:contentTypeName="Document" ma:contentTypeID="0x01010053E2693203405740801F7909708B9EC8" ma:contentTypeVersion="5" ma:contentTypeDescription="Create a new document." ma:contentTypeScope="" ma:versionID="3cc64ba863a136717d98f4cadf623a68">
   <xsd:schema xmlns:xsd="http://www.w3.org/2001/XMLSchema" xmlns:xs="http://www.w3.org/2001/XMLSchema" xmlns:p="http://schemas.microsoft.com/office/2006/metadata/properties" xmlns:ns3="780ef8cb-f8f0-4b28-995f-37deb65e31ee" xmlns:ns4="e1302021-5d63-4075-b4cc-40354b0dcffd" targetNamespace="http://schemas.microsoft.com/office/2006/metadata/properties" ma:root="true" ma:fieldsID="9e9b218546a662db9583a9e010d8a944" ns3:_="" ns4:_="">
     <xsd:import namespace="780ef8cb-f8f0-4b28-995f-37deb65e31ee"/>
@@ -22998,32 +23226,22 @@
 </ct:contentTypeSchema>
 </file>
 
-<file path=customXml/itemProps1.xml><?xml version="1.0" encoding="utf-8"?>
-<ds:datastoreItem xmlns:ds="http://schemas.openxmlformats.org/officeDocument/2006/customXml" ds:itemID="{F9F92D47-1E07-44F0-8B8A-1B18DEF96C1F}">
-  <ds:schemaRefs>
-    <ds:schemaRef ds:uri="http://purl.org/dc/terms/"/>
-    <ds:schemaRef ds:uri="http://schemas.openxmlformats.org/package/2006/metadata/core-properties"/>
-    <ds:schemaRef ds:uri="http://schemas.microsoft.com/office/2006/documentManagement/types"/>
-    <ds:schemaRef ds:uri="http://schemas.microsoft.com/office/infopath/2007/PartnerControls"/>
-    <ds:schemaRef ds:uri="http://purl.org/dc/elements/1.1/"/>
-    <ds:schemaRef ds:uri="http://schemas.microsoft.com/office/2006/metadata/properties"/>
-    <ds:schemaRef ds:uri="e1302021-5d63-4075-b4cc-40354b0dcffd"/>
-    <ds:schemaRef ds:uri="780ef8cb-f8f0-4b28-995f-37deb65e31ee"/>
-    <ds:schemaRef ds:uri="http://www.w3.org/XML/1998/namespace"/>
-    <ds:schemaRef ds:uri="http://purl.org/dc/dcmitype/"/>
-  </ds:schemaRefs>
-</ds:datastoreItem>
+<file path=customXml/item2.xml><?xml version="1.0" encoding="utf-8"?>
+<?mso-contentType ?>
+<FormTemplates xmlns="http://schemas.microsoft.com/sharepoint/v3/contenttype/forms">
+  <Display>DocumentLibraryForm</Display>
+  <Edit>DocumentLibraryForm</Edit>
+  <New>DocumentLibraryForm</New>
+</FormTemplates>
 </file>
 
-<file path=customXml/itemProps2.xml><?xml version="1.0" encoding="utf-8"?>
-<ds:datastoreItem xmlns:ds="http://schemas.openxmlformats.org/officeDocument/2006/customXml" ds:itemID="{3DFFDB76-D8F0-40C1-A211-D3AD37A91750}">
-  <ds:schemaRefs>
-    <ds:schemaRef ds:uri="http://schemas.microsoft.com/sharepoint/v3/contenttype/forms"/>
-  </ds:schemaRefs>
-</ds:datastoreItem>
+<file path=customXml/item3.xml><?xml version="1.0" encoding="utf-8"?>
+<p:properties xmlns:p="http://schemas.microsoft.com/office/2006/metadata/properties" xmlns:xsi="http://www.w3.org/2001/XMLSchema-instance" xmlns:pc="http://schemas.microsoft.com/office/infopath/2007/PartnerControls">
+  <documentManagement/>
+</p:properties>
 </file>
 
-<file path=customXml/itemProps3.xml><?xml version="1.0" encoding="utf-8"?>
+<file path=customXml/itemProps1.xml><?xml version="1.0" encoding="utf-8"?>
 <ds:datastoreItem xmlns:ds="http://schemas.openxmlformats.org/officeDocument/2006/customXml" ds:itemID="{7342E5A7-CEBE-4331-8B53-9BEC012B837A}">
   <ds:schemaRefs>
     <ds:schemaRef ds:uri="http://schemas.microsoft.com/office/2006/metadata/contentType"/>
@@ -23040,4 +23258,29 @@
     <ds:schemaRef ds:uri="http://schemas.microsoft.com/internal/obd"/>
   </ds:schemaRefs>
 </ds:datastoreItem>
+</file>
+
+<file path=customXml/itemProps2.xml><?xml version="1.0" encoding="utf-8"?>
+<ds:datastoreItem xmlns:ds="http://schemas.openxmlformats.org/officeDocument/2006/customXml" ds:itemID="{3DFFDB76-D8F0-40C1-A211-D3AD37A91750}">
+  <ds:schemaRefs>
+    <ds:schemaRef ds:uri="http://schemas.microsoft.com/sharepoint/v3/contenttype/forms"/>
+  </ds:schemaRefs>
+</ds:datastoreItem>
+</file>
+
+<file path=customXml/itemProps3.xml><?xml version="1.0" encoding="utf-8"?>
+<ds:datastoreItem xmlns:ds="http://schemas.openxmlformats.org/officeDocument/2006/customXml" ds:itemID="{F9F92D47-1E07-44F0-8B8A-1B18DEF96C1F}">
+  <ds:schemaRefs>
+    <ds:schemaRef ds:uri="http://purl.org/dc/terms/"/>
+    <ds:schemaRef ds:uri="http://schemas.openxmlformats.org/package/2006/metadata/core-properties"/>
+    <ds:schemaRef ds:uri="http://schemas.microsoft.com/office/2006/documentManagement/types"/>
+    <ds:schemaRef ds:uri="http://schemas.microsoft.com/office/infopath/2007/PartnerControls"/>
+    <ds:schemaRef ds:uri="http://purl.org/dc/elements/1.1/"/>
+    <ds:schemaRef ds:uri="http://schemas.microsoft.com/office/2006/metadata/properties"/>
+    <ds:schemaRef ds:uri="e1302021-5d63-4075-b4cc-40354b0dcffd"/>
+    <ds:schemaRef ds:uri="780ef8cb-f8f0-4b28-995f-37deb65e31ee"/>
+    <ds:schemaRef ds:uri="http://www.w3.org/XML/1998/namespace"/>
+    <ds:schemaRef ds:uri="http://purl.org/dc/dcmitype/"/>
+  </ds:schemaRefs>
+</ds:datastoreItem>
 </file>
--- a/ClassSlides/Course3.pptx
+++ b/ClassSlides/Course3.pptx
@@ -3503,7 +3503,7 @@
             </a:pPr>
             <a:r>
               <a:rPr lang="en-US" dirty="0"/>
-              <a:t>Investment decision-making</a:t>
+              <a:t>Investment decision making</a:t>
             </a:r>
           </a:p>
           <a:p>
@@ -3542,23 +3542,13 @@
             </a:r>
             <a:r>
               <a:rPr lang="en-US" dirty="0"/>
-              <a:t> users guide</a:t>
-            </a:r>
-            <a:r>
-              <a:rPr lang="en-US"/>
-              <a:t>:          </a:t>
-            </a:r>
-            <a:r>
-              <a:rPr lang="en-US">
-                <a:hlinkClick r:id="rId2"/>
-              </a:rPr>
-              <a:t>https</a:t>
+              <a:t> users guide:          </a:t>
             </a:r>
             <a:r>
               <a:rPr lang="en-US" dirty="0">
                 <a:hlinkClick r:id="rId2"/>
               </a:rPr>
-              <a:t>://www.gams.com/fileadmin/community/contrib/doc/mccarlgamsuserguide.pdf</a:t>
+              <a:t>https://www.gams.com/fileadmin/community/contrib/doc/mccarlgamsuserguide.pdf</a:t>
             </a:r>
             <a:endParaRPr lang="en-US" dirty="0"/>
           </a:p>
@@ -3645,7 +3635,7 @@
           <a:p>
             <a:r>
               <a:rPr lang="en-US" dirty="0"/>
-              <a:t>Theory of optimization – can vote on this</a:t>
+              <a:t>(Brief) theory of optimization – We can vote on this</a:t>
             </a:r>
           </a:p>
           <a:p>
@@ -3683,6 +3673,13 @@
             <a:pPr lvl="1"/>
             <a:r>
               <a:rPr lang="en-US" dirty="0"/>
+              <a:t>Dealing with outputs in R</a:t>
+            </a:r>
+          </a:p>
+          <a:p>
+            <a:pPr lvl="1"/>
+            <a:r>
+              <a:rPr lang="en-US" dirty="0"/>
               <a:t>Using the command prompt, creating .bat/.</a:t>
             </a:r>
             <a:r>
@@ -3692,13 +3689,6 @@
             <a:r>
               <a:rPr lang="en-US" dirty="0"/>
               <a:t> files</a:t>
-            </a:r>
-          </a:p>
-          <a:p>
-            <a:pPr lvl="1"/>
-            <a:r>
-              <a:rPr lang="en-US" dirty="0"/>
-              <a:t>Dealing with outputs in R</a:t>
             </a:r>
           </a:p>
           <a:p>
@@ -23056,6 +23046,21 @@
 </file>
 
 <file path=customXml/item1.xml><?xml version="1.0" encoding="utf-8"?>
+<p:properties xmlns:p="http://schemas.microsoft.com/office/2006/metadata/properties" xmlns:xsi="http://www.w3.org/2001/XMLSchema-instance" xmlns:pc="http://schemas.microsoft.com/office/infopath/2007/PartnerControls">
+  <documentManagement/>
+</p:properties>
+</file>
+
+<file path=customXml/item2.xml><?xml version="1.0" encoding="utf-8"?>
+<?mso-contentType ?>
+<FormTemplates xmlns="http://schemas.microsoft.com/sharepoint/v3/contenttype/forms">
+  <Display>DocumentLibraryForm</Display>
+  <Edit>DocumentLibraryForm</Edit>
+  <New>DocumentLibraryForm</New>
+</FormTemplates>
+</file>
+
+<file path=customXml/item3.xml><?xml version="1.0" encoding="utf-8"?>
 <ct:contentTypeSchema xmlns:ct="http://schemas.microsoft.com/office/2006/metadata/contentType" xmlns:ma="http://schemas.microsoft.com/office/2006/metadata/properties/metaAttributes" ct:_="" ma:_="" ma:contentTypeName="Document" ma:contentTypeID="0x01010053E2693203405740801F7909708B9EC8" ma:contentTypeVersion="5" ma:contentTypeDescription="Create a new document." ma:contentTypeScope="" ma:versionID="3cc64ba863a136717d98f4cadf623a68">
   <xsd:schema xmlns:xsd="http://www.w3.org/2001/XMLSchema" xmlns:xs="http://www.w3.org/2001/XMLSchema" xmlns:p="http://schemas.microsoft.com/office/2006/metadata/properties" xmlns:ns3="780ef8cb-f8f0-4b28-995f-37deb65e31ee" xmlns:ns4="e1302021-5d63-4075-b4cc-40354b0dcffd" targetNamespace="http://schemas.microsoft.com/office/2006/metadata/properties" ma:root="true" ma:fieldsID="9e9b218546a662db9583a9e010d8a944" ns3:_="" ns4:_="">
     <xsd:import namespace="780ef8cb-f8f0-4b28-995f-37deb65e31ee"/>
@@ -23226,22 +23231,32 @@
 </ct:contentTypeSchema>
 </file>
 
-<file path=customXml/item2.xml><?xml version="1.0" encoding="utf-8"?>
-<?mso-contentType ?>
-<FormTemplates xmlns="http://schemas.microsoft.com/sharepoint/v3/contenttype/forms">
-  <Display>DocumentLibraryForm</Display>
-  <Edit>DocumentLibraryForm</Edit>
-  <New>DocumentLibraryForm</New>
-</FormTemplates>
+<file path=customXml/itemProps1.xml><?xml version="1.0" encoding="utf-8"?>
+<ds:datastoreItem xmlns:ds="http://schemas.openxmlformats.org/officeDocument/2006/customXml" ds:itemID="{F9F92D47-1E07-44F0-8B8A-1B18DEF96C1F}">
+  <ds:schemaRefs>
+    <ds:schemaRef ds:uri="http://purl.org/dc/terms/"/>
+    <ds:schemaRef ds:uri="http://schemas.openxmlformats.org/package/2006/metadata/core-properties"/>
+    <ds:schemaRef ds:uri="http://schemas.microsoft.com/office/2006/documentManagement/types"/>
+    <ds:schemaRef ds:uri="http://schemas.microsoft.com/office/infopath/2007/PartnerControls"/>
+    <ds:schemaRef ds:uri="http://purl.org/dc/elements/1.1/"/>
+    <ds:schemaRef ds:uri="http://schemas.microsoft.com/office/2006/metadata/properties"/>
+    <ds:schemaRef ds:uri="e1302021-5d63-4075-b4cc-40354b0dcffd"/>
+    <ds:schemaRef ds:uri="780ef8cb-f8f0-4b28-995f-37deb65e31ee"/>
+    <ds:schemaRef ds:uri="http://www.w3.org/XML/1998/namespace"/>
+    <ds:schemaRef ds:uri="http://purl.org/dc/dcmitype/"/>
+  </ds:schemaRefs>
+</ds:datastoreItem>
 </file>
 
-<file path=customXml/item3.xml><?xml version="1.0" encoding="utf-8"?>
-<p:properties xmlns:p="http://schemas.microsoft.com/office/2006/metadata/properties" xmlns:xsi="http://www.w3.org/2001/XMLSchema-instance" xmlns:pc="http://schemas.microsoft.com/office/infopath/2007/PartnerControls">
-  <documentManagement/>
-</p:properties>
+<file path=customXml/itemProps2.xml><?xml version="1.0" encoding="utf-8"?>
+<ds:datastoreItem xmlns:ds="http://schemas.openxmlformats.org/officeDocument/2006/customXml" ds:itemID="{3DFFDB76-D8F0-40C1-A211-D3AD37A91750}">
+  <ds:schemaRefs>
+    <ds:schemaRef ds:uri="http://schemas.microsoft.com/sharepoint/v3/contenttype/forms"/>
+  </ds:schemaRefs>
+</ds:datastoreItem>
 </file>
 
-<file path=customXml/itemProps1.xml><?xml version="1.0" encoding="utf-8"?>
+<file path=customXml/itemProps3.xml><?xml version="1.0" encoding="utf-8"?>
 <ds:datastoreItem xmlns:ds="http://schemas.openxmlformats.org/officeDocument/2006/customXml" ds:itemID="{7342E5A7-CEBE-4331-8B53-9BEC012B837A}">
   <ds:schemaRefs>
     <ds:schemaRef ds:uri="http://schemas.microsoft.com/office/2006/metadata/contentType"/>
@@ -23258,29 +23273,4 @@
     <ds:schemaRef ds:uri="http://schemas.microsoft.com/internal/obd"/>
   </ds:schemaRefs>
 </ds:datastoreItem>
-</file>
-
-<file path=customXml/itemProps2.xml><?xml version="1.0" encoding="utf-8"?>
-<ds:datastoreItem xmlns:ds="http://schemas.openxmlformats.org/officeDocument/2006/customXml" ds:itemID="{3DFFDB76-D8F0-40C1-A211-D3AD37A91750}">
-  <ds:schemaRefs>
-    <ds:schemaRef ds:uri="http://schemas.microsoft.com/sharepoint/v3/contenttype/forms"/>
-  </ds:schemaRefs>
-</ds:datastoreItem>
-</file>
-
-<file path=customXml/itemProps3.xml><?xml version="1.0" encoding="utf-8"?>
-<ds:datastoreItem xmlns:ds="http://schemas.openxmlformats.org/officeDocument/2006/customXml" ds:itemID="{F9F92D47-1E07-44F0-8B8A-1B18DEF96C1F}">
-  <ds:schemaRefs>
-    <ds:schemaRef ds:uri="http://purl.org/dc/terms/"/>
-    <ds:schemaRef ds:uri="http://schemas.openxmlformats.org/package/2006/metadata/core-properties"/>
-    <ds:schemaRef ds:uri="http://schemas.microsoft.com/office/2006/documentManagement/types"/>
-    <ds:schemaRef ds:uri="http://schemas.microsoft.com/office/infopath/2007/PartnerControls"/>
-    <ds:schemaRef ds:uri="http://purl.org/dc/elements/1.1/"/>
-    <ds:schemaRef ds:uri="http://schemas.microsoft.com/office/2006/metadata/properties"/>
-    <ds:schemaRef ds:uri="e1302021-5d63-4075-b4cc-40354b0dcffd"/>
-    <ds:schemaRef ds:uri="780ef8cb-f8f0-4b28-995f-37deb65e31ee"/>
-    <ds:schemaRef ds:uri="http://www.w3.org/XML/1998/namespace"/>
-    <ds:schemaRef ds:uri="http://purl.org/dc/dcmitype/"/>
-  </ds:schemaRefs>
-</ds:datastoreItem>
 </file>
--- a/ClassSlides/Course3.pptx
+++ b/ClassSlides/Course3.pptx
@@ -3502,8 +3502,12 @@
               <a:buAutoNum type="arabicPeriod"/>
             </a:pPr>
             <a:r>
+              <a:rPr lang="en-US"/>
+              <a:t>Investment </a:t>
+            </a:r>
+            <a:r>
               <a:rPr lang="en-US" dirty="0"/>
-              <a:t>Investment decision making</a:t>
+              <a:t>decision making</a:t>
             </a:r>
           </a:p>
           <a:p>
